--- a/dpg-fruehjahrstagung-2024/Presentation/Presentation_Marc_Sauter.pptx
+++ b/dpg-fruehjahrstagung-2024/Presentation/Presentation_Marc_Sauter.pptx
@@ -1,9 +1,12 @@
 
 <file path=ppt/presentation.xml><?xml version="1.0" encoding="utf-8"?>
-<p:presentation xmlns:a="http://schemas.openxmlformats.org/drawingml/2006/main" xmlns:r="http://schemas.openxmlformats.org/officeDocument/2006/relationships" xmlns:p="http://schemas.openxmlformats.org/presentationml/2006/main" saveSubsetFonts="1" autoCompressPictures="0">
+<p:presentation xmlns:a="http://schemas.openxmlformats.org/drawingml/2006/main" xmlns:r="http://schemas.openxmlformats.org/officeDocument/2006/relationships" xmlns:p="http://schemas.openxmlformats.org/presentationml/2006/main" showSpecialPlsOnTitleSld="0" saveSubsetFonts="1" autoCompressPictures="0">
   <p:sldMasterIdLst>
     <p:sldMasterId id="2147483648" r:id="rId1"/>
   </p:sldMasterIdLst>
+  <p:notesMasterIdLst>
+    <p:notesMasterId r:id="rId48"/>
+  </p:notesMasterIdLst>
   <p:sldIdLst>
     <p:sldId id="256" r:id="rId2"/>
     <p:sldId id="257" r:id="rId3"/>
@@ -157,6 +160,355 @@
 </p:presentation>
 </file>
 
+<file path=ppt/notesMasters/notesMaster1.xml><?xml version="1.0" encoding="utf-8"?>
+<p:notesMaster xmlns:a="http://schemas.openxmlformats.org/drawingml/2006/main" xmlns:r="http://schemas.openxmlformats.org/officeDocument/2006/relationships" xmlns:p="http://schemas.openxmlformats.org/presentationml/2006/main">
+  <p:cSld>
+    <p:bg>
+      <p:bgRef idx="1001">
+        <a:schemeClr val="bg1"/>
+      </p:bgRef>
+    </p:bg>
+    <p:spTree>
+      <p:nvGrpSpPr>
+        <p:cNvPr id="1" name=""/>
+        <p:cNvGrpSpPr/>
+        <p:nvPr/>
+      </p:nvGrpSpPr>
+      <p:grpSpPr>
+        <a:xfrm>
+          <a:off x="0" y="0"/>
+          <a:ext cx="0" cy="0"/>
+          <a:chOff x="0" y="0"/>
+          <a:chExt cx="0" cy="0"/>
+        </a:xfrm>
+      </p:grpSpPr>
+      <p:sp>
+        <p:nvSpPr>
+          <p:cNvPr id="2" name="Kopfzeilenplatzhalter 1"/>
+          <p:cNvSpPr>
+            <a:spLocks noGrp="1"/>
+          </p:cNvSpPr>
+          <p:nvPr>
+            <p:ph type="hdr" sz="quarter"/>
+          </p:nvPr>
+        </p:nvSpPr>
+        <p:spPr>
+          <a:xfrm>
+            <a:off x="0" y="0"/>
+            <a:ext cx="2971800" cy="458788"/>
+          </a:xfrm>
+          <a:prstGeom prst="rect">
+            <a:avLst/>
+          </a:prstGeom>
+        </p:spPr>
+        <p:txBody>
+          <a:bodyPr vert="horz" lIns="91440" tIns="45720" rIns="91440" bIns="45720" rtlCol="0"/>
+          <a:lstStyle>
+            <a:lvl1pPr algn="l">
+              <a:defRPr sz="1200"/>
+            </a:lvl1pPr>
+          </a:lstStyle>
+          <a:p>
+            <a:endParaRPr lang="de-DE"/>
+          </a:p>
+        </p:txBody>
+      </p:sp>
+      <p:sp>
+        <p:nvSpPr>
+          <p:cNvPr id="3" name="Datumsplatzhalter 2"/>
+          <p:cNvSpPr>
+            <a:spLocks noGrp="1"/>
+          </p:cNvSpPr>
+          <p:nvPr>
+            <p:ph type="dt" idx="1"/>
+          </p:nvPr>
+        </p:nvSpPr>
+        <p:spPr>
+          <a:xfrm>
+            <a:off x="3884613" y="0"/>
+            <a:ext cx="2971800" cy="458788"/>
+          </a:xfrm>
+          <a:prstGeom prst="rect">
+            <a:avLst/>
+          </a:prstGeom>
+        </p:spPr>
+        <p:txBody>
+          <a:bodyPr vert="horz" lIns="91440" tIns="45720" rIns="91440" bIns="45720" rtlCol="0"/>
+          <a:lstStyle>
+            <a:lvl1pPr algn="r">
+              <a:defRPr sz="1200"/>
+            </a:lvl1pPr>
+          </a:lstStyle>
+          <a:p>
+            <a:fld id="{94E93EE4-DBBE-4E6E-9F0B-B1F8CBB3B2CA}" type="datetimeFigureOut">
+              <a:rPr lang="de-DE" smtClean="0"/>
+              <a:t>08.03.2024</a:t>
+            </a:fld>
+            <a:endParaRPr lang="de-DE"/>
+          </a:p>
+        </p:txBody>
+      </p:sp>
+      <p:sp>
+        <p:nvSpPr>
+          <p:cNvPr id="4" name="Folienbildplatzhalter 3"/>
+          <p:cNvSpPr>
+            <a:spLocks noGrp="1" noRot="1" noChangeAspect="1"/>
+          </p:cNvSpPr>
+          <p:nvPr>
+            <p:ph type="sldImg" idx="2"/>
+          </p:nvPr>
+        </p:nvSpPr>
+        <p:spPr>
+          <a:xfrm>
+            <a:off x="685800" y="1143000"/>
+            <a:ext cx="5486400" cy="3086100"/>
+          </a:xfrm>
+          <a:prstGeom prst="rect">
+            <a:avLst/>
+          </a:prstGeom>
+          <a:noFill/>
+          <a:ln w="12700">
+            <a:solidFill>
+              <a:prstClr val="black"/>
+            </a:solidFill>
+          </a:ln>
+        </p:spPr>
+        <p:txBody>
+          <a:bodyPr vert="horz" lIns="91440" tIns="45720" rIns="91440" bIns="45720" rtlCol="0" anchor="ctr"/>
+          <a:lstStyle/>
+          <a:p>
+            <a:endParaRPr lang="de-DE"/>
+          </a:p>
+        </p:txBody>
+      </p:sp>
+      <p:sp>
+        <p:nvSpPr>
+          <p:cNvPr id="5" name="Notizenplatzhalter 4"/>
+          <p:cNvSpPr>
+            <a:spLocks noGrp="1"/>
+          </p:cNvSpPr>
+          <p:nvPr>
+            <p:ph type="body" sz="quarter" idx="3"/>
+          </p:nvPr>
+        </p:nvSpPr>
+        <p:spPr>
+          <a:xfrm>
+            <a:off x="685800" y="4400550"/>
+            <a:ext cx="5486400" cy="3600450"/>
+          </a:xfrm>
+          <a:prstGeom prst="rect">
+            <a:avLst/>
+          </a:prstGeom>
+        </p:spPr>
+        <p:txBody>
+          <a:bodyPr vert="horz" lIns="91440" tIns="45720" rIns="91440" bIns="45720" rtlCol="0"/>
+          <a:lstStyle/>
+          <a:p>
+            <a:pPr lvl="0"/>
+            <a:r>
+              <a:rPr lang="de-DE"/>
+              <a:t>Mastertextformat bearbeiten</a:t>
+            </a:r>
+          </a:p>
+          <a:p>
+            <a:pPr lvl="1"/>
+            <a:r>
+              <a:rPr lang="de-DE"/>
+              <a:t>Zweite Ebene</a:t>
+            </a:r>
+          </a:p>
+          <a:p>
+            <a:pPr lvl="2"/>
+            <a:r>
+              <a:rPr lang="de-DE"/>
+              <a:t>Dritte Ebene</a:t>
+            </a:r>
+          </a:p>
+          <a:p>
+            <a:pPr lvl="3"/>
+            <a:r>
+              <a:rPr lang="de-DE"/>
+              <a:t>Vierte Ebene</a:t>
+            </a:r>
+          </a:p>
+          <a:p>
+            <a:pPr lvl="4"/>
+            <a:r>
+              <a:rPr lang="de-DE"/>
+              <a:t>Fünfte Ebene</a:t>
+            </a:r>
+          </a:p>
+        </p:txBody>
+      </p:sp>
+      <p:sp>
+        <p:nvSpPr>
+          <p:cNvPr id="6" name="Fußzeilenplatzhalter 5"/>
+          <p:cNvSpPr>
+            <a:spLocks noGrp="1"/>
+          </p:cNvSpPr>
+          <p:nvPr>
+            <p:ph type="ftr" sz="quarter" idx="4"/>
+          </p:nvPr>
+        </p:nvSpPr>
+        <p:spPr>
+          <a:xfrm>
+            <a:off x="0" y="8685213"/>
+            <a:ext cx="2971800" cy="458787"/>
+          </a:xfrm>
+          <a:prstGeom prst="rect">
+            <a:avLst/>
+          </a:prstGeom>
+        </p:spPr>
+        <p:txBody>
+          <a:bodyPr vert="horz" lIns="91440" tIns="45720" rIns="91440" bIns="45720" rtlCol="0" anchor="b"/>
+          <a:lstStyle>
+            <a:lvl1pPr algn="l">
+              <a:defRPr sz="1200"/>
+            </a:lvl1pPr>
+          </a:lstStyle>
+          <a:p>
+            <a:endParaRPr lang="de-DE"/>
+          </a:p>
+        </p:txBody>
+      </p:sp>
+      <p:sp>
+        <p:nvSpPr>
+          <p:cNvPr id="7" name="Foliennummernplatzhalter 6"/>
+          <p:cNvSpPr>
+            <a:spLocks noGrp="1"/>
+          </p:cNvSpPr>
+          <p:nvPr>
+            <p:ph type="sldNum" sz="quarter" idx="5"/>
+          </p:nvPr>
+        </p:nvSpPr>
+        <p:spPr>
+          <a:xfrm>
+            <a:off x="3884613" y="8685213"/>
+            <a:ext cx="2971800" cy="458787"/>
+          </a:xfrm>
+          <a:prstGeom prst="rect">
+            <a:avLst/>
+          </a:prstGeom>
+        </p:spPr>
+        <p:txBody>
+          <a:bodyPr vert="horz" lIns="91440" tIns="45720" rIns="91440" bIns="45720" rtlCol="0" anchor="b"/>
+          <a:lstStyle>
+            <a:lvl1pPr algn="r">
+              <a:defRPr sz="1200"/>
+            </a:lvl1pPr>
+          </a:lstStyle>
+          <a:p>
+            <a:fld id="{3D38E7BC-8DF8-4738-901B-72D7790BE9C4}" type="slidenum">
+              <a:rPr lang="de-DE" smtClean="0"/>
+              <a:t>‹Nr.›</a:t>
+            </a:fld>
+            <a:endParaRPr lang="de-DE"/>
+          </a:p>
+        </p:txBody>
+      </p:sp>
+    </p:spTree>
+    <p:extLst>
+      <p:ext uri="{BB962C8B-B14F-4D97-AF65-F5344CB8AC3E}">
+        <p14:creationId xmlns:p14="http://schemas.microsoft.com/office/powerpoint/2010/main" val="2169794329"/>
+      </p:ext>
+    </p:extLst>
+  </p:cSld>
+  <p:clrMap bg1="lt1" tx1="dk1" bg2="lt2" tx2="dk2" accent1="accent1" accent2="accent2" accent3="accent3" accent4="accent4" accent5="accent5" accent6="accent6" hlink="hlink" folHlink="folHlink"/>
+  <p:notesStyle>
+    <a:lvl1pPr marL="0" algn="l" defTabSz="914400" rtl="0" eaLnBrk="1" latinLnBrk="0" hangingPunct="1">
+      <a:defRPr sz="1200" kern="1200">
+        <a:solidFill>
+          <a:schemeClr val="tx1"/>
+        </a:solidFill>
+        <a:latin typeface="+mn-lt"/>
+        <a:ea typeface="+mn-ea"/>
+        <a:cs typeface="+mn-cs"/>
+      </a:defRPr>
+    </a:lvl1pPr>
+    <a:lvl2pPr marL="457200" algn="l" defTabSz="914400" rtl="0" eaLnBrk="1" latinLnBrk="0" hangingPunct="1">
+      <a:defRPr sz="1200" kern="1200">
+        <a:solidFill>
+          <a:schemeClr val="tx1"/>
+        </a:solidFill>
+        <a:latin typeface="+mn-lt"/>
+        <a:ea typeface="+mn-ea"/>
+        <a:cs typeface="+mn-cs"/>
+      </a:defRPr>
+    </a:lvl2pPr>
+    <a:lvl3pPr marL="914400" algn="l" defTabSz="914400" rtl="0" eaLnBrk="1" latinLnBrk="0" hangingPunct="1">
+      <a:defRPr sz="1200" kern="1200">
+        <a:solidFill>
+          <a:schemeClr val="tx1"/>
+        </a:solidFill>
+        <a:latin typeface="+mn-lt"/>
+        <a:ea typeface="+mn-ea"/>
+        <a:cs typeface="+mn-cs"/>
+      </a:defRPr>
+    </a:lvl3pPr>
+    <a:lvl4pPr marL="1371600" algn="l" defTabSz="914400" rtl="0" eaLnBrk="1" latinLnBrk="0" hangingPunct="1">
+      <a:defRPr sz="1200" kern="1200">
+        <a:solidFill>
+          <a:schemeClr val="tx1"/>
+        </a:solidFill>
+        <a:latin typeface="+mn-lt"/>
+        <a:ea typeface="+mn-ea"/>
+        <a:cs typeface="+mn-cs"/>
+      </a:defRPr>
+    </a:lvl4pPr>
+    <a:lvl5pPr marL="1828800" algn="l" defTabSz="914400" rtl="0" eaLnBrk="1" latinLnBrk="0" hangingPunct="1">
+      <a:defRPr sz="1200" kern="1200">
+        <a:solidFill>
+          <a:schemeClr val="tx1"/>
+        </a:solidFill>
+        <a:latin typeface="+mn-lt"/>
+        <a:ea typeface="+mn-ea"/>
+        <a:cs typeface="+mn-cs"/>
+      </a:defRPr>
+    </a:lvl5pPr>
+    <a:lvl6pPr marL="2286000" algn="l" defTabSz="914400" rtl="0" eaLnBrk="1" latinLnBrk="0" hangingPunct="1">
+      <a:defRPr sz="1200" kern="1200">
+        <a:solidFill>
+          <a:schemeClr val="tx1"/>
+        </a:solidFill>
+        <a:latin typeface="+mn-lt"/>
+        <a:ea typeface="+mn-ea"/>
+        <a:cs typeface="+mn-cs"/>
+      </a:defRPr>
+    </a:lvl6pPr>
+    <a:lvl7pPr marL="2743200" algn="l" defTabSz="914400" rtl="0" eaLnBrk="1" latinLnBrk="0" hangingPunct="1">
+      <a:defRPr sz="1200" kern="1200">
+        <a:solidFill>
+          <a:schemeClr val="tx1"/>
+        </a:solidFill>
+        <a:latin typeface="+mn-lt"/>
+        <a:ea typeface="+mn-ea"/>
+        <a:cs typeface="+mn-cs"/>
+      </a:defRPr>
+    </a:lvl7pPr>
+    <a:lvl8pPr marL="3200400" algn="l" defTabSz="914400" rtl="0" eaLnBrk="1" latinLnBrk="0" hangingPunct="1">
+      <a:defRPr sz="1200" kern="1200">
+        <a:solidFill>
+          <a:schemeClr val="tx1"/>
+        </a:solidFill>
+        <a:latin typeface="+mn-lt"/>
+        <a:ea typeface="+mn-ea"/>
+        <a:cs typeface="+mn-cs"/>
+      </a:defRPr>
+    </a:lvl8pPr>
+    <a:lvl9pPr marL="3657600" algn="l" defTabSz="914400" rtl="0" eaLnBrk="1" latinLnBrk="0" hangingPunct="1">
+      <a:defRPr sz="1200" kern="1200">
+        <a:solidFill>
+          <a:schemeClr val="tx1"/>
+        </a:solidFill>
+        <a:latin typeface="+mn-lt"/>
+        <a:ea typeface="+mn-ea"/>
+        <a:cs typeface="+mn-cs"/>
+      </a:defRPr>
+    </a:lvl9pPr>
+  </p:notesStyle>
+</p:notesMaster>
+</file>
+
 <file path=ppt/slideLayouts/slideLayout1.xml><?xml version="1.0" encoding="utf-8"?>
 <p:sldLayout xmlns:a="http://schemas.openxmlformats.org/drawingml/2006/main" xmlns:r="http://schemas.openxmlformats.org/officeDocument/2006/relationships" xmlns:p="http://schemas.openxmlformats.org/presentationml/2006/main" type="title" preserve="1">
   <p:cSld name="Titelfolie">
@@ -302,11 +654,10 @@
           <a:bodyPr/>
           <a:lstStyle/>
           <a:p>
-            <a:fld id="{175ED403-65CA-4AD4-A518-3B9628522FE3}" type="datetimeFigureOut">
-              <a:rPr lang="de-DE" smtClean="0"/>
-              <a:t>05.03.2024</a:t>
-            </a:fld>
-            <a:endParaRPr lang="de-DE"/>
+            <a:r>
+              <a:rPr lang="de-DE"/>
+              <a:t>Marc Sauter</a:t>
+            </a:r>
           </a:p>
         </p:txBody>
       </p:sp>
@@ -331,7 +682,10 @@
           <a:bodyPr/>
           <a:lstStyle/>
           <a:p>
-            <a:endParaRPr lang="de-DE"/>
+            <a:r>
+              <a:rPr lang="de-DE"/>
+              <a:t>University of Stuttgart</a:t>
+            </a:r>
           </a:p>
         </p:txBody>
       </p:sp>
@@ -374,13 +728,13 @@
   <p:clrMapOvr>
     <a:masterClrMapping/>
   </p:clrMapOvr>
-  <mc:AlternateContent xmlns:mc="http://schemas.openxmlformats.org/markup-compatibility/2006">
-    <mc:Choice xmlns:p159="http://schemas.microsoft.com/office/powerpoint/2015/09/main" Requires="p159">
+  <mc:AlternateContent xmlns:mc="http://schemas.openxmlformats.org/markup-compatibility/2006" xmlns:p159="http://schemas.microsoft.com/office/powerpoint/2015/09/main">
+    <mc:Choice Requires="p159">
       <p:transition>
         <p159:morph option="byWord"/>
       </p:transition>
     </mc:Choice>
-    <mc:Fallback>
+    <mc:Fallback xmlns="">
       <p:transition>
         <p:fade/>
       </p:transition>
@@ -512,11 +866,10 @@
           <a:bodyPr/>
           <a:lstStyle/>
           <a:p>
-            <a:fld id="{175ED403-65CA-4AD4-A518-3B9628522FE3}" type="datetimeFigureOut">
-              <a:rPr lang="de-DE" smtClean="0"/>
-              <a:t>05.03.2024</a:t>
-            </a:fld>
-            <a:endParaRPr lang="de-DE"/>
+            <a:r>
+              <a:rPr lang="de-DE"/>
+              <a:t>Marc Sauter</a:t>
+            </a:r>
           </a:p>
         </p:txBody>
       </p:sp>
@@ -541,7 +894,10 @@
           <a:bodyPr/>
           <a:lstStyle/>
           <a:p>
-            <a:endParaRPr lang="de-DE"/>
+            <a:r>
+              <a:rPr lang="de-DE"/>
+              <a:t>University of Stuttgart</a:t>
+            </a:r>
           </a:p>
         </p:txBody>
       </p:sp>
@@ -584,13 +940,13 @@
   <p:clrMapOvr>
     <a:masterClrMapping/>
   </p:clrMapOvr>
-  <mc:AlternateContent xmlns:mc="http://schemas.openxmlformats.org/markup-compatibility/2006">
-    <mc:Choice xmlns:p159="http://schemas.microsoft.com/office/powerpoint/2015/09/main" Requires="p159">
+  <mc:AlternateContent xmlns:mc="http://schemas.openxmlformats.org/markup-compatibility/2006" xmlns:p159="http://schemas.microsoft.com/office/powerpoint/2015/09/main">
+    <mc:Choice Requires="p159">
       <p:transition>
         <p159:morph option="byWord"/>
       </p:transition>
     </mc:Choice>
-    <mc:Fallback>
+    <mc:Fallback xmlns="">
       <p:transition>
         <p:fade/>
       </p:transition>
@@ -732,11 +1088,10 @@
           <a:bodyPr/>
           <a:lstStyle/>
           <a:p>
-            <a:fld id="{175ED403-65CA-4AD4-A518-3B9628522FE3}" type="datetimeFigureOut">
-              <a:rPr lang="de-DE" smtClean="0"/>
-              <a:t>05.03.2024</a:t>
-            </a:fld>
-            <a:endParaRPr lang="de-DE"/>
+            <a:r>
+              <a:rPr lang="de-DE"/>
+              <a:t>Marc Sauter</a:t>
+            </a:r>
           </a:p>
         </p:txBody>
       </p:sp>
@@ -761,7 +1116,10 @@
           <a:bodyPr/>
           <a:lstStyle/>
           <a:p>
-            <a:endParaRPr lang="de-DE"/>
+            <a:r>
+              <a:rPr lang="de-DE"/>
+              <a:t>University of Stuttgart</a:t>
+            </a:r>
           </a:p>
         </p:txBody>
       </p:sp>
@@ -804,13 +1162,13 @@
   <p:clrMapOvr>
     <a:masterClrMapping/>
   </p:clrMapOvr>
-  <mc:AlternateContent xmlns:mc="http://schemas.openxmlformats.org/markup-compatibility/2006">
-    <mc:Choice xmlns:p159="http://schemas.microsoft.com/office/powerpoint/2015/09/main" Requires="p159">
+  <mc:AlternateContent xmlns:mc="http://schemas.openxmlformats.org/markup-compatibility/2006" xmlns:p159="http://schemas.microsoft.com/office/powerpoint/2015/09/main">
+    <mc:Choice Requires="p159">
       <p:transition>
         <p159:morph option="byWord"/>
       </p:transition>
     </mc:Choice>
-    <mc:Fallback>
+    <mc:Fallback xmlns="">
       <p:transition>
         <p:fade/>
       </p:transition>
@@ -942,11 +1300,11 @@
           <a:bodyPr/>
           <a:lstStyle/>
           <a:p>
-            <a:fld id="{175ED403-65CA-4AD4-A518-3B9628522FE3}" type="datetimeFigureOut">
-              <a:rPr lang="de-DE" smtClean="0"/>
-              <a:t>05.03.2024</a:t>
-            </a:fld>
-            <a:endParaRPr lang="de-DE"/>
+            <a:r>
+              <a:rPr lang="de-DE"/>
+              <a:t>Marc Sauter</a:t>
+            </a:r>
+            <a:endParaRPr lang="de-DE" dirty="0"/>
           </a:p>
         </p:txBody>
       </p:sp>
@@ -971,7 +1329,11 @@
           <a:bodyPr/>
           <a:lstStyle/>
           <a:p>
-            <a:endParaRPr lang="de-DE"/>
+            <a:r>
+              <a:rPr lang="de-DE"/>
+              <a:t>University of Stuttgart</a:t>
+            </a:r>
+            <a:endParaRPr lang="de-DE" dirty="0"/>
           </a:p>
         </p:txBody>
       </p:sp>
@@ -1014,13 +1376,13 @@
   <p:clrMapOvr>
     <a:masterClrMapping/>
   </p:clrMapOvr>
-  <mc:AlternateContent xmlns:mc="http://schemas.openxmlformats.org/markup-compatibility/2006">
-    <mc:Choice xmlns:p159="http://schemas.microsoft.com/office/powerpoint/2015/09/main" Requires="p159">
+  <mc:AlternateContent xmlns:mc="http://schemas.openxmlformats.org/markup-compatibility/2006" xmlns:p159="http://schemas.microsoft.com/office/powerpoint/2015/09/main">
+    <mc:Choice Requires="p159">
       <p:transition>
         <p159:morph option="byWord"/>
       </p:transition>
     </mc:Choice>
-    <mc:Fallback>
+    <mc:Fallback xmlns="">
       <p:transition>
         <p:fade/>
       </p:transition>
@@ -1229,11 +1591,10 @@
           <a:bodyPr/>
           <a:lstStyle/>
           <a:p>
-            <a:fld id="{175ED403-65CA-4AD4-A518-3B9628522FE3}" type="datetimeFigureOut">
-              <a:rPr lang="de-DE" smtClean="0"/>
-              <a:t>05.03.2024</a:t>
-            </a:fld>
-            <a:endParaRPr lang="de-DE"/>
+            <a:r>
+              <a:rPr lang="de-DE"/>
+              <a:t>Marc Sauter</a:t>
+            </a:r>
           </a:p>
         </p:txBody>
       </p:sp>
@@ -1258,7 +1619,10 @@
           <a:bodyPr/>
           <a:lstStyle/>
           <a:p>
-            <a:endParaRPr lang="de-DE"/>
+            <a:r>
+              <a:rPr lang="de-DE"/>
+              <a:t>University of Stuttgart</a:t>
+            </a:r>
           </a:p>
         </p:txBody>
       </p:sp>
@@ -1301,13 +1665,13 @@
   <p:clrMapOvr>
     <a:masterClrMapping/>
   </p:clrMapOvr>
-  <mc:AlternateContent xmlns:mc="http://schemas.openxmlformats.org/markup-compatibility/2006">
-    <mc:Choice xmlns:p159="http://schemas.microsoft.com/office/powerpoint/2015/09/main" Requires="p159">
+  <mc:AlternateContent xmlns:mc="http://schemas.openxmlformats.org/markup-compatibility/2006" xmlns:p159="http://schemas.microsoft.com/office/powerpoint/2015/09/main">
+    <mc:Choice Requires="p159">
       <p:transition>
         <p159:morph option="byWord"/>
       </p:transition>
     </mc:Choice>
-    <mc:Fallback>
+    <mc:Fallback xmlns="">
       <p:transition>
         <p:fade/>
       </p:transition>
@@ -1506,11 +1870,10 @@
           <a:bodyPr/>
           <a:lstStyle/>
           <a:p>
-            <a:fld id="{175ED403-65CA-4AD4-A518-3B9628522FE3}" type="datetimeFigureOut">
-              <a:rPr lang="de-DE" smtClean="0"/>
-              <a:t>05.03.2024</a:t>
-            </a:fld>
-            <a:endParaRPr lang="de-DE"/>
+            <a:r>
+              <a:rPr lang="de-DE"/>
+              <a:t>Marc Sauter</a:t>
+            </a:r>
           </a:p>
         </p:txBody>
       </p:sp>
@@ -1535,7 +1898,10 @@
           <a:bodyPr/>
           <a:lstStyle/>
           <a:p>
-            <a:endParaRPr lang="de-DE"/>
+            <a:r>
+              <a:rPr lang="de-DE"/>
+              <a:t>University of Stuttgart</a:t>
+            </a:r>
           </a:p>
         </p:txBody>
       </p:sp>
@@ -1578,13 +1944,13 @@
   <p:clrMapOvr>
     <a:masterClrMapping/>
   </p:clrMapOvr>
-  <mc:AlternateContent xmlns:mc="http://schemas.openxmlformats.org/markup-compatibility/2006">
-    <mc:Choice xmlns:p159="http://schemas.microsoft.com/office/powerpoint/2015/09/main" Requires="p159">
+  <mc:AlternateContent xmlns:mc="http://schemas.openxmlformats.org/markup-compatibility/2006" xmlns:p159="http://schemas.microsoft.com/office/powerpoint/2015/09/main">
+    <mc:Choice Requires="p159">
       <p:transition>
         <p159:morph option="byWord"/>
       </p:transition>
     </mc:Choice>
-    <mc:Fallback>
+    <mc:Fallback xmlns="">
       <p:transition>
         <p:fade/>
       </p:transition>
@@ -1930,11 +2296,10 @@
           <a:bodyPr/>
           <a:lstStyle/>
           <a:p>
-            <a:fld id="{175ED403-65CA-4AD4-A518-3B9628522FE3}" type="datetimeFigureOut">
-              <a:rPr lang="de-DE" smtClean="0"/>
-              <a:t>05.03.2024</a:t>
-            </a:fld>
-            <a:endParaRPr lang="de-DE"/>
+            <a:r>
+              <a:rPr lang="de-DE"/>
+              <a:t>Marc Sauter</a:t>
+            </a:r>
           </a:p>
         </p:txBody>
       </p:sp>
@@ -1959,7 +2324,10 @@
           <a:bodyPr/>
           <a:lstStyle/>
           <a:p>
-            <a:endParaRPr lang="de-DE"/>
+            <a:r>
+              <a:rPr lang="de-DE"/>
+              <a:t>University of Stuttgart</a:t>
+            </a:r>
           </a:p>
         </p:txBody>
       </p:sp>
@@ -2002,13 +2370,13 @@
   <p:clrMapOvr>
     <a:masterClrMapping/>
   </p:clrMapOvr>
-  <mc:AlternateContent xmlns:mc="http://schemas.openxmlformats.org/markup-compatibility/2006">
-    <mc:Choice xmlns:p159="http://schemas.microsoft.com/office/powerpoint/2015/09/main" Requires="p159">
+  <mc:AlternateContent xmlns:mc="http://schemas.openxmlformats.org/markup-compatibility/2006" xmlns:p159="http://schemas.microsoft.com/office/powerpoint/2015/09/main">
+    <mc:Choice Requires="p159">
       <p:transition>
         <p159:morph option="byWord"/>
       </p:transition>
     </mc:Choice>
-    <mc:Fallback>
+    <mc:Fallback xmlns="">
       <p:transition>
         <p:fade/>
       </p:transition>
@@ -2083,11 +2451,10 @@
           <a:bodyPr/>
           <a:lstStyle/>
           <a:p>
-            <a:fld id="{175ED403-65CA-4AD4-A518-3B9628522FE3}" type="datetimeFigureOut">
-              <a:rPr lang="de-DE" smtClean="0"/>
-              <a:t>05.03.2024</a:t>
-            </a:fld>
-            <a:endParaRPr lang="de-DE"/>
+            <a:r>
+              <a:rPr lang="de-DE"/>
+              <a:t>Marc Sauter</a:t>
+            </a:r>
           </a:p>
         </p:txBody>
       </p:sp>
@@ -2112,7 +2479,10 @@
           <a:bodyPr/>
           <a:lstStyle/>
           <a:p>
-            <a:endParaRPr lang="de-DE"/>
+            <a:r>
+              <a:rPr lang="de-DE"/>
+              <a:t>University of Stuttgart</a:t>
+            </a:r>
           </a:p>
         </p:txBody>
       </p:sp>
@@ -2155,13 +2525,13 @@
   <p:clrMapOvr>
     <a:masterClrMapping/>
   </p:clrMapOvr>
-  <mc:AlternateContent xmlns:mc="http://schemas.openxmlformats.org/markup-compatibility/2006">
-    <mc:Choice xmlns:p159="http://schemas.microsoft.com/office/powerpoint/2015/09/main" Requires="p159">
+  <mc:AlternateContent xmlns:mc="http://schemas.openxmlformats.org/markup-compatibility/2006" xmlns:p159="http://schemas.microsoft.com/office/powerpoint/2015/09/main">
+    <mc:Choice Requires="p159">
       <p:transition>
         <p159:morph option="byWord"/>
       </p:transition>
     </mc:Choice>
-    <mc:Fallback>
+    <mc:Fallback xmlns="">
       <p:transition>
         <p:fade/>
       </p:transition>
@@ -2208,11 +2578,10 @@
           <a:bodyPr/>
           <a:lstStyle/>
           <a:p>
-            <a:fld id="{175ED403-65CA-4AD4-A518-3B9628522FE3}" type="datetimeFigureOut">
-              <a:rPr lang="de-DE" smtClean="0"/>
-              <a:t>05.03.2024</a:t>
-            </a:fld>
-            <a:endParaRPr lang="de-DE"/>
+            <a:r>
+              <a:rPr lang="de-DE"/>
+              <a:t>Marc Sauter</a:t>
+            </a:r>
           </a:p>
         </p:txBody>
       </p:sp>
@@ -2237,7 +2606,10 @@
           <a:bodyPr/>
           <a:lstStyle/>
           <a:p>
-            <a:endParaRPr lang="de-DE"/>
+            <a:r>
+              <a:rPr lang="de-DE"/>
+              <a:t>University of Stuttgart</a:t>
+            </a:r>
           </a:p>
         </p:txBody>
       </p:sp>
@@ -2280,13 +2652,13 @@
   <p:clrMapOvr>
     <a:masterClrMapping/>
   </p:clrMapOvr>
-  <mc:AlternateContent xmlns:mc="http://schemas.openxmlformats.org/markup-compatibility/2006">
-    <mc:Choice xmlns:p159="http://schemas.microsoft.com/office/powerpoint/2015/09/main" Requires="p159">
+  <mc:AlternateContent xmlns:mc="http://schemas.openxmlformats.org/markup-compatibility/2006" xmlns:p159="http://schemas.microsoft.com/office/powerpoint/2015/09/main">
+    <mc:Choice Requires="p159">
       <p:transition>
         <p159:morph option="byWord"/>
       </p:transition>
     </mc:Choice>
-    <mc:Fallback>
+    <mc:Fallback xmlns="">
       <p:transition>
         <p:fade/>
       </p:transition>
@@ -2531,11 +2903,10 @@
           <a:bodyPr/>
           <a:lstStyle/>
           <a:p>
-            <a:fld id="{175ED403-65CA-4AD4-A518-3B9628522FE3}" type="datetimeFigureOut">
-              <a:rPr lang="de-DE" smtClean="0"/>
-              <a:t>05.03.2024</a:t>
-            </a:fld>
-            <a:endParaRPr lang="de-DE"/>
+            <a:r>
+              <a:rPr lang="de-DE"/>
+              <a:t>Marc Sauter</a:t>
+            </a:r>
           </a:p>
         </p:txBody>
       </p:sp>
@@ -2560,7 +2931,10 @@
           <a:bodyPr/>
           <a:lstStyle/>
           <a:p>
-            <a:endParaRPr lang="de-DE"/>
+            <a:r>
+              <a:rPr lang="de-DE"/>
+              <a:t>University of Stuttgart</a:t>
+            </a:r>
           </a:p>
         </p:txBody>
       </p:sp>
@@ -2603,13 +2977,13 @@
   <p:clrMapOvr>
     <a:masterClrMapping/>
   </p:clrMapOvr>
-  <mc:AlternateContent xmlns:mc="http://schemas.openxmlformats.org/markup-compatibility/2006">
-    <mc:Choice xmlns:p159="http://schemas.microsoft.com/office/powerpoint/2015/09/main" Requires="p159">
+  <mc:AlternateContent xmlns:mc="http://schemas.openxmlformats.org/markup-compatibility/2006" xmlns:p159="http://schemas.microsoft.com/office/powerpoint/2015/09/main">
+    <mc:Choice Requires="p159">
       <p:transition>
         <p159:morph option="byWord"/>
       </p:transition>
     </mc:Choice>
-    <mc:Fallback>
+    <mc:Fallback xmlns="">
       <p:transition>
         <p:fade/>
       </p:transition>
@@ -2831,11 +3205,10 @@
           <a:bodyPr/>
           <a:lstStyle/>
           <a:p>
-            <a:fld id="{175ED403-65CA-4AD4-A518-3B9628522FE3}" type="datetimeFigureOut">
-              <a:rPr lang="de-DE" smtClean="0"/>
-              <a:t>05.03.2024</a:t>
-            </a:fld>
-            <a:endParaRPr lang="de-DE"/>
+            <a:r>
+              <a:rPr lang="de-DE"/>
+              <a:t>Marc Sauter</a:t>
+            </a:r>
           </a:p>
         </p:txBody>
       </p:sp>
@@ -2860,7 +3233,10 @@
           <a:bodyPr/>
           <a:lstStyle/>
           <a:p>
-            <a:endParaRPr lang="de-DE"/>
+            <a:r>
+              <a:rPr lang="de-DE"/>
+              <a:t>University of Stuttgart</a:t>
+            </a:r>
           </a:p>
         </p:txBody>
       </p:sp>
@@ -2903,13 +3279,13 @@
   <p:clrMapOvr>
     <a:masterClrMapping/>
   </p:clrMapOvr>
-  <mc:AlternateContent xmlns:mc="http://schemas.openxmlformats.org/markup-compatibility/2006">
-    <mc:Choice xmlns:p159="http://schemas.microsoft.com/office/powerpoint/2015/09/main" Requires="p159">
+  <mc:AlternateContent xmlns:mc="http://schemas.openxmlformats.org/markup-compatibility/2006" xmlns:p159="http://schemas.microsoft.com/office/powerpoint/2015/09/main">
+    <mc:Choice Requires="p159">
       <p:transition>
         <p159:morph option="byWord"/>
       </p:transition>
     </mc:Choice>
-    <mc:Fallback>
+    <mc:Fallback xmlns="">
       <p:transition>
         <p:fade/>
       </p:transition>
@@ -2975,7 +3351,7 @@
           <a:lstStyle/>
           <a:p>
             <a:r>
-              <a:rPr lang="de-DE"/>
+              <a:rPr lang="de-DE" dirty="0"/>
               <a:t>Mastertitelformat bearbeiten</a:t>
             </a:r>
           </a:p>
@@ -3014,35 +3390,35 @@
           <a:p>
             <a:pPr lvl="0"/>
             <a:r>
-              <a:rPr lang="de-DE"/>
+              <a:rPr lang="de-DE" dirty="0"/>
               <a:t>Mastertextformat bearbeiten</a:t>
             </a:r>
           </a:p>
           <a:p>
             <a:pPr lvl="1"/>
             <a:r>
-              <a:rPr lang="de-DE"/>
+              <a:rPr lang="de-DE" dirty="0"/>
               <a:t>Zweite Ebene</a:t>
             </a:r>
           </a:p>
           <a:p>
             <a:pPr lvl="2"/>
             <a:r>
-              <a:rPr lang="de-DE"/>
+              <a:rPr lang="de-DE" dirty="0"/>
               <a:t>Dritte Ebene</a:t>
             </a:r>
           </a:p>
           <a:p>
             <a:pPr lvl="3"/>
             <a:r>
-              <a:rPr lang="de-DE"/>
+              <a:rPr lang="de-DE" dirty="0"/>
               <a:t>Vierte Ebene</a:t>
             </a:r>
           </a:p>
           <a:p>
             <a:pPr lvl="4"/>
             <a:r>
-              <a:rPr lang="de-DE"/>
+              <a:rPr lang="de-DE" dirty="0"/>
               <a:t>Fünfte Ebene</a:t>
             </a:r>
           </a:p>
@@ -3079,19 +3455,17 @@
             <a:lvl1pPr algn="l">
               <a:defRPr sz="1200">
                 <a:solidFill>
-                  <a:schemeClr val="tx1">
-                    <a:tint val="82000"/>
-                  </a:schemeClr>
+                  <a:schemeClr val="bg1"/>
                 </a:solidFill>
               </a:defRPr>
             </a:lvl1pPr>
           </a:lstStyle>
           <a:p>
-            <a:fld id="{175ED403-65CA-4AD4-A518-3B9628522FE3}" type="datetimeFigureOut">
-              <a:rPr lang="de-DE" smtClean="0"/>
-              <a:t>05.03.2024</a:t>
-            </a:fld>
-            <a:endParaRPr lang="de-DE"/>
+            <a:r>
+              <a:rPr lang="de-DE"/>
+              <a:t>Marc Sauter</a:t>
+            </a:r>
+            <a:endParaRPr lang="de-DE" dirty="0"/>
           </a:p>
         </p:txBody>
       </p:sp>
@@ -3126,15 +3500,17 @@
             <a:lvl1pPr algn="ctr">
               <a:defRPr sz="1200">
                 <a:solidFill>
-                  <a:schemeClr val="tx1">
-                    <a:tint val="82000"/>
-                  </a:schemeClr>
+                  <a:schemeClr val="bg1"/>
                 </a:solidFill>
               </a:defRPr>
             </a:lvl1pPr>
           </a:lstStyle>
           <a:p>
-            <a:endParaRPr lang="de-DE"/>
+            <a:r>
+              <a:rPr lang="de-DE"/>
+              <a:t>University of Stuttgart</a:t>
+            </a:r>
+            <a:endParaRPr lang="de-DE" dirty="0"/>
           </a:p>
         </p:txBody>
       </p:sp>
@@ -3169,19 +3545,22 @@
             <a:lvl1pPr algn="r">
               <a:defRPr sz="1200">
                 <a:solidFill>
-                  <a:schemeClr val="tx1">
-                    <a:tint val="82000"/>
-                  </a:schemeClr>
+                  <a:schemeClr val="bg1"/>
                 </a:solidFill>
               </a:defRPr>
             </a:lvl1pPr>
           </a:lstStyle>
           <a:p>
+            <a:r>
+              <a:rPr lang="de-DE" dirty="0"/>
+              <a:t>Slide </a:t>
+            </a:r>
             <a:fld id="{FB15FF33-EB7F-4C9F-95D5-FB87D3C1B1B4}" type="slidenum">
               <a:rPr lang="de-DE" smtClean="0"/>
+              <a:pPr/>
               <a:t>‹Nr.›</a:t>
             </a:fld>
-            <a:endParaRPr lang="de-DE"/>
+            <a:endParaRPr lang="de-DE" dirty="0"/>
           </a:p>
         </p:txBody>
       </p:sp>
@@ -3206,18 +3585,19 @@
     <p:sldLayoutId id="2147483658" r:id="rId10"/>
     <p:sldLayoutId id="2147483659" r:id="rId11"/>
   </p:sldLayoutIdLst>
-  <mc:AlternateContent xmlns:mc="http://schemas.openxmlformats.org/markup-compatibility/2006">
-    <mc:Choice xmlns:p159="http://schemas.microsoft.com/office/powerpoint/2015/09/main" Requires="p159">
+  <mc:AlternateContent xmlns:mc="http://schemas.openxmlformats.org/markup-compatibility/2006" xmlns:p159="http://schemas.microsoft.com/office/powerpoint/2015/09/main">
+    <mc:Choice Requires="p159">
       <p:transition>
         <p159:morph option="byWord"/>
       </p:transition>
     </mc:Choice>
-    <mc:Fallback>
+    <mc:Fallback xmlns="">
       <p:transition>
         <p:fade/>
       </p:transition>
     </mc:Fallback>
   </mc:AlternateContent>
+  <p:hf hdr="0"/>
   <p:txStyles>
     <p:titleStyle>
       <a:lvl1pPr algn="l" defTabSz="914400" rtl="0" eaLnBrk="1" latinLnBrk="0" hangingPunct="1">
@@ -3230,7 +3610,7 @@
         <a:buNone/>
         <a:defRPr sz="4400" kern="1200">
           <a:solidFill>
-            <a:schemeClr val="tx1"/>
+            <a:schemeClr val="bg1"/>
           </a:solidFill>
           <a:latin typeface="+mj-lt"/>
           <a:ea typeface="+mj-ea"/>
@@ -3250,7 +3630,7 @@
         <a:buChar char="•"/>
         <a:defRPr sz="2800" kern="1200">
           <a:solidFill>
-            <a:schemeClr val="tx1"/>
+            <a:schemeClr val="bg1"/>
           </a:solidFill>
           <a:latin typeface="+mn-lt"/>
           <a:ea typeface="+mn-ea"/>
@@ -3268,7 +3648,7 @@
         <a:buChar char="•"/>
         <a:defRPr sz="2400" kern="1200">
           <a:solidFill>
-            <a:schemeClr val="tx1"/>
+            <a:schemeClr val="bg1"/>
           </a:solidFill>
           <a:latin typeface="+mn-lt"/>
           <a:ea typeface="+mn-ea"/>
@@ -3286,7 +3666,7 @@
         <a:buChar char="•"/>
         <a:defRPr sz="2000" kern="1200">
           <a:solidFill>
-            <a:schemeClr val="tx1"/>
+            <a:schemeClr val="bg1"/>
           </a:solidFill>
           <a:latin typeface="+mn-lt"/>
           <a:ea typeface="+mn-ea"/>
@@ -3304,7 +3684,7 @@
         <a:buChar char="•"/>
         <a:defRPr sz="1800" kern="1200">
           <a:solidFill>
-            <a:schemeClr val="tx1"/>
+            <a:schemeClr val="bg1"/>
           </a:solidFill>
           <a:latin typeface="+mn-lt"/>
           <a:ea typeface="+mn-ea"/>
@@ -3322,7 +3702,7 @@
         <a:buChar char="•"/>
         <a:defRPr sz="1800" kern="1200">
           <a:solidFill>
-            <a:schemeClr val="tx1"/>
+            <a:schemeClr val="bg1"/>
           </a:solidFill>
           <a:latin typeface="+mn-lt"/>
           <a:ea typeface="+mn-ea"/>
@@ -3710,7 +4090,7 @@
         </p:spPr>
         <p:txBody>
           <a:bodyPr>
-            <a:normAutofit/>
+            <a:normAutofit fontScale="90000"/>
           </a:bodyPr>
           <a:lstStyle/>
           <a:p>
@@ -3898,13 +4278,13 @@
   <p:clrMapOvr>
     <a:overrideClrMapping bg1="dk1" tx1="lt1" bg2="dk2" tx2="lt2" accent1="accent1" accent2="accent2" accent3="accent3" accent4="accent4" accent5="accent5" accent6="accent6" hlink="hlink" folHlink="folHlink"/>
   </p:clrMapOvr>
-  <mc:AlternateContent xmlns:mc="http://schemas.openxmlformats.org/markup-compatibility/2006">
-    <mc:Choice xmlns:p159="http://schemas.microsoft.com/office/powerpoint/2015/09/main" Requires="p159">
+  <mc:AlternateContent xmlns:mc="http://schemas.openxmlformats.org/markup-compatibility/2006" xmlns:p159="http://schemas.microsoft.com/office/powerpoint/2015/09/main">
+    <mc:Choice Requires="p159">
       <p:transition>
         <p159:morph option="byWord"/>
       </p:transition>
     </mc:Choice>
-    <mc:Fallback>
+    <mc:Fallback xmlns="">
       <p:transition>
         <p:fade/>
       </p:transition>
@@ -4057,6 +4437,92 @@
           </a:p>
         </p:txBody>
       </p:sp>
+      <p:sp>
+        <p:nvSpPr>
+          <p:cNvPr id="2" name="Fußzeilenplatzhalter 1">
+            <a:extLst>
+              <a:ext uri="{FF2B5EF4-FFF2-40B4-BE49-F238E27FC236}">
+                <a16:creationId xmlns:a16="http://schemas.microsoft.com/office/drawing/2014/main" id="{1BA7300F-94AE-A197-8444-493A18B7960E}"/>
+              </a:ext>
+            </a:extLst>
+          </p:cNvPr>
+          <p:cNvSpPr>
+            <a:spLocks noGrp="1"/>
+          </p:cNvSpPr>
+          <p:nvPr>
+            <p:ph type="ftr" sz="quarter" idx="11"/>
+          </p:nvPr>
+        </p:nvSpPr>
+        <p:spPr/>
+        <p:txBody>
+          <a:bodyPr/>
+          <a:lstStyle/>
+          <a:p>
+            <a:r>
+              <a:rPr lang="de-DE"/>
+              <a:t>University of Stuttgart</a:t>
+            </a:r>
+            <a:endParaRPr lang="de-DE" dirty="0"/>
+          </a:p>
+        </p:txBody>
+      </p:sp>
+      <p:sp>
+        <p:nvSpPr>
+          <p:cNvPr id="3" name="Datumsplatzhalter 2">
+            <a:extLst>
+              <a:ext uri="{FF2B5EF4-FFF2-40B4-BE49-F238E27FC236}">
+                <a16:creationId xmlns:a16="http://schemas.microsoft.com/office/drawing/2014/main" id="{061CF76B-DC0E-B89F-78CB-ABDB0AF27C52}"/>
+              </a:ext>
+            </a:extLst>
+          </p:cNvPr>
+          <p:cNvSpPr>
+            <a:spLocks noGrp="1"/>
+          </p:cNvSpPr>
+          <p:nvPr>
+            <p:ph type="dt" sz="half" idx="10"/>
+          </p:nvPr>
+        </p:nvSpPr>
+        <p:spPr/>
+        <p:txBody>
+          <a:bodyPr/>
+          <a:lstStyle/>
+          <a:p>
+            <a:r>
+              <a:rPr lang="de-DE"/>
+              <a:t>Marc Sauter</a:t>
+            </a:r>
+            <a:endParaRPr lang="de-DE" dirty="0"/>
+          </a:p>
+        </p:txBody>
+      </p:sp>
+      <p:sp>
+        <p:nvSpPr>
+          <p:cNvPr id="4" name="Foliennummernplatzhalter 3">
+            <a:extLst>
+              <a:ext uri="{FF2B5EF4-FFF2-40B4-BE49-F238E27FC236}">
+                <a16:creationId xmlns:a16="http://schemas.microsoft.com/office/drawing/2014/main" id="{A515BB4B-31AA-2B99-23C1-C8E27F14B557}"/>
+              </a:ext>
+            </a:extLst>
+          </p:cNvPr>
+          <p:cNvSpPr>
+            <a:spLocks noGrp="1"/>
+          </p:cNvSpPr>
+          <p:nvPr>
+            <p:ph type="sldNum" sz="quarter" idx="12"/>
+          </p:nvPr>
+        </p:nvSpPr>
+        <p:spPr/>
+        <p:txBody>
+          <a:bodyPr/>
+          <a:lstStyle/>
+          <a:p>
+            <a:r>
+              <a:rPr lang="de-DE" dirty="0"/>
+              <a:t>2</a:t>
+            </a:r>
+          </a:p>
+        </p:txBody>
+      </p:sp>
     </p:spTree>
     <p:extLst>
       <p:ext uri="{BB962C8B-B14F-4D97-AF65-F5344CB8AC3E}">
@@ -4067,13 +4533,13 @@
   <p:clrMapOvr>
     <a:masterClrMapping/>
   </p:clrMapOvr>
-  <mc:AlternateContent xmlns:mc="http://schemas.openxmlformats.org/markup-compatibility/2006">
-    <mc:Choice xmlns:p159="http://schemas.microsoft.com/office/powerpoint/2015/09/main" Requires="p159">
+  <mc:AlternateContent xmlns:mc="http://schemas.openxmlformats.org/markup-compatibility/2006" xmlns:p159="http://schemas.microsoft.com/office/powerpoint/2015/09/main">
+    <mc:Choice Requires="p159">
       <p:transition>
         <p159:morph option="byWord"/>
       </p:transition>
     </mc:Choice>
-    <mc:Fallback>
+    <mc:Fallback xmlns="">
       <p:transition>
         <p:fade/>
       </p:transition>
@@ -4305,6 +4771,92 @@
           </a:p>
         </p:txBody>
       </p:sp>
+      <p:sp>
+        <p:nvSpPr>
+          <p:cNvPr id="3" name="Fußzeilenplatzhalter 2">
+            <a:extLst>
+              <a:ext uri="{FF2B5EF4-FFF2-40B4-BE49-F238E27FC236}">
+                <a16:creationId xmlns:a16="http://schemas.microsoft.com/office/drawing/2014/main" id="{E8A71BA6-DEAA-EE6E-FA61-5738FC1DE012}"/>
+              </a:ext>
+            </a:extLst>
+          </p:cNvPr>
+          <p:cNvSpPr>
+            <a:spLocks noGrp="1"/>
+          </p:cNvSpPr>
+          <p:nvPr>
+            <p:ph type="ftr" sz="quarter" idx="11"/>
+          </p:nvPr>
+        </p:nvSpPr>
+        <p:spPr/>
+        <p:txBody>
+          <a:bodyPr/>
+          <a:lstStyle/>
+          <a:p>
+            <a:r>
+              <a:rPr lang="de-DE"/>
+              <a:t>University of Stuttgart</a:t>
+            </a:r>
+            <a:endParaRPr lang="de-DE" dirty="0"/>
+          </a:p>
+        </p:txBody>
+      </p:sp>
+      <p:sp>
+        <p:nvSpPr>
+          <p:cNvPr id="4" name="Datumsplatzhalter 3">
+            <a:extLst>
+              <a:ext uri="{FF2B5EF4-FFF2-40B4-BE49-F238E27FC236}">
+                <a16:creationId xmlns:a16="http://schemas.microsoft.com/office/drawing/2014/main" id="{F4B70745-B38F-707B-91FF-450D103A1EAF}"/>
+              </a:ext>
+            </a:extLst>
+          </p:cNvPr>
+          <p:cNvSpPr>
+            <a:spLocks noGrp="1"/>
+          </p:cNvSpPr>
+          <p:nvPr>
+            <p:ph type="dt" sz="half" idx="10"/>
+          </p:nvPr>
+        </p:nvSpPr>
+        <p:spPr/>
+        <p:txBody>
+          <a:bodyPr/>
+          <a:lstStyle/>
+          <a:p>
+            <a:r>
+              <a:rPr lang="de-DE"/>
+              <a:t>Marc Sauter</a:t>
+            </a:r>
+            <a:endParaRPr lang="de-DE" dirty="0"/>
+          </a:p>
+        </p:txBody>
+      </p:sp>
+      <p:sp>
+        <p:nvSpPr>
+          <p:cNvPr id="5" name="Foliennummernplatzhalter 4">
+            <a:extLst>
+              <a:ext uri="{FF2B5EF4-FFF2-40B4-BE49-F238E27FC236}">
+                <a16:creationId xmlns:a16="http://schemas.microsoft.com/office/drawing/2014/main" id="{A4830F57-C0AE-DE5A-05E4-CBE386A37DB2}"/>
+              </a:ext>
+            </a:extLst>
+          </p:cNvPr>
+          <p:cNvSpPr>
+            <a:spLocks noGrp="1"/>
+          </p:cNvSpPr>
+          <p:nvPr>
+            <p:ph type="sldNum" sz="quarter" idx="12"/>
+          </p:nvPr>
+        </p:nvSpPr>
+        <p:spPr/>
+        <p:txBody>
+          <a:bodyPr/>
+          <a:lstStyle/>
+          <a:p>
+            <a:r>
+              <a:rPr lang="de-DE" dirty="0"/>
+              <a:t>2</a:t>
+            </a:r>
+          </a:p>
+        </p:txBody>
+      </p:sp>
     </p:spTree>
     <p:extLst>
       <p:ext uri="{BB962C8B-B14F-4D97-AF65-F5344CB8AC3E}">
@@ -4315,13 +4867,13 @@
   <p:clrMapOvr>
     <a:masterClrMapping/>
   </p:clrMapOvr>
-  <mc:AlternateContent xmlns:mc="http://schemas.openxmlformats.org/markup-compatibility/2006">
-    <mc:Choice xmlns:p159="http://schemas.microsoft.com/office/powerpoint/2015/09/main" Requires="p159">
+  <mc:AlternateContent xmlns:mc="http://schemas.openxmlformats.org/markup-compatibility/2006" xmlns:p159="http://schemas.microsoft.com/office/powerpoint/2015/09/main">
+    <mc:Choice Requires="p159">
       <p:transition>
         <p159:morph option="byWord"/>
       </p:transition>
     </mc:Choice>
-    <mc:Fallback>
+    <mc:Fallback xmlns="">
       <p:transition>
         <p:fade/>
       </p:transition>
@@ -4638,6 +5190,92 @@
           </a:p>
         </p:txBody>
       </p:sp>
+      <p:sp>
+        <p:nvSpPr>
+          <p:cNvPr id="2" name="Fußzeilenplatzhalter 1">
+            <a:extLst>
+              <a:ext uri="{FF2B5EF4-FFF2-40B4-BE49-F238E27FC236}">
+                <a16:creationId xmlns:a16="http://schemas.microsoft.com/office/drawing/2014/main" id="{E480BB90-0CD3-CE56-65CB-7BE21FE7D15D}"/>
+              </a:ext>
+            </a:extLst>
+          </p:cNvPr>
+          <p:cNvSpPr>
+            <a:spLocks noGrp="1"/>
+          </p:cNvSpPr>
+          <p:nvPr>
+            <p:ph type="ftr" sz="quarter" idx="11"/>
+          </p:nvPr>
+        </p:nvSpPr>
+        <p:spPr/>
+        <p:txBody>
+          <a:bodyPr/>
+          <a:lstStyle/>
+          <a:p>
+            <a:r>
+              <a:rPr lang="de-DE"/>
+              <a:t>University of Stuttgart</a:t>
+            </a:r>
+            <a:endParaRPr lang="de-DE" dirty="0"/>
+          </a:p>
+        </p:txBody>
+      </p:sp>
+      <p:sp>
+        <p:nvSpPr>
+          <p:cNvPr id="3" name="Datumsplatzhalter 2">
+            <a:extLst>
+              <a:ext uri="{FF2B5EF4-FFF2-40B4-BE49-F238E27FC236}">
+                <a16:creationId xmlns:a16="http://schemas.microsoft.com/office/drawing/2014/main" id="{6AA68269-B885-A6D7-D930-F4BC04FFAF33}"/>
+              </a:ext>
+            </a:extLst>
+          </p:cNvPr>
+          <p:cNvSpPr>
+            <a:spLocks noGrp="1"/>
+          </p:cNvSpPr>
+          <p:nvPr>
+            <p:ph type="dt" sz="half" idx="10"/>
+          </p:nvPr>
+        </p:nvSpPr>
+        <p:spPr/>
+        <p:txBody>
+          <a:bodyPr/>
+          <a:lstStyle/>
+          <a:p>
+            <a:r>
+              <a:rPr lang="de-DE"/>
+              <a:t>Marc Sauter</a:t>
+            </a:r>
+            <a:endParaRPr lang="de-DE" dirty="0"/>
+          </a:p>
+        </p:txBody>
+      </p:sp>
+      <p:sp>
+        <p:nvSpPr>
+          <p:cNvPr id="5" name="Foliennummernplatzhalter 4">
+            <a:extLst>
+              <a:ext uri="{FF2B5EF4-FFF2-40B4-BE49-F238E27FC236}">
+                <a16:creationId xmlns:a16="http://schemas.microsoft.com/office/drawing/2014/main" id="{44B45373-73D1-0B84-2411-5C9631C23684}"/>
+              </a:ext>
+            </a:extLst>
+          </p:cNvPr>
+          <p:cNvSpPr>
+            <a:spLocks noGrp="1"/>
+          </p:cNvSpPr>
+          <p:nvPr>
+            <p:ph type="sldNum" sz="quarter" idx="12"/>
+          </p:nvPr>
+        </p:nvSpPr>
+        <p:spPr/>
+        <p:txBody>
+          <a:bodyPr/>
+          <a:lstStyle/>
+          <a:p>
+            <a:r>
+              <a:rPr lang="de-DE" dirty="0"/>
+              <a:t>2</a:t>
+            </a:r>
+          </a:p>
+        </p:txBody>
+      </p:sp>
     </p:spTree>
     <p:extLst>
       <p:ext uri="{BB962C8B-B14F-4D97-AF65-F5344CB8AC3E}">
@@ -4648,13 +5286,13 @@
   <p:clrMapOvr>
     <a:masterClrMapping/>
   </p:clrMapOvr>
-  <mc:AlternateContent xmlns:mc="http://schemas.openxmlformats.org/markup-compatibility/2006">
-    <mc:Choice xmlns:p159="http://schemas.microsoft.com/office/powerpoint/2015/09/main" Requires="p159">
+  <mc:AlternateContent xmlns:mc="http://schemas.openxmlformats.org/markup-compatibility/2006" xmlns:p159="http://schemas.microsoft.com/office/powerpoint/2015/09/main">
+    <mc:Choice Requires="p159">
       <p:transition>
         <p159:morph option="byWord"/>
       </p:transition>
     </mc:Choice>
-    <mc:Fallback>
+    <mc:Fallback xmlns="">
       <p:transition>
         <p:fade/>
       </p:transition>
@@ -5052,6 +5690,92 @@
           </a:p>
         </p:txBody>
       </p:sp>
+      <p:sp>
+        <p:nvSpPr>
+          <p:cNvPr id="2" name="Fußzeilenplatzhalter 1">
+            <a:extLst>
+              <a:ext uri="{FF2B5EF4-FFF2-40B4-BE49-F238E27FC236}">
+                <a16:creationId xmlns:a16="http://schemas.microsoft.com/office/drawing/2014/main" id="{7508BF00-F386-31BB-7858-8F197F19DA21}"/>
+              </a:ext>
+            </a:extLst>
+          </p:cNvPr>
+          <p:cNvSpPr>
+            <a:spLocks noGrp="1"/>
+          </p:cNvSpPr>
+          <p:nvPr>
+            <p:ph type="ftr" sz="quarter" idx="11"/>
+          </p:nvPr>
+        </p:nvSpPr>
+        <p:spPr/>
+        <p:txBody>
+          <a:bodyPr/>
+          <a:lstStyle/>
+          <a:p>
+            <a:r>
+              <a:rPr lang="de-DE"/>
+              <a:t>University of Stuttgart</a:t>
+            </a:r>
+            <a:endParaRPr lang="de-DE" dirty="0"/>
+          </a:p>
+        </p:txBody>
+      </p:sp>
+      <p:sp>
+        <p:nvSpPr>
+          <p:cNvPr id="3" name="Datumsplatzhalter 2">
+            <a:extLst>
+              <a:ext uri="{FF2B5EF4-FFF2-40B4-BE49-F238E27FC236}">
+                <a16:creationId xmlns:a16="http://schemas.microsoft.com/office/drawing/2014/main" id="{627764D7-1758-0ABD-611A-D1BDBD00EF3D}"/>
+              </a:ext>
+            </a:extLst>
+          </p:cNvPr>
+          <p:cNvSpPr>
+            <a:spLocks noGrp="1"/>
+          </p:cNvSpPr>
+          <p:nvPr>
+            <p:ph type="dt" sz="half" idx="10"/>
+          </p:nvPr>
+        </p:nvSpPr>
+        <p:spPr/>
+        <p:txBody>
+          <a:bodyPr/>
+          <a:lstStyle/>
+          <a:p>
+            <a:r>
+              <a:rPr lang="de-DE"/>
+              <a:t>Marc Sauter</a:t>
+            </a:r>
+            <a:endParaRPr lang="de-DE" dirty="0"/>
+          </a:p>
+        </p:txBody>
+      </p:sp>
+      <p:sp>
+        <p:nvSpPr>
+          <p:cNvPr id="5" name="Foliennummernplatzhalter 4">
+            <a:extLst>
+              <a:ext uri="{FF2B5EF4-FFF2-40B4-BE49-F238E27FC236}">
+                <a16:creationId xmlns:a16="http://schemas.microsoft.com/office/drawing/2014/main" id="{D641F06F-5873-4154-917E-80B73775BAD3}"/>
+              </a:ext>
+            </a:extLst>
+          </p:cNvPr>
+          <p:cNvSpPr>
+            <a:spLocks noGrp="1"/>
+          </p:cNvSpPr>
+          <p:nvPr>
+            <p:ph type="sldNum" sz="quarter" idx="12"/>
+          </p:nvPr>
+        </p:nvSpPr>
+        <p:spPr/>
+        <p:txBody>
+          <a:bodyPr/>
+          <a:lstStyle/>
+          <a:p>
+            <a:r>
+              <a:rPr lang="de-DE" dirty="0"/>
+              <a:t>2</a:t>
+            </a:r>
+          </a:p>
+        </p:txBody>
+      </p:sp>
     </p:spTree>
     <p:extLst>
       <p:ext uri="{BB962C8B-B14F-4D97-AF65-F5344CB8AC3E}">
@@ -5062,13 +5786,13 @@
   <p:clrMapOvr>
     <a:masterClrMapping/>
   </p:clrMapOvr>
-  <mc:AlternateContent xmlns:mc="http://schemas.openxmlformats.org/markup-compatibility/2006">
-    <mc:Choice xmlns:p159="http://schemas.microsoft.com/office/powerpoint/2015/09/main" Requires="p159">
+  <mc:AlternateContent xmlns:mc="http://schemas.openxmlformats.org/markup-compatibility/2006" xmlns:p159="http://schemas.microsoft.com/office/powerpoint/2015/09/main">
+    <mc:Choice Requires="p159">
       <p:transition>
         <p159:morph option="byWord"/>
       </p:transition>
     </mc:Choice>
-    <mc:Fallback>
+    <mc:Fallback xmlns="">
       <p:transition>
         <p:fade/>
       </p:transition>
@@ -5505,6 +6229,92 @@
           </a:p>
         </p:txBody>
       </p:sp>
+      <p:sp>
+        <p:nvSpPr>
+          <p:cNvPr id="2" name="Fußzeilenplatzhalter 1">
+            <a:extLst>
+              <a:ext uri="{FF2B5EF4-FFF2-40B4-BE49-F238E27FC236}">
+                <a16:creationId xmlns:a16="http://schemas.microsoft.com/office/drawing/2014/main" id="{D8BC82FD-C2A4-1C72-0F00-79B342643A86}"/>
+              </a:ext>
+            </a:extLst>
+          </p:cNvPr>
+          <p:cNvSpPr>
+            <a:spLocks noGrp="1"/>
+          </p:cNvSpPr>
+          <p:nvPr>
+            <p:ph type="ftr" sz="quarter" idx="11"/>
+          </p:nvPr>
+        </p:nvSpPr>
+        <p:spPr/>
+        <p:txBody>
+          <a:bodyPr/>
+          <a:lstStyle/>
+          <a:p>
+            <a:r>
+              <a:rPr lang="de-DE"/>
+              <a:t>University of Stuttgart</a:t>
+            </a:r>
+            <a:endParaRPr lang="de-DE" dirty="0"/>
+          </a:p>
+        </p:txBody>
+      </p:sp>
+      <p:sp>
+        <p:nvSpPr>
+          <p:cNvPr id="3" name="Datumsplatzhalter 2">
+            <a:extLst>
+              <a:ext uri="{FF2B5EF4-FFF2-40B4-BE49-F238E27FC236}">
+                <a16:creationId xmlns:a16="http://schemas.microsoft.com/office/drawing/2014/main" id="{CEA5462B-50B3-64B3-2782-B7011DAC6F6E}"/>
+              </a:ext>
+            </a:extLst>
+          </p:cNvPr>
+          <p:cNvSpPr>
+            <a:spLocks noGrp="1"/>
+          </p:cNvSpPr>
+          <p:nvPr>
+            <p:ph type="dt" sz="half" idx="10"/>
+          </p:nvPr>
+        </p:nvSpPr>
+        <p:spPr/>
+        <p:txBody>
+          <a:bodyPr/>
+          <a:lstStyle/>
+          <a:p>
+            <a:r>
+              <a:rPr lang="de-DE"/>
+              <a:t>Marc Sauter</a:t>
+            </a:r>
+            <a:endParaRPr lang="de-DE" dirty="0"/>
+          </a:p>
+        </p:txBody>
+      </p:sp>
+      <p:sp>
+        <p:nvSpPr>
+          <p:cNvPr id="6" name="Foliennummernplatzhalter 5">
+            <a:extLst>
+              <a:ext uri="{FF2B5EF4-FFF2-40B4-BE49-F238E27FC236}">
+                <a16:creationId xmlns:a16="http://schemas.microsoft.com/office/drawing/2014/main" id="{DFD0D092-E0EF-42D8-5AFC-B033EDF97F01}"/>
+              </a:ext>
+            </a:extLst>
+          </p:cNvPr>
+          <p:cNvSpPr>
+            <a:spLocks noGrp="1"/>
+          </p:cNvSpPr>
+          <p:nvPr>
+            <p:ph type="sldNum" sz="quarter" idx="12"/>
+          </p:nvPr>
+        </p:nvSpPr>
+        <p:spPr/>
+        <p:txBody>
+          <a:bodyPr/>
+          <a:lstStyle/>
+          <a:p>
+            <a:r>
+              <a:rPr lang="de-DE" dirty="0"/>
+              <a:t>2</a:t>
+            </a:r>
+          </a:p>
+        </p:txBody>
+      </p:sp>
     </p:spTree>
     <p:extLst>
       <p:ext uri="{BB962C8B-B14F-4D97-AF65-F5344CB8AC3E}">
@@ -5515,13 +6325,13 @@
   <p:clrMapOvr>
     <a:masterClrMapping/>
   </p:clrMapOvr>
-  <mc:AlternateContent xmlns:mc="http://schemas.openxmlformats.org/markup-compatibility/2006">
-    <mc:Choice xmlns:p159="http://schemas.microsoft.com/office/powerpoint/2015/09/main" Requires="p159">
+  <mc:AlternateContent xmlns:mc="http://schemas.openxmlformats.org/markup-compatibility/2006" xmlns:p159="http://schemas.microsoft.com/office/powerpoint/2015/09/main">
+    <mc:Choice Requires="p159">
       <p:transition>
         <p159:morph option="byWord"/>
       </p:transition>
     </mc:Choice>
-    <mc:Fallback>
+    <mc:Fallback xmlns="">
       <p:transition>
         <p:fade/>
       </p:transition>
@@ -5710,6 +6520,92 @@
           </a:prstGeom>
         </p:spPr>
       </p:pic>
+      <p:sp>
+        <p:nvSpPr>
+          <p:cNvPr id="2" name="Fußzeilenplatzhalter 1">
+            <a:extLst>
+              <a:ext uri="{FF2B5EF4-FFF2-40B4-BE49-F238E27FC236}">
+                <a16:creationId xmlns:a16="http://schemas.microsoft.com/office/drawing/2014/main" id="{557B5A14-1A93-F6FF-8C4A-529C934BFE36}"/>
+              </a:ext>
+            </a:extLst>
+          </p:cNvPr>
+          <p:cNvSpPr>
+            <a:spLocks noGrp="1"/>
+          </p:cNvSpPr>
+          <p:nvPr>
+            <p:ph type="ftr" sz="quarter" idx="11"/>
+          </p:nvPr>
+        </p:nvSpPr>
+        <p:spPr/>
+        <p:txBody>
+          <a:bodyPr/>
+          <a:lstStyle/>
+          <a:p>
+            <a:r>
+              <a:rPr lang="de-DE"/>
+              <a:t>University of Stuttgart</a:t>
+            </a:r>
+            <a:endParaRPr lang="de-DE" dirty="0"/>
+          </a:p>
+        </p:txBody>
+      </p:sp>
+      <p:sp>
+        <p:nvSpPr>
+          <p:cNvPr id="3" name="Datumsplatzhalter 2">
+            <a:extLst>
+              <a:ext uri="{FF2B5EF4-FFF2-40B4-BE49-F238E27FC236}">
+                <a16:creationId xmlns:a16="http://schemas.microsoft.com/office/drawing/2014/main" id="{001AE989-FDE7-230E-BBFA-1BBA3F1A4F6D}"/>
+              </a:ext>
+            </a:extLst>
+          </p:cNvPr>
+          <p:cNvSpPr>
+            <a:spLocks noGrp="1"/>
+          </p:cNvSpPr>
+          <p:nvPr>
+            <p:ph type="dt" sz="half" idx="10"/>
+          </p:nvPr>
+        </p:nvSpPr>
+        <p:spPr/>
+        <p:txBody>
+          <a:bodyPr/>
+          <a:lstStyle/>
+          <a:p>
+            <a:r>
+              <a:rPr lang="de-DE"/>
+              <a:t>Marc Sauter</a:t>
+            </a:r>
+            <a:endParaRPr lang="de-DE" dirty="0"/>
+          </a:p>
+        </p:txBody>
+      </p:sp>
+      <p:sp>
+        <p:nvSpPr>
+          <p:cNvPr id="4" name="Foliennummernplatzhalter 3">
+            <a:extLst>
+              <a:ext uri="{FF2B5EF4-FFF2-40B4-BE49-F238E27FC236}">
+                <a16:creationId xmlns:a16="http://schemas.microsoft.com/office/drawing/2014/main" id="{D15FEF53-2A3B-785E-4632-40705BC92505}"/>
+              </a:ext>
+            </a:extLst>
+          </p:cNvPr>
+          <p:cNvSpPr>
+            <a:spLocks noGrp="1"/>
+          </p:cNvSpPr>
+          <p:nvPr>
+            <p:ph type="sldNum" sz="quarter" idx="12"/>
+          </p:nvPr>
+        </p:nvSpPr>
+        <p:spPr/>
+        <p:txBody>
+          <a:bodyPr/>
+          <a:lstStyle/>
+          <a:p>
+            <a:r>
+              <a:rPr lang="de-DE" dirty="0"/>
+              <a:t>3</a:t>
+            </a:r>
+          </a:p>
+        </p:txBody>
+      </p:sp>
     </p:spTree>
     <p:extLst>
       <p:ext uri="{BB962C8B-B14F-4D97-AF65-F5344CB8AC3E}">
@@ -5720,13 +6616,13 @@
   <p:clrMapOvr>
     <a:masterClrMapping/>
   </p:clrMapOvr>
-  <mc:AlternateContent xmlns:mc="http://schemas.openxmlformats.org/markup-compatibility/2006">
-    <mc:Choice xmlns:p159="http://schemas.microsoft.com/office/powerpoint/2015/09/main" Requires="p159">
+  <mc:AlternateContent xmlns:mc="http://schemas.openxmlformats.org/markup-compatibility/2006" xmlns:p159="http://schemas.microsoft.com/office/powerpoint/2015/09/main">
+    <mc:Choice Requires="p159">
       <p:transition>
         <p159:morph option="byWord"/>
       </p:transition>
     </mc:Choice>
-    <mc:Fallback>
+    <mc:Fallback xmlns="">
       <p:transition>
         <p:fade/>
       </p:transition>
@@ -5951,6 +6847,92 @@
           </a:prstGeom>
         </p:spPr>
       </p:pic>
+      <p:sp>
+        <p:nvSpPr>
+          <p:cNvPr id="2" name="Fußzeilenplatzhalter 1">
+            <a:extLst>
+              <a:ext uri="{FF2B5EF4-FFF2-40B4-BE49-F238E27FC236}">
+                <a16:creationId xmlns:a16="http://schemas.microsoft.com/office/drawing/2014/main" id="{5C5475D8-9341-E14E-B6E4-64B1F133BFF5}"/>
+              </a:ext>
+            </a:extLst>
+          </p:cNvPr>
+          <p:cNvSpPr>
+            <a:spLocks noGrp="1"/>
+          </p:cNvSpPr>
+          <p:nvPr>
+            <p:ph type="ftr" sz="quarter" idx="11"/>
+          </p:nvPr>
+        </p:nvSpPr>
+        <p:spPr/>
+        <p:txBody>
+          <a:bodyPr/>
+          <a:lstStyle/>
+          <a:p>
+            <a:r>
+              <a:rPr lang="de-DE"/>
+              <a:t>University of Stuttgart</a:t>
+            </a:r>
+            <a:endParaRPr lang="de-DE" dirty="0"/>
+          </a:p>
+        </p:txBody>
+      </p:sp>
+      <p:sp>
+        <p:nvSpPr>
+          <p:cNvPr id="4" name="Datumsplatzhalter 3">
+            <a:extLst>
+              <a:ext uri="{FF2B5EF4-FFF2-40B4-BE49-F238E27FC236}">
+                <a16:creationId xmlns:a16="http://schemas.microsoft.com/office/drawing/2014/main" id="{DB1F4CCF-1AAC-2FB3-FBC4-506318A6E7E7}"/>
+              </a:ext>
+            </a:extLst>
+          </p:cNvPr>
+          <p:cNvSpPr>
+            <a:spLocks noGrp="1"/>
+          </p:cNvSpPr>
+          <p:nvPr>
+            <p:ph type="dt" sz="half" idx="10"/>
+          </p:nvPr>
+        </p:nvSpPr>
+        <p:spPr/>
+        <p:txBody>
+          <a:bodyPr/>
+          <a:lstStyle/>
+          <a:p>
+            <a:r>
+              <a:rPr lang="de-DE"/>
+              <a:t>Marc Sauter</a:t>
+            </a:r>
+            <a:endParaRPr lang="de-DE" dirty="0"/>
+          </a:p>
+        </p:txBody>
+      </p:sp>
+      <p:sp>
+        <p:nvSpPr>
+          <p:cNvPr id="5" name="Foliennummernplatzhalter 4">
+            <a:extLst>
+              <a:ext uri="{FF2B5EF4-FFF2-40B4-BE49-F238E27FC236}">
+                <a16:creationId xmlns:a16="http://schemas.microsoft.com/office/drawing/2014/main" id="{AB9EB9CB-B69E-79CB-6074-C5FE33866E1E}"/>
+              </a:ext>
+            </a:extLst>
+          </p:cNvPr>
+          <p:cNvSpPr>
+            <a:spLocks noGrp="1"/>
+          </p:cNvSpPr>
+          <p:nvPr>
+            <p:ph type="sldNum" sz="quarter" idx="12"/>
+          </p:nvPr>
+        </p:nvSpPr>
+        <p:spPr/>
+        <p:txBody>
+          <a:bodyPr/>
+          <a:lstStyle/>
+          <a:p>
+            <a:r>
+              <a:rPr lang="de-DE" dirty="0"/>
+              <a:t>3</a:t>
+            </a:r>
+          </a:p>
+        </p:txBody>
+      </p:sp>
     </p:spTree>
     <p:extLst>
       <p:ext uri="{BB962C8B-B14F-4D97-AF65-F5344CB8AC3E}">
@@ -5961,13 +6943,13 @@
   <p:clrMapOvr>
     <a:masterClrMapping/>
   </p:clrMapOvr>
-  <mc:AlternateContent xmlns:mc="http://schemas.openxmlformats.org/markup-compatibility/2006">
-    <mc:Choice xmlns:p159="http://schemas.microsoft.com/office/powerpoint/2015/09/main" Requires="p159">
+  <mc:AlternateContent xmlns:mc="http://schemas.openxmlformats.org/markup-compatibility/2006" xmlns:p159="http://schemas.microsoft.com/office/powerpoint/2015/09/main">
+    <mc:Choice Requires="p159">
       <p:transition>
         <p159:morph option="byWord"/>
       </p:transition>
     </mc:Choice>
-    <mc:Fallback>
+    <mc:Fallback xmlns="">
       <p:transition>
         <p:fade/>
       </p:transition>
@@ -6378,6 +7360,92 @@
           </a:p>
         </p:txBody>
       </p:sp>
+      <p:sp>
+        <p:nvSpPr>
+          <p:cNvPr id="4" name="Fußzeilenplatzhalter 3">
+            <a:extLst>
+              <a:ext uri="{FF2B5EF4-FFF2-40B4-BE49-F238E27FC236}">
+                <a16:creationId xmlns:a16="http://schemas.microsoft.com/office/drawing/2014/main" id="{60786419-E15C-FC7B-B9BD-C056D8ED05D3}"/>
+              </a:ext>
+            </a:extLst>
+          </p:cNvPr>
+          <p:cNvSpPr>
+            <a:spLocks noGrp="1"/>
+          </p:cNvSpPr>
+          <p:nvPr>
+            <p:ph type="ftr" sz="quarter" idx="11"/>
+          </p:nvPr>
+        </p:nvSpPr>
+        <p:spPr/>
+        <p:txBody>
+          <a:bodyPr/>
+          <a:lstStyle/>
+          <a:p>
+            <a:r>
+              <a:rPr lang="de-DE"/>
+              <a:t>University of Stuttgart</a:t>
+            </a:r>
+            <a:endParaRPr lang="de-DE" dirty="0"/>
+          </a:p>
+        </p:txBody>
+      </p:sp>
+      <p:sp>
+        <p:nvSpPr>
+          <p:cNvPr id="5" name="Datumsplatzhalter 4">
+            <a:extLst>
+              <a:ext uri="{FF2B5EF4-FFF2-40B4-BE49-F238E27FC236}">
+                <a16:creationId xmlns:a16="http://schemas.microsoft.com/office/drawing/2014/main" id="{3BAE3367-D5C5-ACEE-FDCA-83FD6CA01A53}"/>
+              </a:ext>
+            </a:extLst>
+          </p:cNvPr>
+          <p:cNvSpPr>
+            <a:spLocks noGrp="1"/>
+          </p:cNvSpPr>
+          <p:nvPr>
+            <p:ph type="dt" sz="half" idx="10"/>
+          </p:nvPr>
+        </p:nvSpPr>
+        <p:spPr/>
+        <p:txBody>
+          <a:bodyPr/>
+          <a:lstStyle/>
+          <a:p>
+            <a:r>
+              <a:rPr lang="de-DE"/>
+              <a:t>Marc Sauter</a:t>
+            </a:r>
+            <a:endParaRPr lang="de-DE" dirty="0"/>
+          </a:p>
+        </p:txBody>
+      </p:sp>
+      <p:sp>
+        <p:nvSpPr>
+          <p:cNvPr id="6" name="Foliennummernplatzhalter 5">
+            <a:extLst>
+              <a:ext uri="{FF2B5EF4-FFF2-40B4-BE49-F238E27FC236}">
+                <a16:creationId xmlns:a16="http://schemas.microsoft.com/office/drawing/2014/main" id="{DB66FCC4-1F11-696A-70C6-5B8613D67731}"/>
+              </a:ext>
+            </a:extLst>
+          </p:cNvPr>
+          <p:cNvSpPr>
+            <a:spLocks noGrp="1"/>
+          </p:cNvSpPr>
+          <p:nvPr>
+            <p:ph type="sldNum" sz="quarter" idx="12"/>
+          </p:nvPr>
+        </p:nvSpPr>
+        <p:spPr/>
+        <p:txBody>
+          <a:bodyPr/>
+          <a:lstStyle/>
+          <a:p>
+            <a:r>
+              <a:rPr lang="de-DE" dirty="0"/>
+              <a:t>3</a:t>
+            </a:r>
+          </a:p>
+        </p:txBody>
+      </p:sp>
     </p:spTree>
     <p:extLst>
       <p:ext uri="{BB962C8B-B14F-4D97-AF65-F5344CB8AC3E}">
@@ -6388,13 +7456,13 @@
   <p:clrMapOvr>
     <a:masterClrMapping/>
   </p:clrMapOvr>
-  <mc:AlternateContent xmlns:mc="http://schemas.openxmlformats.org/markup-compatibility/2006">
-    <mc:Choice xmlns:p159="http://schemas.microsoft.com/office/powerpoint/2015/09/main" Requires="p159">
+  <mc:AlternateContent xmlns:mc="http://schemas.openxmlformats.org/markup-compatibility/2006" xmlns:p159="http://schemas.microsoft.com/office/powerpoint/2015/09/main">
+    <mc:Choice Requires="p159">
       <p:transition>
         <p159:morph option="byWord"/>
       </p:transition>
     </mc:Choice>
-    <mc:Fallback>
+    <mc:Fallback xmlns="">
       <p:transition>
         <p:fade/>
       </p:transition>
@@ -6933,6 +8001,92 @@
           </a:p>
         </p:txBody>
       </p:sp>
+      <p:sp>
+        <p:nvSpPr>
+          <p:cNvPr id="4" name="Fußzeilenplatzhalter 3">
+            <a:extLst>
+              <a:ext uri="{FF2B5EF4-FFF2-40B4-BE49-F238E27FC236}">
+                <a16:creationId xmlns:a16="http://schemas.microsoft.com/office/drawing/2014/main" id="{E6E8485D-65AD-8C9E-F17F-FAB195EBDACE}"/>
+              </a:ext>
+            </a:extLst>
+          </p:cNvPr>
+          <p:cNvSpPr>
+            <a:spLocks noGrp="1"/>
+          </p:cNvSpPr>
+          <p:nvPr>
+            <p:ph type="ftr" sz="quarter" idx="11"/>
+          </p:nvPr>
+        </p:nvSpPr>
+        <p:spPr/>
+        <p:txBody>
+          <a:bodyPr/>
+          <a:lstStyle/>
+          <a:p>
+            <a:r>
+              <a:rPr lang="de-DE"/>
+              <a:t>University of Stuttgart</a:t>
+            </a:r>
+            <a:endParaRPr lang="de-DE" dirty="0"/>
+          </a:p>
+        </p:txBody>
+      </p:sp>
+      <p:sp>
+        <p:nvSpPr>
+          <p:cNvPr id="5" name="Datumsplatzhalter 4">
+            <a:extLst>
+              <a:ext uri="{FF2B5EF4-FFF2-40B4-BE49-F238E27FC236}">
+                <a16:creationId xmlns:a16="http://schemas.microsoft.com/office/drawing/2014/main" id="{C7A88ABF-3702-2A94-4882-34C58243EC6A}"/>
+              </a:ext>
+            </a:extLst>
+          </p:cNvPr>
+          <p:cNvSpPr>
+            <a:spLocks noGrp="1"/>
+          </p:cNvSpPr>
+          <p:nvPr>
+            <p:ph type="dt" sz="half" idx="10"/>
+          </p:nvPr>
+        </p:nvSpPr>
+        <p:spPr/>
+        <p:txBody>
+          <a:bodyPr/>
+          <a:lstStyle/>
+          <a:p>
+            <a:r>
+              <a:rPr lang="de-DE"/>
+              <a:t>Marc Sauter</a:t>
+            </a:r>
+            <a:endParaRPr lang="de-DE" dirty="0"/>
+          </a:p>
+        </p:txBody>
+      </p:sp>
+      <p:sp>
+        <p:nvSpPr>
+          <p:cNvPr id="6" name="Foliennummernplatzhalter 5">
+            <a:extLst>
+              <a:ext uri="{FF2B5EF4-FFF2-40B4-BE49-F238E27FC236}">
+                <a16:creationId xmlns:a16="http://schemas.microsoft.com/office/drawing/2014/main" id="{794969A5-DE7D-FB21-905D-AB0F034761EB}"/>
+              </a:ext>
+            </a:extLst>
+          </p:cNvPr>
+          <p:cNvSpPr>
+            <a:spLocks noGrp="1"/>
+          </p:cNvSpPr>
+          <p:nvPr>
+            <p:ph type="sldNum" sz="quarter" idx="12"/>
+          </p:nvPr>
+        </p:nvSpPr>
+        <p:spPr/>
+        <p:txBody>
+          <a:bodyPr/>
+          <a:lstStyle/>
+          <a:p>
+            <a:r>
+              <a:rPr lang="de-DE" dirty="0"/>
+              <a:t>3</a:t>
+            </a:r>
+          </a:p>
+        </p:txBody>
+      </p:sp>
     </p:spTree>
     <p:extLst>
       <p:ext uri="{BB962C8B-B14F-4D97-AF65-F5344CB8AC3E}">
@@ -6943,13 +8097,13 @@
   <p:clrMapOvr>
     <a:masterClrMapping/>
   </p:clrMapOvr>
-  <mc:AlternateContent xmlns:mc="http://schemas.openxmlformats.org/markup-compatibility/2006">
-    <mc:Choice xmlns:p159="http://schemas.microsoft.com/office/powerpoint/2015/09/main" Requires="p159">
+  <mc:AlternateContent xmlns:mc="http://schemas.openxmlformats.org/markup-compatibility/2006" xmlns:p159="http://schemas.microsoft.com/office/powerpoint/2015/09/main">
+    <mc:Choice Requires="p159">
       <p:transition>
         <p159:morph option="byWord"/>
       </p:transition>
     </mc:Choice>
-    <mc:Fallback>
+    <mc:Fallback xmlns="">
       <p:transition>
         <p:fade/>
       </p:transition>
@@ -7320,6 +8474,92 @@
           </a:prstGeom>
         </p:spPr>
       </p:pic>
+      <p:sp>
+        <p:nvSpPr>
+          <p:cNvPr id="2" name="Fußzeilenplatzhalter 1">
+            <a:extLst>
+              <a:ext uri="{FF2B5EF4-FFF2-40B4-BE49-F238E27FC236}">
+                <a16:creationId xmlns:a16="http://schemas.microsoft.com/office/drawing/2014/main" id="{B3EAD49B-14DE-8F33-F5A1-B523C6C5F872}"/>
+              </a:ext>
+            </a:extLst>
+          </p:cNvPr>
+          <p:cNvSpPr>
+            <a:spLocks noGrp="1"/>
+          </p:cNvSpPr>
+          <p:nvPr>
+            <p:ph type="ftr" sz="quarter" idx="11"/>
+          </p:nvPr>
+        </p:nvSpPr>
+        <p:spPr/>
+        <p:txBody>
+          <a:bodyPr/>
+          <a:lstStyle/>
+          <a:p>
+            <a:r>
+              <a:rPr lang="de-DE"/>
+              <a:t>University of Stuttgart</a:t>
+            </a:r>
+            <a:endParaRPr lang="de-DE" dirty="0"/>
+          </a:p>
+        </p:txBody>
+      </p:sp>
+      <p:sp>
+        <p:nvSpPr>
+          <p:cNvPr id="3" name="Datumsplatzhalter 2">
+            <a:extLst>
+              <a:ext uri="{FF2B5EF4-FFF2-40B4-BE49-F238E27FC236}">
+                <a16:creationId xmlns:a16="http://schemas.microsoft.com/office/drawing/2014/main" id="{927F36FA-B850-73F0-5DE1-165582998639}"/>
+              </a:ext>
+            </a:extLst>
+          </p:cNvPr>
+          <p:cNvSpPr>
+            <a:spLocks noGrp="1"/>
+          </p:cNvSpPr>
+          <p:nvPr>
+            <p:ph type="dt" sz="half" idx="10"/>
+          </p:nvPr>
+        </p:nvSpPr>
+        <p:spPr/>
+        <p:txBody>
+          <a:bodyPr/>
+          <a:lstStyle/>
+          <a:p>
+            <a:r>
+              <a:rPr lang="de-DE"/>
+              <a:t>Marc Sauter</a:t>
+            </a:r>
+            <a:endParaRPr lang="de-DE" dirty="0"/>
+          </a:p>
+        </p:txBody>
+      </p:sp>
+      <p:sp>
+        <p:nvSpPr>
+          <p:cNvPr id="4" name="Foliennummernplatzhalter 3">
+            <a:extLst>
+              <a:ext uri="{FF2B5EF4-FFF2-40B4-BE49-F238E27FC236}">
+                <a16:creationId xmlns:a16="http://schemas.microsoft.com/office/drawing/2014/main" id="{D180E1FB-4A32-0C56-3A01-1BCA6A88359A}"/>
+              </a:ext>
+            </a:extLst>
+          </p:cNvPr>
+          <p:cNvSpPr>
+            <a:spLocks noGrp="1"/>
+          </p:cNvSpPr>
+          <p:nvPr>
+            <p:ph type="sldNum" sz="quarter" idx="12"/>
+          </p:nvPr>
+        </p:nvSpPr>
+        <p:spPr/>
+        <p:txBody>
+          <a:bodyPr/>
+          <a:lstStyle/>
+          <a:p>
+            <a:r>
+              <a:rPr lang="de-DE" dirty="0"/>
+              <a:t>4</a:t>
+            </a:r>
+          </a:p>
+        </p:txBody>
+      </p:sp>
     </p:spTree>
     <p:extLst>
       <p:ext uri="{BB962C8B-B14F-4D97-AF65-F5344CB8AC3E}">
@@ -7330,13 +8570,13 @@
   <p:clrMapOvr>
     <a:masterClrMapping/>
   </p:clrMapOvr>
-  <mc:AlternateContent xmlns:mc="http://schemas.openxmlformats.org/markup-compatibility/2006">
-    <mc:Choice xmlns:p159="http://schemas.microsoft.com/office/powerpoint/2015/09/main" Requires="p159">
+  <mc:AlternateContent xmlns:mc="http://schemas.openxmlformats.org/markup-compatibility/2006" xmlns:p159="http://schemas.microsoft.com/office/powerpoint/2015/09/main">
+    <mc:Choice Requires="p159">
       <p:transition>
         <p159:morph option="byWord"/>
       </p:transition>
     </mc:Choice>
-    <mc:Fallback>
+    <mc:Fallback xmlns="">
       <p:transition>
         <p:fade/>
       </p:transition>
@@ -7393,8 +8633,17 @@
                 <a:solidFill>
                   <a:schemeClr val="bg1"/>
                 </a:solidFill>
-              </a:rPr>
-              <a:t>Fisher Information</a:t>
+                <a:latin typeface="Univers" panose="020B0503020202020204" pitchFamily="34" charset="0"/>
+              </a:rPr>
+              <a:t>Fisher</a:t>
+            </a:r>
+            <a:r>
+              <a:rPr lang="de-DE" dirty="0">
+                <a:solidFill>
+                  <a:schemeClr val="bg1"/>
+                </a:solidFill>
+              </a:rPr>
+              <a:t> Information</a:t>
             </a:r>
           </a:p>
         </p:txBody>
@@ -7451,6 +8700,92 @@
           </a:p>
         </p:txBody>
       </p:sp>
+      <p:sp>
+        <p:nvSpPr>
+          <p:cNvPr id="3" name="Fußzeilenplatzhalter 2">
+            <a:extLst>
+              <a:ext uri="{FF2B5EF4-FFF2-40B4-BE49-F238E27FC236}">
+                <a16:creationId xmlns:a16="http://schemas.microsoft.com/office/drawing/2014/main" id="{01C21A2B-3C88-4300-BFE8-03DA1266AF8B}"/>
+              </a:ext>
+            </a:extLst>
+          </p:cNvPr>
+          <p:cNvSpPr>
+            <a:spLocks noGrp="1"/>
+          </p:cNvSpPr>
+          <p:nvPr>
+            <p:ph type="ftr" sz="quarter" idx="11"/>
+          </p:nvPr>
+        </p:nvSpPr>
+        <p:spPr/>
+        <p:txBody>
+          <a:bodyPr/>
+          <a:lstStyle/>
+          <a:p>
+            <a:r>
+              <a:rPr lang="de-DE"/>
+              <a:t>University of Stuttgart</a:t>
+            </a:r>
+            <a:endParaRPr lang="de-DE" dirty="0"/>
+          </a:p>
+        </p:txBody>
+      </p:sp>
+      <p:sp>
+        <p:nvSpPr>
+          <p:cNvPr id="4" name="Datumsplatzhalter 3">
+            <a:extLst>
+              <a:ext uri="{FF2B5EF4-FFF2-40B4-BE49-F238E27FC236}">
+                <a16:creationId xmlns:a16="http://schemas.microsoft.com/office/drawing/2014/main" id="{8BFAC375-75E3-DF02-9218-76B990A3B381}"/>
+              </a:ext>
+            </a:extLst>
+          </p:cNvPr>
+          <p:cNvSpPr>
+            <a:spLocks noGrp="1"/>
+          </p:cNvSpPr>
+          <p:nvPr>
+            <p:ph type="dt" sz="half" idx="10"/>
+          </p:nvPr>
+        </p:nvSpPr>
+        <p:spPr/>
+        <p:txBody>
+          <a:bodyPr/>
+          <a:lstStyle/>
+          <a:p>
+            <a:r>
+              <a:rPr lang="de-DE"/>
+              <a:t>Marc Sauter</a:t>
+            </a:r>
+            <a:endParaRPr lang="de-DE" dirty="0"/>
+          </a:p>
+        </p:txBody>
+      </p:sp>
+      <p:sp>
+        <p:nvSpPr>
+          <p:cNvPr id="5" name="Foliennummernplatzhalter 4">
+            <a:extLst>
+              <a:ext uri="{FF2B5EF4-FFF2-40B4-BE49-F238E27FC236}">
+                <a16:creationId xmlns:a16="http://schemas.microsoft.com/office/drawing/2014/main" id="{56B854F8-1834-83A0-DF95-46B9D3F77D93}"/>
+              </a:ext>
+            </a:extLst>
+          </p:cNvPr>
+          <p:cNvSpPr>
+            <a:spLocks noGrp="1"/>
+          </p:cNvSpPr>
+          <p:nvPr>
+            <p:ph type="sldNum" sz="quarter" idx="12"/>
+          </p:nvPr>
+        </p:nvSpPr>
+        <p:spPr/>
+        <p:txBody>
+          <a:bodyPr/>
+          <a:lstStyle/>
+          <a:p>
+            <a:r>
+              <a:rPr lang="de-DE" dirty="0"/>
+              <a:t>1</a:t>
+            </a:r>
+          </a:p>
+        </p:txBody>
+      </p:sp>
     </p:spTree>
     <p:extLst>
       <p:ext uri="{BB962C8B-B14F-4D97-AF65-F5344CB8AC3E}">
@@ -7461,13 +8796,13 @@
   <p:clrMapOvr>
     <a:masterClrMapping/>
   </p:clrMapOvr>
-  <mc:AlternateContent xmlns:mc="http://schemas.openxmlformats.org/markup-compatibility/2006">
-    <mc:Choice xmlns:p159="http://schemas.microsoft.com/office/powerpoint/2015/09/main" Requires="p159">
+  <mc:AlternateContent xmlns:mc="http://schemas.openxmlformats.org/markup-compatibility/2006" xmlns:p159="http://schemas.microsoft.com/office/powerpoint/2015/09/main">
+    <mc:Choice Requires="p159">
       <p:transition>
         <p159:morph option="byWord"/>
       </p:transition>
     </mc:Choice>
-    <mc:Fallback>
+    <mc:Fallback xmlns="">
       <p:transition>
         <p:fade/>
       </p:transition>
@@ -7843,6 +9178,92 @@
           </a:prstGeom>
         </p:spPr>
       </p:pic>
+      <p:sp>
+        <p:nvSpPr>
+          <p:cNvPr id="2" name="Fußzeilenplatzhalter 1">
+            <a:extLst>
+              <a:ext uri="{FF2B5EF4-FFF2-40B4-BE49-F238E27FC236}">
+                <a16:creationId xmlns:a16="http://schemas.microsoft.com/office/drawing/2014/main" id="{3648CD07-AC36-D287-DA9B-F922FAE8F143}"/>
+              </a:ext>
+            </a:extLst>
+          </p:cNvPr>
+          <p:cNvSpPr>
+            <a:spLocks noGrp="1"/>
+          </p:cNvSpPr>
+          <p:nvPr>
+            <p:ph type="ftr" sz="quarter" idx="11"/>
+          </p:nvPr>
+        </p:nvSpPr>
+        <p:spPr/>
+        <p:txBody>
+          <a:bodyPr/>
+          <a:lstStyle/>
+          <a:p>
+            <a:r>
+              <a:rPr lang="de-DE"/>
+              <a:t>University of Stuttgart</a:t>
+            </a:r>
+            <a:endParaRPr lang="de-DE" dirty="0"/>
+          </a:p>
+        </p:txBody>
+      </p:sp>
+      <p:sp>
+        <p:nvSpPr>
+          <p:cNvPr id="3" name="Datumsplatzhalter 2">
+            <a:extLst>
+              <a:ext uri="{FF2B5EF4-FFF2-40B4-BE49-F238E27FC236}">
+                <a16:creationId xmlns:a16="http://schemas.microsoft.com/office/drawing/2014/main" id="{9CA4E8E6-FF11-6A3B-FD90-72780A8AD1A1}"/>
+              </a:ext>
+            </a:extLst>
+          </p:cNvPr>
+          <p:cNvSpPr>
+            <a:spLocks noGrp="1"/>
+          </p:cNvSpPr>
+          <p:nvPr>
+            <p:ph type="dt" sz="half" idx="10"/>
+          </p:nvPr>
+        </p:nvSpPr>
+        <p:spPr/>
+        <p:txBody>
+          <a:bodyPr/>
+          <a:lstStyle/>
+          <a:p>
+            <a:r>
+              <a:rPr lang="de-DE"/>
+              <a:t>Marc Sauter</a:t>
+            </a:r>
+            <a:endParaRPr lang="de-DE" dirty="0"/>
+          </a:p>
+        </p:txBody>
+      </p:sp>
+      <p:sp>
+        <p:nvSpPr>
+          <p:cNvPr id="4" name="Foliennummernplatzhalter 3">
+            <a:extLst>
+              <a:ext uri="{FF2B5EF4-FFF2-40B4-BE49-F238E27FC236}">
+                <a16:creationId xmlns:a16="http://schemas.microsoft.com/office/drawing/2014/main" id="{C8E5400C-4184-F3BF-3290-CF4294862FDF}"/>
+              </a:ext>
+            </a:extLst>
+          </p:cNvPr>
+          <p:cNvSpPr>
+            <a:spLocks noGrp="1"/>
+          </p:cNvSpPr>
+          <p:nvPr>
+            <p:ph type="sldNum" sz="quarter" idx="12"/>
+          </p:nvPr>
+        </p:nvSpPr>
+        <p:spPr/>
+        <p:txBody>
+          <a:bodyPr/>
+          <a:lstStyle/>
+          <a:p>
+            <a:r>
+              <a:rPr lang="de-DE" dirty="0"/>
+              <a:t>4</a:t>
+            </a:r>
+          </a:p>
+        </p:txBody>
+      </p:sp>
     </p:spTree>
     <p:extLst>
       <p:ext uri="{BB962C8B-B14F-4D97-AF65-F5344CB8AC3E}">
@@ -7853,13 +9274,13 @@
   <p:clrMapOvr>
     <a:masterClrMapping/>
   </p:clrMapOvr>
-  <mc:AlternateContent xmlns:mc="http://schemas.openxmlformats.org/markup-compatibility/2006">
-    <mc:Choice xmlns:p159="http://schemas.microsoft.com/office/powerpoint/2015/09/main" Requires="p159">
+  <mc:AlternateContent xmlns:mc="http://schemas.openxmlformats.org/markup-compatibility/2006" xmlns:p159="http://schemas.microsoft.com/office/powerpoint/2015/09/main">
+    <mc:Choice Requires="p159">
       <p:transition>
         <p159:morph option="byWord"/>
       </p:transition>
     </mc:Choice>
-    <mc:Fallback>
+    <mc:Fallback xmlns="">
       <p:transition>
         <p:fade/>
       </p:transition>
@@ -7993,6 +9414,92 @@
           </a:p>
         </p:txBody>
       </p:sp>
+      <p:sp>
+        <p:nvSpPr>
+          <p:cNvPr id="2" name="Fußzeilenplatzhalter 1">
+            <a:extLst>
+              <a:ext uri="{FF2B5EF4-FFF2-40B4-BE49-F238E27FC236}">
+                <a16:creationId xmlns:a16="http://schemas.microsoft.com/office/drawing/2014/main" id="{2D5F71E2-BDDA-B002-81F0-816369BDAF1F}"/>
+              </a:ext>
+            </a:extLst>
+          </p:cNvPr>
+          <p:cNvSpPr>
+            <a:spLocks noGrp="1"/>
+          </p:cNvSpPr>
+          <p:nvPr>
+            <p:ph type="ftr" sz="quarter" idx="11"/>
+          </p:nvPr>
+        </p:nvSpPr>
+        <p:spPr/>
+        <p:txBody>
+          <a:bodyPr/>
+          <a:lstStyle/>
+          <a:p>
+            <a:r>
+              <a:rPr lang="de-DE"/>
+              <a:t>University of Stuttgart</a:t>
+            </a:r>
+            <a:endParaRPr lang="de-DE" dirty="0"/>
+          </a:p>
+        </p:txBody>
+      </p:sp>
+      <p:sp>
+        <p:nvSpPr>
+          <p:cNvPr id="3" name="Datumsplatzhalter 2">
+            <a:extLst>
+              <a:ext uri="{FF2B5EF4-FFF2-40B4-BE49-F238E27FC236}">
+                <a16:creationId xmlns:a16="http://schemas.microsoft.com/office/drawing/2014/main" id="{2CFFF25F-7156-F3E4-0C54-56F49CEA4648}"/>
+              </a:ext>
+            </a:extLst>
+          </p:cNvPr>
+          <p:cNvSpPr>
+            <a:spLocks noGrp="1"/>
+          </p:cNvSpPr>
+          <p:nvPr>
+            <p:ph type="dt" sz="half" idx="10"/>
+          </p:nvPr>
+        </p:nvSpPr>
+        <p:spPr/>
+        <p:txBody>
+          <a:bodyPr/>
+          <a:lstStyle/>
+          <a:p>
+            <a:r>
+              <a:rPr lang="de-DE"/>
+              <a:t>Marc Sauter</a:t>
+            </a:r>
+            <a:endParaRPr lang="de-DE" dirty="0"/>
+          </a:p>
+        </p:txBody>
+      </p:sp>
+      <p:sp>
+        <p:nvSpPr>
+          <p:cNvPr id="4" name="Foliennummernplatzhalter 3">
+            <a:extLst>
+              <a:ext uri="{FF2B5EF4-FFF2-40B4-BE49-F238E27FC236}">
+                <a16:creationId xmlns:a16="http://schemas.microsoft.com/office/drawing/2014/main" id="{10CA5480-8096-EAA0-ADED-05B8CCA1225B}"/>
+              </a:ext>
+            </a:extLst>
+          </p:cNvPr>
+          <p:cNvSpPr>
+            <a:spLocks noGrp="1"/>
+          </p:cNvSpPr>
+          <p:nvPr>
+            <p:ph type="sldNum" sz="quarter" idx="12"/>
+          </p:nvPr>
+        </p:nvSpPr>
+        <p:spPr/>
+        <p:txBody>
+          <a:bodyPr/>
+          <a:lstStyle/>
+          <a:p>
+            <a:r>
+              <a:rPr lang="de-DE" dirty="0"/>
+              <a:t>5</a:t>
+            </a:r>
+          </a:p>
+        </p:txBody>
+      </p:sp>
     </p:spTree>
     <p:extLst>
       <p:ext uri="{BB962C8B-B14F-4D97-AF65-F5344CB8AC3E}">
@@ -8003,13 +9510,13 @@
   <p:clrMapOvr>
     <a:masterClrMapping/>
   </p:clrMapOvr>
-  <mc:AlternateContent xmlns:mc="http://schemas.openxmlformats.org/markup-compatibility/2006">
-    <mc:Choice xmlns:p159="http://schemas.microsoft.com/office/powerpoint/2015/09/main" Requires="p159">
+  <mc:AlternateContent xmlns:mc="http://schemas.openxmlformats.org/markup-compatibility/2006" xmlns:p159="http://schemas.microsoft.com/office/powerpoint/2015/09/main">
+    <mc:Choice Requires="p159">
       <p:transition>
         <p159:morph option="byWord"/>
       </p:transition>
     </mc:Choice>
-    <mc:Fallback>
+    <mc:Fallback xmlns="">
       <p:transition>
         <p:fade/>
       </p:transition>
@@ -8206,6 +9713,92 @@
           </a:graphicData>
         </a:graphic>
       </p:graphicFrame>
+      <p:sp>
+        <p:nvSpPr>
+          <p:cNvPr id="2" name="Fußzeilenplatzhalter 1">
+            <a:extLst>
+              <a:ext uri="{FF2B5EF4-FFF2-40B4-BE49-F238E27FC236}">
+                <a16:creationId xmlns:a16="http://schemas.microsoft.com/office/drawing/2014/main" id="{29D4E31A-EB7E-F3C3-65EA-F031B79BCD81}"/>
+              </a:ext>
+            </a:extLst>
+          </p:cNvPr>
+          <p:cNvSpPr>
+            <a:spLocks noGrp="1"/>
+          </p:cNvSpPr>
+          <p:nvPr>
+            <p:ph type="ftr" sz="quarter" idx="11"/>
+          </p:nvPr>
+        </p:nvSpPr>
+        <p:spPr/>
+        <p:txBody>
+          <a:bodyPr/>
+          <a:lstStyle/>
+          <a:p>
+            <a:r>
+              <a:rPr lang="de-DE"/>
+              <a:t>University of Stuttgart</a:t>
+            </a:r>
+            <a:endParaRPr lang="de-DE" dirty="0"/>
+          </a:p>
+        </p:txBody>
+      </p:sp>
+      <p:sp>
+        <p:nvSpPr>
+          <p:cNvPr id="3" name="Datumsplatzhalter 2">
+            <a:extLst>
+              <a:ext uri="{FF2B5EF4-FFF2-40B4-BE49-F238E27FC236}">
+                <a16:creationId xmlns:a16="http://schemas.microsoft.com/office/drawing/2014/main" id="{985DF9CF-36F9-18C6-61B3-76CA2471D292}"/>
+              </a:ext>
+            </a:extLst>
+          </p:cNvPr>
+          <p:cNvSpPr>
+            <a:spLocks noGrp="1"/>
+          </p:cNvSpPr>
+          <p:nvPr>
+            <p:ph type="dt" sz="half" idx="10"/>
+          </p:nvPr>
+        </p:nvSpPr>
+        <p:spPr/>
+        <p:txBody>
+          <a:bodyPr/>
+          <a:lstStyle/>
+          <a:p>
+            <a:r>
+              <a:rPr lang="de-DE"/>
+              <a:t>Marc Sauter</a:t>
+            </a:r>
+            <a:endParaRPr lang="de-DE" dirty="0"/>
+          </a:p>
+        </p:txBody>
+      </p:sp>
+      <p:sp>
+        <p:nvSpPr>
+          <p:cNvPr id="4" name="Foliennummernplatzhalter 3">
+            <a:extLst>
+              <a:ext uri="{FF2B5EF4-FFF2-40B4-BE49-F238E27FC236}">
+                <a16:creationId xmlns:a16="http://schemas.microsoft.com/office/drawing/2014/main" id="{E92B7CB5-D590-FDE4-15C7-4BE3D20F8E61}"/>
+              </a:ext>
+            </a:extLst>
+          </p:cNvPr>
+          <p:cNvSpPr>
+            <a:spLocks noGrp="1"/>
+          </p:cNvSpPr>
+          <p:nvPr>
+            <p:ph type="sldNum" sz="quarter" idx="12"/>
+          </p:nvPr>
+        </p:nvSpPr>
+        <p:spPr/>
+        <p:txBody>
+          <a:bodyPr/>
+          <a:lstStyle/>
+          <a:p>
+            <a:r>
+              <a:rPr lang="de-DE" dirty="0"/>
+              <a:t>5</a:t>
+            </a:r>
+          </a:p>
+        </p:txBody>
+      </p:sp>
     </p:spTree>
     <p:extLst>
       <p:ext uri="{BB962C8B-B14F-4D97-AF65-F5344CB8AC3E}">
@@ -8216,13 +9809,13 @@
   <p:clrMapOvr>
     <a:masterClrMapping/>
   </p:clrMapOvr>
-  <mc:AlternateContent xmlns:mc="http://schemas.openxmlformats.org/markup-compatibility/2006">
-    <mc:Choice xmlns:p159="http://schemas.microsoft.com/office/powerpoint/2015/09/main" Requires="p159">
+  <mc:AlternateContent xmlns:mc="http://schemas.openxmlformats.org/markup-compatibility/2006" xmlns:p159="http://schemas.microsoft.com/office/powerpoint/2015/09/main">
+    <mc:Choice Requires="p159">
       <p:transition>
         <p159:morph option="byWord"/>
       </p:transition>
     </mc:Choice>
-    <mc:Fallback>
+    <mc:Fallback xmlns="">
       <p:transition>
         <p:fade/>
       </p:transition>
@@ -8751,6 +10344,92 @@
           </a:prstGeom>
         </p:spPr>
       </p:pic>
+      <p:sp>
+        <p:nvSpPr>
+          <p:cNvPr id="2" name="Fußzeilenplatzhalter 1">
+            <a:extLst>
+              <a:ext uri="{FF2B5EF4-FFF2-40B4-BE49-F238E27FC236}">
+                <a16:creationId xmlns:a16="http://schemas.microsoft.com/office/drawing/2014/main" id="{7BF8F192-C95A-FD0E-DC16-B6B2476DA813}"/>
+              </a:ext>
+            </a:extLst>
+          </p:cNvPr>
+          <p:cNvSpPr>
+            <a:spLocks noGrp="1"/>
+          </p:cNvSpPr>
+          <p:nvPr>
+            <p:ph type="ftr" sz="quarter" idx="11"/>
+          </p:nvPr>
+        </p:nvSpPr>
+        <p:spPr/>
+        <p:txBody>
+          <a:bodyPr/>
+          <a:lstStyle/>
+          <a:p>
+            <a:r>
+              <a:rPr lang="de-DE"/>
+              <a:t>University of Stuttgart</a:t>
+            </a:r>
+            <a:endParaRPr lang="de-DE" dirty="0"/>
+          </a:p>
+        </p:txBody>
+      </p:sp>
+      <p:sp>
+        <p:nvSpPr>
+          <p:cNvPr id="3" name="Datumsplatzhalter 2">
+            <a:extLst>
+              <a:ext uri="{FF2B5EF4-FFF2-40B4-BE49-F238E27FC236}">
+                <a16:creationId xmlns:a16="http://schemas.microsoft.com/office/drawing/2014/main" id="{FE321747-E1FC-4264-8DE2-74A8E801E57C}"/>
+              </a:ext>
+            </a:extLst>
+          </p:cNvPr>
+          <p:cNvSpPr>
+            <a:spLocks noGrp="1"/>
+          </p:cNvSpPr>
+          <p:nvPr>
+            <p:ph type="dt" sz="half" idx="10"/>
+          </p:nvPr>
+        </p:nvSpPr>
+        <p:spPr/>
+        <p:txBody>
+          <a:bodyPr/>
+          <a:lstStyle/>
+          <a:p>
+            <a:r>
+              <a:rPr lang="de-DE"/>
+              <a:t>Marc Sauter</a:t>
+            </a:r>
+            <a:endParaRPr lang="de-DE" dirty="0"/>
+          </a:p>
+        </p:txBody>
+      </p:sp>
+      <p:sp>
+        <p:nvSpPr>
+          <p:cNvPr id="4" name="Foliennummernplatzhalter 3">
+            <a:extLst>
+              <a:ext uri="{FF2B5EF4-FFF2-40B4-BE49-F238E27FC236}">
+                <a16:creationId xmlns:a16="http://schemas.microsoft.com/office/drawing/2014/main" id="{544F3FA0-30B3-1951-008C-078CEB37F881}"/>
+              </a:ext>
+            </a:extLst>
+          </p:cNvPr>
+          <p:cNvSpPr>
+            <a:spLocks noGrp="1"/>
+          </p:cNvSpPr>
+          <p:nvPr>
+            <p:ph type="sldNum" sz="quarter" idx="12"/>
+          </p:nvPr>
+        </p:nvSpPr>
+        <p:spPr/>
+        <p:txBody>
+          <a:bodyPr/>
+          <a:lstStyle/>
+          <a:p>
+            <a:r>
+              <a:rPr lang="de-DE" dirty="0"/>
+              <a:t>5</a:t>
+            </a:r>
+          </a:p>
+        </p:txBody>
+      </p:sp>
     </p:spTree>
     <p:extLst>
       <p:ext uri="{BB962C8B-B14F-4D97-AF65-F5344CB8AC3E}">
@@ -8761,13 +10440,13 @@
   <p:clrMapOvr>
     <a:masterClrMapping/>
   </p:clrMapOvr>
-  <mc:AlternateContent xmlns:mc="http://schemas.openxmlformats.org/markup-compatibility/2006">
-    <mc:Choice xmlns:p159="http://schemas.microsoft.com/office/powerpoint/2015/09/main" Requires="p159">
+  <mc:AlternateContent xmlns:mc="http://schemas.openxmlformats.org/markup-compatibility/2006" xmlns:p159="http://schemas.microsoft.com/office/powerpoint/2015/09/main">
+    <mc:Choice Requires="p159">
       <p:transition>
         <p159:morph option="byWord"/>
       </p:transition>
     </mc:Choice>
-    <mc:Fallback>
+    <mc:Fallback xmlns="">
       <p:transition>
         <p:fade/>
       </p:transition>
@@ -8931,6 +10610,92 @@
           </a:prstGeom>
         </p:spPr>
       </p:pic>
+      <p:sp>
+        <p:nvSpPr>
+          <p:cNvPr id="2" name="Fußzeilenplatzhalter 1">
+            <a:extLst>
+              <a:ext uri="{FF2B5EF4-FFF2-40B4-BE49-F238E27FC236}">
+                <a16:creationId xmlns:a16="http://schemas.microsoft.com/office/drawing/2014/main" id="{0D69A3F1-64EA-7472-7369-EACAD61F6B67}"/>
+              </a:ext>
+            </a:extLst>
+          </p:cNvPr>
+          <p:cNvSpPr>
+            <a:spLocks noGrp="1"/>
+          </p:cNvSpPr>
+          <p:nvPr>
+            <p:ph type="ftr" sz="quarter" idx="11"/>
+          </p:nvPr>
+        </p:nvSpPr>
+        <p:spPr/>
+        <p:txBody>
+          <a:bodyPr/>
+          <a:lstStyle/>
+          <a:p>
+            <a:r>
+              <a:rPr lang="de-DE"/>
+              <a:t>University of Stuttgart</a:t>
+            </a:r>
+            <a:endParaRPr lang="de-DE" dirty="0"/>
+          </a:p>
+        </p:txBody>
+      </p:sp>
+      <p:sp>
+        <p:nvSpPr>
+          <p:cNvPr id="3" name="Datumsplatzhalter 2">
+            <a:extLst>
+              <a:ext uri="{FF2B5EF4-FFF2-40B4-BE49-F238E27FC236}">
+                <a16:creationId xmlns:a16="http://schemas.microsoft.com/office/drawing/2014/main" id="{D3424DA4-B0D0-E359-A058-8611AA1C8E9C}"/>
+              </a:ext>
+            </a:extLst>
+          </p:cNvPr>
+          <p:cNvSpPr>
+            <a:spLocks noGrp="1"/>
+          </p:cNvSpPr>
+          <p:nvPr>
+            <p:ph type="dt" sz="half" idx="10"/>
+          </p:nvPr>
+        </p:nvSpPr>
+        <p:spPr/>
+        <p:txBody>
+          <a:bodyPr/>
+          <a:lstStyle/>
+          <a:p>
+            <a:r>
+              <a:rPr lang="de-DE"/>
+              <a:t>Marc Sauter</a:t>
+            </a:r>
+            <a:endParaRPr lang="de-DE" dirty="0"/>
+          </a:p>
+        </p:txBody>
+      </p:sp>
+      <p:sp>
+        <p:nvSpPr>
+          <p:cNvPr id="4" name="Foliennummernplatzhalter 3">
+            <a:extLst>
+              <a:ext uri="{FF2B5EF4-FFF2-40B4-BE49-F238E27FC236}">
+                <a16:creationId xmlns:a16="http://schemas.microsoft.com/office/drawing/2014/main" id="{2D582ED8-BFBF-A68E-4004-F8C783E8E809}"/>
+              </a:ext>
+            </a:extLst>
+          </p:cNvPr>
+          <p:cNvSpPr>
+            <a:spLocks noGrp="1"/>
+          </p:cNvSpPr>
+          <p:nvPr>
+            <p:ph type="sldNum" sz="quarter" idx="12"/>
+          </p:nvPr>
+        </p:nvSpPr>
+        <p:spPr/>
+        <p:txBody>
+          <a:bodyPr/>
+          <a:lstStyle/>
+          <a:p>
+            <a:r>
+              <a:rPr lang="de-DE" dirty="0"/>
+              <a:t>6</a:t>
+            </a:r>
+          </a:p>
+        </p:txBody>
+      </p:sp>
     </p:spTree>
     <p:extLst>
       <p:ext uri="{BB962C8B-B14F-4D97-AF65-F5344CB8AC3E}">
@@ -8941,13 +10706,13 @@
   <p:clrMapOvr>
     <a:masterClrMapping/>
   </p:clrMapOvr>
-  <mc:AlternateContent xmlns:mc="http://schemas.openxmlformats.org/markup-compatibility/2006">
-    <mc:Choice xmlns:p159="http://schemas.microsoft.com/office/powerpoint/2015/09/main" Requires="p159">
+  <mc:AlternateContent xmlns:mc="http://schemas.openxmlformats.org/markup-compatibility/2006" xmlns:p159="http://schemas.microsoft.com/office/powerpoint/2015/09/main">
+    <mc:Choice Requires="p159">
       <p:transition>
         <p159:morph option="byWord"/>
       </p:transition>
     </mc:Choice>
-    <mc:Fallback>
+    <mc:Fallback xmlns="">
       <p:transition>
         <p:fade/>
       </p:transition>
@@ -9148,6 +10913,92 @@
           </a:effectLst>
         </p:spPr>
       </p:pic>
+      <p:sp>
+        <p:nvSpPr>
+          <p:cNvPr id="3" name="Fußzeilenplatzhalter 2">
+            <a:extLst>
+              <a:ext uri="{FF2B5EF4-FFF2-40B4-BE49-F238E27FC236}">
+                <a16:creationId xmlns:a16="http://schemas.microsoft.com/office/drawing/2014/main" id="{D3985DC0-0A40-8C62-9C5F-A92B13087150}"/>
+              </a:ext>
+            </a:extLst>
+          </p:cNvPr>
+          <p:cNvSpPr>
+            <a:spLocks noGrp="1"/>
+          </p:cNvSpPr>
+          <p:nvPr>
+            <p:ph type="ftr" sz="quarter" idx="11"/>
+          </p:nvPr>
+        </p:nvSpPr>
+        <p:spPr/>
+        <p:txBody>
+          <a:bodyPr/>
+          <a:lstStyle/>
+          <a:p>
+            <a:r>
+              <a:rPr lang="de-DE"/>
+              <a:t>University of Stuttgart</a:t>
+            </a:r>
+            <a:endParaRPr lang="de-DE" dirty="0"/>
+          </a:p>
+        </p:txBody>
+      </p:sp>
+      <p:sp>
+        <p:nvSpPr>
+          <p:cNvPr id="4" name="Datumsplatzhalter 3">
+            <a:extLst>
+              <a:ext uri="{FF2B5EF4-FFF2-40B4-BE49-F238E27FC236}">
+                <a16:creationId xmlns:a16="http://schemas.microsoft.com/office/drawing/2014/main" id="{482D9780-2C29-7527-0EC2-2266CA42EB0D}"/>
+              </a:ext>
+            </a:extLst>
+          </p:cNvPr>
+          <p:cNvSpPr>
+            <a:spLocks noGrp="1"/>
+          </p:cNvSpPr>
+          <p:nvPr>
+            <p:ph type="dt" sz="half" idx="10"/>
+          </p:nvPr>
+        </p:nvSpPr>
+        <p:spPr/>
+        <p:txBody>
+          <a:bodyPr/>
+          <a:lstStyle/>
+          <a:p>
+            <a:r>
+              <a:rPr lang="de-DE"/>
+              <a:t>Marc Sauter</a:t>
+            </a:r>
+            <a:endParaRPr lang="de-DE" dirty="0"/>
+          </a:p>
+        </p:txBody>
+      </p:sp>
+      <p:sp>
+        <p:nvSpPr>
+          <p:cNvPr id="5" name="Foliennummernplatzhalter 4">
+            <a:extLst>
+              <a:ext uri="{FF2B5EF4-FFF2-40B4-BE49-F238E27FC236}">
+                <a16:creationId xmlns:a16="http://schemas.microsoft.com/office/drawing/2014/main" id="{45F8BF89-719E-5BB7-47CD-74D6FEC7DB62}"/>
+              </a:ext>
+            </a:extLst>
+          </p:cNvPr>
+          <p:cNvSpPr>
+            <a:spLocks noGrp="1"/>
+          </p:cNvSpPr>
+          <p:nvPr>
+            <p:ph type="sldNum" sz="quarter" idx="12"/>
+          </p:nvPr>
+        </p:nvSpPr>
+        <p:spPr/>
+        <p:txBody>
+          <a:bodyPr/>
+          <a:lstStyle/>
+          <a:p>
+            <a:r>
+              <a:rPr lang="de-DE" dirty="0"/>
+              <a:t>6</a:t>
+            </a:r>
+          </a:p>
+        </p:txBody>
+      </p:sp>
     </p:spTree>
     <p:extLst>
       <p:ext uri="{BB962C8B-B14F-4D97-AF65-F5344CB8AC3E}">
@@ -9158,13 +11009,13 @@
   <p:clrMapOvr>
     <a:masterClrMapping/>
   </p:clrMapOvr>
-  <mc:AlternateContent xmlns:mc="http://schemas.openxmlformats.org/markup-compatibility/2006">
-    <mc:Choice xmlns:p14="http://schemas.microsoft.com/office/powerpoint/2010/main" Requires="p14">
+  <mc:AlternateContent xmlns:mc="http://schemas.openxmlformats.org/markup-compatibility/2006" xmlns:p14="http://schemas.microsoft.com/office/powerpoint/2010/main">
+    <mc:Choice Requires="p14">
       <p:transition p14:dur="250">
         <p:fade/>
       </p:transition>
     </mc:Choice>
-    <mc:Fallback>
+    <mc:Fallback xmlns="">
       <p:transition>
         <p:fade/>
       </p:transition>
@@ -9365,6 +11216,92 @@
           </a:effectLst>
         </p:spPr>
       </p:pic>
+      <p:sp>
+        <p:nvSpPr>
+          <p:cNvPr id="3" name="Fußzeilenplatzhalter 2">
+            <a:extLst>
+              <a:ext uri="{FF2B5EF4-FFF2-40B4-BE49-F238E27FC236}">
+                <a16:creationId xmlns:a16="http://schemas.microsoft.com/office/drawing/2014/main" id="{60D0C279-C5D2-1774-B542-5A0B028A7C23}"/>
+              </a:ext>
+            </a:extLst>
+          </p:cNvPr>
+          <p:cNvSpPr>
+            <a:spLocks noGrp="1"/>
+          </p:cNvSpPr>
+          <p:nvPr>
+            <p:ph type="ftr" sz="quarter" idx="11"/>
+          </p:nvPr>
+        </p:nvSpPr>
+        <p:spPr/>
+        <p:txBody>
+          <a:bodyPr/>
+          <a:lstStyle/>
+          <a:p>
+            <a:r>
+              <a:rPr lang="de-DE"/>
+              <a:t>University of Stuttgart</a:t>
+            </a:r>
+            <a:endParaRPr lang="de-DE" dirty="0"/>
+          </a:p>
+        </p:txBody>
+      </p:sp>
+      <p:sp>
+        <p:nvSpPr>
+          <p:cNvPr id="4" name="Datumsplatzhalter 3">
+            <a:extLst>
+              <a:ext uri="{FF2B5EF4-FFF2-40B4-BE49-F238E27FC236}">
+                <a16:creationId xmlns:a16="http://schemas.microsoft.com/office/drawing/2014/main" id="{252B0CCD-4816-E213-4B50-C170920138C1}"/>
+              </a:ext>
+            </a:extLst>
+          </p:cNvPr>
+          <p:cNvSpPr>
+            <a:spLocks noGrp="1"/>
+          </p:cNvSpPr>
+          <p:nvPr>
+            <p:ph type="dt" sz="half" idx="10"/>
+          </p:nvPr>
+        </p:nvSpPr>
+        <p:spPr/>
+        <p:txBody>
+          <a:bodyPr/>
+          <a:lstStyle/>
+          <a:p>
+            <a:r>
+              <a:rPr lang="de-DE"/>
+              <a:t>Marc Sauter</a:t>
+            </a:r>
+            <a:endParaRPr lang="de-DE" dirty="0"/>
+          </a:p>
+        </p:txBody>
+      </p:sp>
+      <p:sp>
+        <p:nvSpPr>
+          <p:cNvPr id="5" name="Foliennummernplatzhalter 4">
+            <a:extLst>
+              <a:ext uri="{FF2B5EF4-FFF2-40B4-BE49-F238E27FC236}">
+                <a16:creationId xmlns:a16="http://schemas.microsoft.com/office/drawing/2014/main" id="{B08A08A8-3E89-BAC1-8EAD-D5C217D48D27}"/>
+              </a:ext>
+            </a:extLst>
+          </p:cNvPr>
+          <p:cNvSpPr>
+            <a:spLocks noGrp="1"/>
+          </p:cNvSpPr>
+          <p:nvPr>
+            <p:ph type="sldNum" sz="quarter" idx="12"/>
+          </p:nvPr>
+        </p:nvSpPr>
+        <p:spPr/>
+        <p:txBody>
+          <a:bodyPr/>
+          <a:lstStyle/>
+          <a:p>
+            <a:r>
+              <a:rPr lang="de-DE" dirty="0"/>
+              <a:t>6</a:t>
+            </a:r>
+          </a:p>
+        </p:txBody>
+      </p:sp>
     </p:spTree>
     <p:extLst>
       <p:ext uri="{BB962C8B-B14F-4D97-AF65-F5344CB8AC3E}">
@@ -9375,13 +11312,13 @@
   <p:clrMapOvr>
     <a:masterClrMapping/>
   </p:clrMapOvr>
-  <mc:AlternateContent xmlns:mc="http://schemas.openxmlformats.org/markup-compatibility/2006">
-    <mc:Choice xmlns:p14="http://schemas.microsoft.com/office/powerpoint/2010/main" Requires="p14">
+  <mc:AlternateContent xmlns:mc="http://schemas.openxmlformats.org/markup-compatibility/2006" xmlns:p14="http://schemas.microsoft.com/office/powerpoint/2010/main">
+    <mc:Choice Requires="p14">
       <p:transition p14:dur="250">
         <p:fade/>
       </p:transition>
     </mc:Choice>
-    <mc:Fallback>
+    <mc:Fallback xmlns="">
       <p:transition>
         <p:fade/>
       </p:transition>
@@ -9582,6 +11519,92 @@
           </a:effectLst>
         </p:spPr>
       </p:pic>
+      <p:sp>
+        <p:nvSpPr>
+          <p:cNvPr id="3" name="Fußzeilenplatzhalter 2">
+            <a:extLst>
+              <a:ext uri="{FF2B5EF4-FFF2-40B4-BE49-F238E27FC236}">
+                <a16:creationId xmlns:a16="http://schemas.microsoft.com/office/drawing/2014/main" id="{07DF5E31-2696-592F-F40C-43C09040BCD2}"/>
+              </a:ext>
+            </a:extLst>
+          </p:cNvPr>
+          <p:cNvSpPr>
+            <a:spLocks noGrp="1"/>
+          </p:cNvSpPr>
+          <p:nvPr>
+            <p:ph type="ftr" sz="quarter" idx="11"/>
+          </p:nvPr>
+        </p:nvSpPr>
+        <p:spPr/>
+        <p:txBody>
+          <a:bodyPr/>
+          <a:lstStyle/>
+          <a:p>
+            <a:r>
+              <a:rPr lang="de-DE"/>
+              <a:t>University of Stuttgart</a:t>
+            </a:r>
+            <a:endParaRPr lang="de-DE" dirty="0"/>
+          </a:p>
+        </p:txBody>
+      </p:sp>
+      <p:sp>
+        <p:nvSpPr>
+          <p:cNvPr id="4" name="Datumsplatzhalter 3">
+            <a:extLst>
+              <a:ext uri="{FF2B5EF4-FFF2-40B4-BE49-F238E27FC236}">
+                <a16:creationId xmlns:a16="http://schemas.microsoft.com/office/drawing/2014/main" id="{078BBAAC-ED53-F253-EDF6-5A3B43505EB5}"/>
+              </a:ext>
+            </a:extLst>
+          </p:cNvPr>
+          <p:cNvSpPr>
+            <a:spLocks noGrp="1"/>
+          </p:cNvSpPr>
+          <p:nvPr>
+            <p:ph type="dt" sz="half" idx="10"/>
+          </p:nvPr>
+        </p:nvSpPr>
+        <p:spPr/>
+        <p:txBody>
+          <a:bodyPr/>
+          <a:lstStyle/>
+          <a:p>
+            <a:r>
+              <a:rPr lang="de-DE"/>
+              <a:t>Marc Sauter</a:t>
+            </a:r>
+            <a:endParaRPr lang="de-DE" dirty="0"/>
+          </a:p>
+        </p:txBody>
+      </p:sp>
+      <p:sp>
+        <p:nvSpPr>
+          <p:cNvPr id="5" name="Foliennummernplatzhalter 4">
+            <a:extLst>
+              <a:ext uri="{FF2B5EF4-FFF2-40B4-BE49-F238E27FC236}">
+                <a16:creationId xmlns:a16="http://schemas.microsoft.com/office/drawing/2014/main" id="{935524FD-5EAD-630C-EF3E-D4A40AECEDDC}"/>
+              </a:ext>
+            </a:extLst>
+          </p:cNvPr>
+          <p:cNvSpPr>
+            <a:spLocks noGrp="1"/>
+          </p:cNvSpPr>
+          <p:nvPr>
+            <p:ph type="sldNum" sz="quarter" idx="12"/>
+          </p:nvPr>
+        </p:nvSpPr>
+        <p:spPr/>
+        <p:txBody>
+          <a:bodyPr/>
+          <a:lstStyle/>
+          <a:p>
+            <a:r>
+              <a:rPr lang="de-DE" dirty="0"/>
+              <a:t>6</a:t>
+            </a:r>
+          </a:p>
+        </p:txBody>
+      </p:sp>
     </p:spTree>
     <p:extLst>
       <p:ext uri="{BB962C8B-B14F-4D97-AF65-F5344CB8AC3E}">
@@ -9592,13 +11615,13 @@
   <p:clrMapOvr>
     <a:masterClrMapping/>
   </p:clrMapOvr>
-  <mc:AlternateContent xmlns:mc="http://schemas.openxmlformats.org/markup-compatibility/2006">
-    <mc:Choice xmlns:p14="http://schemas.microsoft.com/office/powerpoint/2010/main" Requires="p14">
+  <mc:AlternateContent xmlns:mc="http://schemas.openxmlformats.org/markup-compatibility/2006" xmlns:p14="http://schemas.microsoft.com/office/powerpoint/2010/main">
+    <mc:Choice Requires="p14">
       <p:transition p14:dur="250">
         <p:fade/>
       </p:transition>
     </mc:Choice>
-    <mc:Fallback>
+    <mc:Fallback xmlns="">
       <p:transition>
         <p:fade/>
       </p:transition>
@@ -9762,6 +11785,92 @@
           </a:prstGeom>
         </p:spPr>
       </p:pic>
+      <p:sp>
+        <p:nvSpPr>
+          <p:cNvPr id="2" name="Fußzeilenplatzhalter 1">
+            <a:extLst>
+              <a:ext uri="{FF2B5EF4-FFF2-40B4-BE49-F238E27FC236}">
+                <a16:creationId xmlns:a16="http://schemas.microsoft.com/office/drawing/2014/main" id="{45776CEF-1B77-ECD7-4F8F-B8068D4C28D8}"/>
+              </a:ext>
+            </a:extLst>
+          </p:cNvPr>
+          <p:cNvSpPr>
+            <a:spLocks noGrp="1"/>
+          </p:cNvSpPr>
+          <p:nvPr>
+            <p:ph type="ftr" sz="quarter" idx="11"/>
+          </p:nvPr>
+        </p:nvSpPr>
+        <p:spPr/>
+        <p:txBody>
+          <a:bodyPr/>
+          <a:lstStyle/>
+          <a:p>
+            <a:r>
+              <a:rPr lang="de-DE"/>
+              <a:t>University of Stuttgart</a:t>
+            </a:r>
+            <a:endParaRPr lang="de-DE" dirty="0"/>
+          </a:p>
+        </p:txBody>
+      </p:sp>
+      <p:sp>
+        <p:nvSpPr>
+          <p:cNvPr id="3" name="Datumsplatzhalter 2">
+            <a:extLst>
+              <a:ext uri="{FF2B5EF4-FFF2-40B4-BE49-F238E27FC236}">
+                <a16:creationId xmlns:a16="http://schemas.microsoft.com/office/drawing/2014/main" id="{3B88F9D2-4214-0350-D08F-11889585BA25}"/>
+              </a:ext>
+            </a:extLst>
+          </p:cNvPr>
+          <p:cNvSpPr>
+            <a:spLocks noGrp="1"/>
+          </p:cNvSpPr>
+          <p:nvPr>
+            <p:ph type="dt" sz="half" idx="10"/>
+          </p:nvPr>
+        </p:nvSpPr>
+        <p:spPr/>
+        <p:txBody>
+          <a:bodyPr/>
+          <a:lstStyle/>
+          <a:p>
+            <a:r>
+              <a:rPr lang="de-DE"/>
+              <a:t>Marc Sauter</a:t>
+            </a:r>
+            <a:endParaRPr lang="de-DE" dirty="0"/>
+          </a:p>
+        </p:txBody>
+      </p:sp>
+      <p:sp>
+        <p:nvSpPr>
+          <p:cNvPr id="4" name="Foliennummernplatzhalter 3">
+            <a:extLst>
+              <a:ext uri="{FF2B5EF4-FFF2-40B4-BE49-F238E27FC236}">
+                <a16:creationId xmlns:a16="http://schemas.microsoft.com/office/drawing/2014/main" id="{69B60AC6-7FCA-3393-69D9-28F2496C6451}"/>
+              </a:ext>
+            </a:extLst>
+          </p:cNvPr>
+          <p:cNvSpPr>
+            <a:spLocks noGrp="1"/>
+          </p:cNvSpPr>
+          <p:nvPr>
+            <p:ph type="sldNum" sz="quarter" idx="12"/>
+          </p:nvPr>
+        </p:nvSpPr>
+        <p:spPr/>
+        <p:txBody>
+          <a:bodyPr/>
+          <a:lstStyle/>
+          <a:p>
+            <a:r>
+              <a:rPr lang="de-DE" dirty="0"/>
+              <a:t>6</a:t>
+            </a:r>
+          </a:p>
+        </p:txBody>
+      </p:sp>
     </p:spTree>
     <p:extLst>
       <p:ext uri="{BB962C8B-B14F-4D97-AF65-F5344CB8AC3E}">
@@ -9772,13 +11881,13 @@
   <p:clrMapOvr>
     <a:masterClrMapping/>
   </p:clrMapOvr>
-  <mc:AlternateContent xmlns:mc="http://schemas.openxmlformats.org/markup-compatibility/2006">
-    <mc:Choice xmlns:p14="http://schemas.microsoft.com/office/powerpoint/2010/main" Requires="p14">
+  <mc:AlternateContent xmlns:mc="http://schemas.openxmlformats.org/markup-compatibility/2006" xmlns:p14="http://schemas.microsoft.com/office/powerpoint/2010/main">
+    <mc:Choice Requires="p14">
       <p:transition p14:dur="250">
         <p:fade/>
       </p:transition>
     </mc:Choice>
-    <mc:Fallback>
+    <mc:Fallback xmlns="">
       <p:transition>
         <p:fade/>
       </p:transition>
@@ -9979,6 +12088,92 @@
           </a:effectLst>
         </p:spPr>
       </p:pic>
+      <p:sp>
+        <p:nvSpPr>
+          <p:cNvPr id="3" name="Fußzeilenplatzhalter 2">
+            <a:extLst>
+              <a:ext uri="{FF2B5EF4-FFF2-40B4-BE49-F238E27FC236}">
+                <a16:creationId xmlns:a16="http://schemas.microsoft.com/office/drawing/2014/main" id="{0DBBFF28-4DC5-145C-6CE2-F8199843FA36}"/>
+              </a:ext>
+            </a:extLst>
+          </p:cNvPr>
+          <p:cNvSpPr>
+            <a:spLocks noGrp="1"/>
+          </p:cNvSpPr>
+          <p:nvPr>
+            <p:ph type="ftr" sz="quarter" idx="11"/>
+          </p:nvPr>
+        </p:nvSpPr>
+        <p:spPr/>
+        <p:txBody>
+          <a:bodyPr/>
+          <a:lstStyle/>
+          <a:p>
+            <a:r>
+              <a:rPr lang="de-DE"/>
+              <a:t>University of Stuttgart</a:t>
+            </a:r>
+            <a:endParaRPr lang="de-DE" dirty="0"/>
+          </a:p>
+        </p:txBody>
+      </p:sp>
+      <p:sp>
+        <p:nvSpPr>
+          <p:cNvPr id="4" name="Datumsplatzhalter 3">
+            <a:extLst>
+              <a:ext uri="{FF2B5EF4-FFF2-40B4-BE49-F238E27FC236}">
+                <a16:creationId xmlns:a16="http://schemas.microsoft.com/office/drawing/2014/main" id="{7C42E062-74C0-FF6C-DEA9-8879F65C43F9}"/>
+              </a:ext>
+            </a:extLst>
+          </p:cNvPr>
+          <p:cNvSpPr>
+            <a:spLocks noGrp="1"/>
+          </p:cNvSpPr>
+          <p:nvPr>
+            <p:ph type="dt" sz="half" idx="10"/>
+          </p:nvPr>
+        </p:nvSpPr>
+        <p:spPr/>
+        <p:txBody>
+          <a:bodyPr/>
+          <a:lstStyle/>
+          <a:p>
+            <a:r>
+              <a:rPr lang="de-DE"/>
+              <a:t>Marc Sauter</a:t>
+            </a:r>
+            <a:endParaRPr lang="de-DE" dirty="0"/>
+          </a:p>
+        </p:txBody>
+      </p:sp>
+      <p:sp>
+        <p:nvSpPr>
+          <p:cNvPr id="5" name="Foliennummernplatzhalter 4">
+            <a:extLst>
+              <a:ext uri="{FF2B5EF4-FFF2-40B4-BE49-F238E27FC236}">
+                <a16:creationId xmlns:a16="http://schemas.microsoft.com/office/drawing/2014/main" id="{5D88703A-E143-D027-0D25-A8C62D84776E}"/>
+              </a:ext>
+            </a:extLst>
+          </p:cNvPr>
+          <p:cNvSpPr>
+            <a:spLocks noGrp="1"/>
+          </p:cNvSpPr>
+          <p:nvPr>
+            <p:ph type="sldNum" sz="quarter" idx="12"/>
+          </p:nvPr>
+        </p:nvSpPr>
+        <p:spPr/>
+        <p:txBody>
+          <a:bodyPr/>
+          <a:lstStyle/>
+          <a:p>
+            <a:r>
+              <a:rPr lang="de-DE" dirty="0"/>
+              <a:t>6</a:t>
+            </a:r>
+          </a:p>
+        </p:txBody>
+      </p:sp>
     </p:spTree>
     <p:extLst>
       <p:ext uri="{BB962C8B-B14F-4D97-AF65-F5344CB8AC3E}">
@@ -9989,13 +12184,13 @@
   <p:clrMapOvr>
     <a:masterClrMapping/>
   </p:clrMapOvr>
-  <mc:AlternateContent xmlns:mc="http://schemas.openxmlformats.org/markup-compatibility/2006">
-    <mc:Choice xmlns:p14="http://schemas.microsoft.com/office/powerpoint/2010/main" Requires="p14">
+  <mc:AlternateContent xmlns:mc="http://schemas.openxmlformats.org/markup-compatibility/2006" xmlns:p14="http://schemas.microsoft.com/office/powerpoint/2010/main">
+    <mc:Choice Requires="p14">
       <p:transition p14:dur="250">
         <p:fade/>
       </p:transition>
     </mc:Choice>
-    <mc:Fallback>
+    <mc:Fallback xmlns="">
       <p:transition>
         <p:fade/>
       </p:transition>
@@ -10204,6 +12399,92 @@
           </a:p>
         </p:txBody>
       </p:sp>
+      <p:sp>
+        <p:nvSpPr>
+          <p:cNvPr id="4" name="Fußzeilenplatzhalter 3">
+            <a:extLst>
+              <a:ext uri="{FF2B5EF4-FFF2-40B4-BE49-F238E27FC236}">
+                <a16:creationId xmlns:a16="http://schemas.microsoft.com/office/drawing/2014/main" id="{A174EAA8-C719-B6C2-1180-70C781AB28CB}"/>
+              </a:ext>
+            </a:extLst>
+          </p:cNvPr>
+          <p:cNvSpPr>
+            <a:spLocks noGrp="1"/>
+          </p:cNvSpPr>
+          <p:nvPr>
+            <p:ph type="ftr" sz="quarter" idx="11"/>
+          </p:nvPr>
+        </p:nvSpPr>
+        <p:spPr/>
+        <p:txBody>
+          <a:bodyPr/>
+          <a:lstStyle/>
+          <a:p>
+            <a:r>
+              <a:rPr lang="de-DE"/>
+              <a:t>University of Stuttgart</a:t>
+            </a:r>
+            <a:endParaRPr lang="de-DE" dirty="0"/>
+          </a:p>
+        </p:txBody>
+      </p:sp>
+      <p:sp>
+        <p:nvSpPr>
+          <p:cNvPr id="5" name="Datumsplatzhalter 4">
+            <a:extLst>
+              <a:ext uri="{FF2B5EF4-FFF2-40B4-BE49-F238E27FC236}">
+                <a16:creationId xmlns:a16="http://schemas.microsoft.com/office/drawing/2014/main" id="{C8D15937-B178-A0E2-2D7C-59B79D10759F}"/>
+              </a:ext>
+            </a:extLst>
+          </p:cNvPr>
+          <p:cNvSpPr>
+            <a:spLocks noGrp="1"/>
+          </p:cNvSpPr>
+          <p:nvPr>
+            <p:ph type="dt" sz="half" idx="10"/>
+          </p:nvPr>
+        </p:nvSpPr>
+        <p:spPr/>
+        <p:txBody>
+          <a:bodyPr/>
+          <a:lstStyle/>
+          <a:p>
+            <a:r>
+              <a:rPr lang="de-DE"/>
+              <a:t>Marc Sauter</a:t>
+            </a:r>
+            <a:endParaRPr lang="de-DE" dirty="0"/>
+          </a:p>
+        </p:txBody>
+      </p:sp>
+      <p:sp>
+        <p:nvSpPr>
+          <p:cNvPr id="6" name="Foliennummernplatzhalter 5">
+            <a:extLst>
+              <a:ext uri="{FF2B5EF4-FFF2-40B4-BE49-F238E27FC236}">
+                <a16:creationId xmlns:a16="http://schemas.microsoft.com/office/drawing/2014/main" id="{830ED906-ED95-E88F-CC3C-6272BC521624}"/>
+              </a:ext>
+            </a:extLst>
+          </p:cNvPr>
+          <p:cNvSpPr>
+            <a:spLocks noGrp="1"/>
+          </p:cNvSpPr>
+          <p:nvPr>
+            <p:ph type="sldNum" sz="quarter" idx="12"/>
+          </p:nvPr>
+        </p:nvSpPr>
+        <p:spPr/>
+        <p:txBody>
+          <a:bodyPr/>
+          <a:lstStyle/>
+          <a:p>
+            <a:r>
+              <a:rPr lang="de-DE" dirty="0"/>
+              <a:t>1</a:t>
+            </a:r>
+          </a:p>
+        </p:txBody>
+      </p:sp>
     </p:spTree>
     <p:extLst>
       <p:ext uri="{BB962C8B-B14F-4D97-AF65-F5344CB8AC3E}">
@@ -10214,13 +12495,13 @@
   <p:clrMapOvr>
     <a:masterClrMapping/>
   </p:clrMapOvr>
-  <mc:AlternateContent xmlns:mc="http://schemas.openxmlformats.org/markup-compatibility/2006">
-    <mc:Choice xmlns:p159="http://schemas.microsoft.com/office/powerpoint/2015/09/main" Requires="p159">
+  <mc:AlternateContent xmlns:mc="http://schemas.openxmlformats.org/markup-compatibility/2006" xmlns:p159="http://schemas.microsoft.com/office/powerpoint/2015/09/main">
+    <mc:Choice Requires="p159">
       <p:transition>
         <p159:morph option="byWord"/>
       </p:transition>
     </mc:Choice>
-    <mc:Fallback>
+    <mc:Fallback xmlns="">
       <p:transition>
         <p:fade/>
       </p:transition>
@@ -10495,6 +12776,92 @@
           </a:effectLst>
         </p:spPr>
       </p:pic>
+      <p:sp>
+        <p:nvSpPr>
+          <p:cNvPr id="5" name="Fußzeilenplatzhalter 4">
+            <a:extLst>
+              <a:ext uri="{FF2B5EF4-FFF2-40B4-BE49-F238E27FC236}">
+                <a16:creationId xmlns:a16="http://schemas.microsoft.com/office/drawing/2014/main" id="{86F34218-7B6D-7F51-6563-B346934EC8BE}"/>
+              </a:ext>
+            </a:extLst>
+          </p:cNvPr>
+          <p:cNvSpPr>
+            <a:spLocks noGrp="1"/>
+          </p:cNvSpPr>
+          <p:nvPr>
+            <p:ph type="ftr" sz="quarter" idx="11"/>
+          </p:nvPr>
+        </p:nvSpPr>
+        <p:spPr/>
+        <p:txBody>
+          <a:bodyPr/>
+          <a:lstStyle/>
+          <a:p>
+            <a:r>
+              <a:rPr lang="de-DE"/>
+              <a:t>University of Stuttgart</a:t>
+            </a:r>
+            <a:endParaRPr lang="de-DE" dirty="0"/>
+          </a:p>
+        </p:txBody>
+      </p:sp>
+      <p:sp>
+        <p:nvSpPr>
+          <p:cNvPr id="6" name="Datumsplatzhalter 5">
+            <a:extLst>
+              <a:ext uri="{FF2B5EF4-FFF2-40B4-BE49-F238E27FC236}">
+                <a16:creationId xmlns:a16="http://schemas.microsoft.com/office/drawing/2014/main" id="{35E5EB27-0715-458D-DE83-609A35B6F237}"/>
+              </a:ext>
+            </a:extLst>
+          </p:cNvPr>
+          <p:cNvSpPr>
+            <a:spLocks noGrp="1"/>
+          </p:cNvSpPr>
+          <p:nvPr>
+            <p:ph type="dt" sz="half" idx="10"/>
+          </p:nvPr>
+        </p:nvSpPr>
+        <p:spPr/>
+        <p:txBody>
+          <a:bodyPr/>
+          <a:lstStyle/>
+          <a:p>
+            <a:r>
+              <a:rPr lang="de-DE"/>
+              <a:t>Marc Sauter</a:t>
+            </a:r>
+            <a:endParaRPr lang="de-DE" dirty="0"/>
+          </a:p>
+        </p:txBody>
+      </p:sp>
+      <p:sp>
+        <p:nvSpPr>
+          <p:cNvPr id="7" name="Foliennummernplatzhalter 6">
+            <a:extLst>
+              <a:ext uri="{FF2B5EF4-FFF2-40B4-BE49-F238E27FC236}">
+                <a16:creationId xmlns:a16="http://schemas.microsoft.com/office/drawing/2014/main" id="{899823EF-AC7A-D719-A113-47B3ACA7AB74}"/>
+              </a:ext>
+            </a:extLst>
+          </p:cNvPr>
+          <p:cNvSpPr>
+            <a:spLocks noGrp="1"/>
+          </p:cNvSpPr>
+          <p:nvPr>
+            <p:ph type="sldNum" sz="quarter" idx="12"/>
+          </p:nvPr>
+        </p:nvSpPr>
+        <p:spPr/>
+        <p:txBody>
+          <a:bodyPr/>
+          <a:lstStyle/>
+          <a:p>
+            <a:r>
+              <a:rPr lang="de-DE" dirty="0"/>
+              <a:t>6</a:t>
+            </a:r>
+          </a:p>
+        </p:txBody>
+      </p:sp>
     </p:spTree>
     <p:extLst>
       <p:ext uri="{BB962C8B-B14F-4D97-AF65-F5344CB8AC3E}">
@@ -10505,13 +12872,13 @@
   <p:clrMapOvr>
     <a:masterClrMapping/>
   </p:clrMapOvr>
-  <mc:AlternateContent xmlns:mc="http://schemas.openxmlformats.org/markup-compatibility/2006">
-    <mc:Choice xmlns:p14="http://schemas.microsoft.com/office/powerpoint/2010/main" Requires="p14">
+  <mc:AlternateContent xmlns:mc="http://schemas.openxmlformats.org/markup-compatibility/2006" xmlns:p14="http://schemas.microsoft.com/office/powerpoint/2010/main">
+    <mc:Choice Requires="p14">
       <p:transition p14:dur="250">
         <p:fade/>
       </p:transition>
     </mc:Choice>
-    <mc:Fallback>
+    <mc:Fallback xmlns="">
       <p:transition>
         <p:fade/>
       </p:transition>
@@ -10675,6 +13042,92 @@
           </a:prstGeom>
         </p:spPr>
       </p:pic>
+      <p:sp>
+        <p:nvSpPr>
+          <p:cNvPr id="2" name="Fußzeilenplatzhalter 1">
+            <a:extLst>
+              <a:ext uri="{FF2B5EF4-FFF2-40B4-BE49-F238E27FC236}">
+                <a16:creationId xmlns:a16="http://schemas.microsoft.com/office/drawing/2014/main" id="{37C74BBC-FD49-410C-91F5-B0BF951EB7EF}"/>
+              </a:ext>
+            </a:extLst>
+          </p:cNvPr>
+          <p:cNvSpPr>
+            <a:spLocks noGrp="1"/>
+          </p:cNvSpPr>
+          <p:nvPr>
+            <p:ph type="ftr" sz="quarter" idx="11"/>
+          </p:nvPr>
+        </p:nvSpPr>
+        <p:spPr/>
+        <p:txBody>
+          <a:bodyPr/>
+          <a:lstStyle/>
+          <a:p>
+            <a:r>
+              <a:rPr lang="de-DE"/>
+              <a:t>University of Stuttgart</a:t>
+            </a:r>
+            <a:endParaRPr lang="de-DE" dirty="0"/>
+          </a:p>
+        </p:txBody>
+      </p:sp>
+      <p:sp>
+        <p:nvSpPr>
+          <p:cNvPr id="3" name="Datumsplatzhalter 2">
+            <a:extLst>
+              <a:ext uri="{FF2B5EF4-FFF2-40B4-BE49-F238E27FC236}">
+                <a16:creationId xmlns:a16="http://schemas.microsoft.com/office/drawing/2014/main" id="{C1DEF7DC-03E6-1637-6E3C-9B32D024AB14}"/>
+              </a:ext>
+            </a:extLst>
+          </p:cNvPr>
+          <p:cNvSpPr>
+            <a:spLocks noGrp="1"/>
+          </p:cNvSpPr>
+          <p:nvPr>
+            <p:ph type="dt" sz="half" idx="10"/>
+          </p:nvPr>
+        </p:nvSpPr>
+        <p:spPr/>
+        <p:txBody>
+          <a:bodyPr/>
+          <a:lstStyle/>
+          <a:p>
+            <a:r>
+              <a:rPr lang="de-DE"/>
+              <a:t>Marc Sauter</a:t>
+            </a:r>
+            <a:endParaRPr lang="de-DE" dirty="0"/>
+          </a:p>
+        </p:txBody>
+      </p:sp>
+      <p:sp>
+        <p:nvSpPr>
+          <p:cNvPr id="4" name="Foliennummernplatzhalter 3">
+            <a:extLst>
+              <a:ext uri="{FF2B5EF4-FFF2-40B4-BE49-F238E27FC236}">
+                <a16:creationId xmlns:a16="http://schemas.microsoft.com/office/drawing/2014/main" id="{7CD06BBE-2A7B-1119-2D15-85C5F70ECA8B}"/>
+              </a:ext>
+            </a:extLst>
+          </p:cNvPr>
+          <p:cNvSpPr>
+            <a:spLocks noGrp="1"/>
+          </p:cNvSpPr>
+          <p:nvPr>
+            <p:ph type="sldNum" sz="quarter" idx="12"/>
+          </p:nvPr>
+        </p:nvSpPr>
+        <p:spPr/>
+        <p:txBody>
+          <a:bodyPr/>
+          <a:lstStyle/>
+          <a:p>
+            <a:r>
+              <a:rPr lang="de-DE" dirty="0"/>
+              <a:t>6</a:t>
+            </a:r>
+          </a:p>
+        </p:txBody>
+      </p:sp>
     </p:spTree>
     <p:extLst>
       <p:ext uri="{BB962C8B-B14F-4D97-AF65-F5344CB8AC3E}">
@@ -10685,13 +13138,13 @@
   <p:clrMapOvr>
     <a:masterClrMapping/>
   </p:clrMapOvr>
-  <mc:AlternateContent xmlns:mc="http://schemas.openxmlformats.org/markup-compatibility/2006">
-    <mc:Choice xmlns:p14="http://schemas.microsoft.com/office/powerpoint/2010/main" Requires="p14">
+  <mc:AlternateContent xmlns:mc="http://schemas.openxmlformats.org/markup-compatibility/2006" xmlns:p14="http://schemas.microsoft.com/office/powerpoint/2010/main">
+    <mc:Choice Requires="p14">
       <p:transition p14:dur="250">
         <p:fade/>
       </p:transition>
     </mc:Choice>
-    <mc:Fallback>
+    <mc:Fallback xmlns="">
       <p:transition>
         <p:fade/>
       </p:transition>
@@ -10855,6 +13308,92 @@
           </a:prstGeom>
         </p:spPr>
       </p:pic>
+      <p:sp>
+        <p:nvSpPr>
+          <p:cNvPr id="2" name="Fußzeilenplatzhalter 1">
+            <a:extLst>
+              <a:ext uri="{FF2B5EF4-FFF2-40B4-BE49-F238E27FC236}">
+                <a16:creationId xmlns:a16="http://schemas.microsoft.com/office/drawing/2014/main" id="{175BBAE5-CF9A-F32A-0F4E-F549134DCF64}"/>
+              </a:ext>
+            </a:extLst>
+          </p:cNvPr>
+          <p:cNvSpPr>
+            <a:spLocks noGrp="1"/>
+          </p:cNvSpPr>
+          <p:nvPr>
+            <p:ph type="ftr" sz="quarter" idx="11"/>
+          </p:nvPr>
+        </p:nvSpPr>
+        <p:spPr/>
+        <p:txBody>
+          <a:bodyPr/>
+          <a:lstStyle/>
+          <a:p>
+            <a:r>
+              <a:rPr lang="de-DE"/>
+              <a:t>University of Stuttgart</a:t>
+            </a:r>
+            <a:endParaRPr lang="de-DE" dirty="0"/>
+          </a:p>
+        </p:txBody>
+      </p:sp>
+      <p:sp>
+        <p:nvSpPr>
+          <p:cNvPr id="3" name="Datumsplatzhalter 2">
+            <a:extLst>
+              <a:ext uri="{FF2B5EF4-FFF2-40B4-BE49-F238E27FC236}">
+                <a16:creationId xmlns:a16="http://schemas.microsoft.com/office/drawing/2014/main" id="{F381500F-12A3-82E3-006D-40C79249C0C4}"/>
+              </a:ext>
+            </a:extLst>
+          </p:cNvPr>
+          <p:cNvSpPr>
+            <a:spLocks noGrp="1"/>
+          </p:cNvSpPr>
+          <p:nvPr>
+            <p:ph type="dt" sz="half" idx="10"/>
+          </p:nvPr>
+        </p:nvSpPr>
+        <p:spPr/>
+        <p:txBody>
+          <a:bodyPr/>
+          <a:lstStyle/>
+          <a:p>
+            <a:r>
+              <a:rPr lang="de-DE"/>
+              <a:t>Marc Sauter</a:t>
+            </a:r>
+            <a:endParaRPr lang="de-DE" dirty="0"/>
+          </a:p>
+        </p:txBody>
+      </p:sp>
+      <p:sp>
+        <p:nvSpPr>
+          <p:cNvPr id="4" name="Foliennummernplatzhalter 3">
+            <a:extLst>
+              <a:ext uri="{FF2B5EF4-FFF2-40B4-BE49-F238E27FC236}">
+                <a16:creationId xmlns:a16="http://schemas.microsoft.com/office/drawing/2014/main" id="{F4EC1687-363F-EE11-DBF4-8FA19823B523}"/>
+              </a:ext>
+            </a:extLst>
+          </p:cNvPr>
+          <p:cNvSpPr>
+            <a:spLocks noGrp="1"/>
+          </p:cNvSpPr>
+          <p:nvPr>
+            <p:ph type="sldNum" sz="quarter" idx="12"/>
+          </p:nvPr>
+        </p:nvSpPr>
+        <p:spPr/>
+        <p:txBody>
+          <a:bodyPr/>
+          <a:lstStyle/>
+          <a:p>
+            <a:r>
+              <a:rPr lang="de-DE" dirty="0"/>
+              <a:t>6</a:t>
+            </a:r>
+          </a:p>
+        </p:txBody>
+      </p:sp>
     </p:spTree>
     <p:extLst>
       <p:ext uri="{BB962C8B-B14F-4D97-AF65-F5344CB8AC3E}">
@@ -10865,13 +13404,13 @@
   <p:clrMapOvr>
     <a:masterClrMapping/>
   </p:clrMapOvr>
-  <mc:AlternateContent xmlns:mc="http://schemas.openxmlformats.org/markup-compatibility/2006">
-    <mc:Choice xmlns:p14="http://schemas.microsoft.com/office/powerpoint/2010/main" Requires="p14">
+  <mc:AlternateContent xmlns:mc="http://schemas.openxmlformats.org/markup-compatibility/2006" xmlns:p14="http://schemas.microsoft.com/office/powerpoint/2010/main">
+    <mc:Choice Requires="p14">
       <p:transition p14:dur="250">
         <p:fade/>
       </p:transition>
     </mc:Choice>
-    <mc:Fallback>
+    <mc:Fallback xmlns="">
       <p:transition>
         <p:fade/>
       </p:transition>
@@ -11035,6 +13574,92 @@
           </a:prstGeom>
         </p:spPr>
       </p:pic>
+      <p:sp>
+        <p:nvSpPr>
+          <p:cNvPr id="2" name="Fußzeilenplatzhalter 1">
+            <a:extLst>
+              <a:ext uri="{FF2B5EF4-FFF2-40B4-BE49-F238E27FC236}">
+                <a16:creationId xmlns:a16="http://schemas.microsoft.com/office/drawing/2014/main" id="{21977AFE-7876-5294-20CA-14EEFD691D66}"/>
+              </a:ext>
+            </a:extLst>
+          </p:cNvPr>
+          <p:cNvSpPr>
+            <a:spLocks noGrp="1"/>
+          </p:cNvSpPr>
+          <p:nvPr>
+            <p:ph type="ftr" sz="quarter" idx="11"/>
+          </p:nvPr>
+        </p:nvSpPr>
+        <p:spPr/>
+        <p:txBody>
+          <a:bodyPr/>
+          <a:lstStyle/>
+          <a:p>
+            <a:r>
+              <a:rPr lang="de-DE"/>
+              <a:t>University of Stuttgart</a:t>
+            </a:r>
+            <a:endParaRPr lang="de-DE" dirty="0"/>
+          </a:p>
+        </p:txBody>
+      </p:sp>
+      <p:sp>
+        <p:nvSpPr>
+          <p:cNvPr id="3" name="Datumsplatzhalter 2">
+            <a:extLst>
+              <a:ext uri="{FF2B5EF4-FFF2-40B4-BE49-F238E27FC236}">
+                <a16:creationId xmlns:a16="http://schemas.microsoft.com/office/drawing/2014/main" id="{A19091A9-3F14-2637-1DC3-1723CEC9C680}"/>
+              </a:ext>
+            </a:extLst>
+          </p:cNvPr>
+          <p:cNvSpPr>
+            <a:spLocks noGrp="1"/>
+          </p:cNvSpPr>
+          <p:nvPr>
+            <p:ph type="dt" sz="half" idx="10"/>
+          </p:nvPr>
+        </p:nvSpPr>
+        <p:spPr/>
+        <p:txBody>
+          <a:bodyPr/>
+          <a:lstStyle/>
+          <a:p>
+            <a:r>
+              <a:rPr lang="de-DE"/>
+              <a:t>Marc Sauter</a:t>
+            </a:r>
+            <a:endParaRPr lang="de-DE" dirty="0"/>
+          </a:p>
+        </p:txBody>
+      </p:sp>
+      <p:sp>
+        <p:nvSpPr>
+          <p:cNvPr id="4" name="Foliennummernplatzhalter 3">
+            <a:extLst>
+              <a:ext uri="{FF2B5EF4-FFF2-40B4-BE49-F238E27FC236}">
+                <a16:creationId xmlns:a16="http://schemas.microsoft.com/office/drawing/2014/main" id="{41AD7513-AE33-D38F-462E-302BB5A77415}"/>
+              </a:ext>
+            </a:extLst>
+          </p:cNvPr>
+          <p:cNvSpPr>
+            <a:spLocks noGrp="1"/>
+          </p:cNvSpPr>
+          <p:nvPr>
+            <p:ph type="sldNum" sz="quarter" idx="12"/>
+          </p:nvPr>
+        </p:nvSpPr>
+        <p:spPr/>
+        <p:txBody>
+          <a:bodyPr/>
+          <a:lstStyle/>
+          <a:p>
+            <a:r>
+              <a:rPr lang="de-DE" dirty="0"/>
+              <a:t>6</a:t>
+            </a:r>
+          </a:p>
+        </p:txBody>
+      </p:sp>
     </p:spTree>
     <p:extLst>
       <p:ext uri="{BB962C8B-B14F-4D97-AF65-F5344CB8AC3E}">
@@ -11045,13 +13670,13 @@
   <p:clrMapOvr>
     <a:masterClrMapping/>
   </p:clrMapOvr>
-  <mc:AlternateContent xmlns:mc="http://schemas.openxmlformats.org/markup-compatibility/2006">
-    <mc:Choice xmlns:p14="http://schemas.microsoft.com/office/powerpoint/2010/main" Requires="p14">
+  <mc:AlternateContent xmlns:mc="http://schemas.openxmlformats.org/markup-compatibility/2006" xmlns:p14="http://schemas.microsoft.com/office/powerpoint/2010/main">
+    <mc:Choice Requires="p14">
       <p:transition p14:dur="250">
         <p:fade/>
       </p:transition>
     </mc:Choice>
-    <mc:Fallback>
+    <mc:Fallback xmlns="">
       <p:transition>
         <p:fade/>
       </p:transition>
@@ -11215,6 +13840,92 @@
           </a:prstGeom>
         </p:spPr>
       </p:pic>
+      <p:sp>
+        <p:nvSpPr>
+          <p:cNvPr id="2" name="Fußzeilenplatzhalter 1">
+            <a:extLst>
+              <a:ext uri="{FF2B5EF4-FFF2-40B4-BE49-F238E27FC236}">
+                <a16:creationId xmlns:a16="http://schemas.microsoft.com/office/drawing/2014/main" id="{62D98138-A806-A7C5-57CC-15046B54C266}"/>
+              </a:ext>
+            </a:extLst>
+          </p:cNvPr>
+          <p:cNvSpPr>
+            <a:spLocks noGrp="1"/>
+          </p:cNvSpPr>
+          <p:nvPr>
+            <p:ph type="ftr" sz="quarter" idx="11"/>
+          </p:nvPr>
+        </p:nvSpPr>
+        <p:spPr/>
+        <p:txBody>
+          <a:bodyPr/>
+          <a:lstStyle/>
+          <a:p>
+            <a:r>
+              <a:rPr lang="de-DE"/>
+              <a:t>University of Stuttgart</a:t>
+            </a:r>
+            <a:endParaRPr lang="de-DE" dirty="0"/>
+          </a:p>
+        </p:txBody>
+      </p:sp>
+      <p:sp>
+        <p:nvSpPr>
+          <p:cNvPr id="3" name="Datumsplatzhalter 2">
+            <a:extLst>
+              <a:ext uri="{FF2B5EF4-FFF2-40B4-BE49-F238E27FC236}">
+                <a16:creationId xmlns:a16="http://schemas.microsoft.com/office/drawing/2014/main" id="{F5B5861B-AD7B-6E9A-497B-441894CD3496}"/>
+              </a:ext>
+            </a:extLst>
+          </p:cNvPr>
+          <p:cNvSpPr>
+            <a:spLocks noGrp="1"/>
+          </p:cNvSpPr>
+          <p:nvPr>
+            <p:ph type="dt" sz="half" idx="10"/>
+          </p:nvPr>
+        </p:nvSpPr>
+        <p:spPr/>
+        <p:txBody>
+          <a:bodyPr/>
+          <a:lstStyle/>
+          <a:p>
+            <a:r>
+              <a:rPr lang="de-DE"/>
+              <a:t>Marc Sauter</a:t>
+            </a:r>
+            <a:endParaRPr lang="de-DE" dirty="0"/>
+          </a:p>
+        </p:txBody>
+      </p:sp>
+      <p:sp>
+        <p:nvSpPr>
+          <p:cNvPr id="4" name="Foliennummernplatzhalter 3">
+            <a:extLst>
+              <a:ext uri="{FF2B5EF4-FFF2-40B4-BE49-F238E27FC236}">
+                <a16:creationId xmlns:a16="http://schemas.microsoft.com/office/drawing/2014/main" id="{1A52BB98-9EDB-B6D5-DCDA-FA411288E96A}"/>
+              </a:ext>
+            </a:extLst>
+          </p:cNvPr>
+          <p:cNvSpPr>
+            <a:spLocks noGrp="1"/>
+          </p:cNvSpPr>
+          <p:nvPr>
+            <p:ph type="sldNum" sz="quarter" idx="12"/>
+          </p:nvPr>
+        </p:nvSpPr>
+        <p:spPr/>
+        <p:txBody>
+          <a:bodyPr/>
+          <a:lstStyle/>
+          <a:p>
+            <a:r>
+              <a:rPr lang="de-DE" dirty="0"/>
+              <a:t>6</a:t>
+            </a:r>
+          </a:p>
+        </p:txBody>
+      </p:sp>
     </p:spTree>
     <p:extLst>
       <p:ext uri="{BB962C8B-B14F-4D97-AF65-F5344CB8AC3E}">
@@ -11225,13 +13936,13 @@
   <p:clrMapOvr>
     <a:masterClrMapping/>
   </p:clrMapOvr>
-  <mc:AlternateContent xmlns:mc="http://schemas.openxmlformats.org/markup-compatibility/2006">
-    <mc:Choice xmlns:p14="http://schemas.microsoft.com/office/powerpoint/2010/main" Requires="p14">
+  <mc:AlternateContent xmlns:mc="http://schemas.openxmlformats.org/markup-compatibility/2006" xmlns:p14="http://schemas.microsoft.com/office/powerpoint/2010/main">
+    <mc:Choice Requires="p14">
       <p:transition p14:dur="250">
         <p:fade/>
       </p:transition>
     </mc:Choice>
-    <mc:Fallback>
+    <mc:Fallback xmlns="">
       <p:transition>
         <p:fade/>
       </p:transition>
@@ -11469,6 +14180,92 @@
           </a:effectLst>
         </p:spPr>
       </p:pic>
+      <p:sp>
+        <p:nvSpPr>
+          <p:cNvPr id="4" name="Fußzeilenplatzhalter 3">
+            <a:extLst>
+              <a:ext uri="{FF2B5EF4-FFF2-40B4-BE49-F238E27FC236}">
+                <a16:creationId xmlns:a16="http://schemas.microsoft.com/office/drawing/2014/main" id="{ECF04A07-1198-4D80-8CB1-6CB6662637F7}"/>
+              </a:ext>
+            </a:extLst>
+          </p:cNvPr>
+          <p:cNvSpPr>
+            <a:spLocks noGrp="1"/>
+          </p:cNvSpPr>
+          <p:nvPr>
+            <p:ph type="ftr" sz="quarter" idx="11"/>
+          </p:nvPr>
+        </p:nvSpPr>
+        <p:spPr/>
+        <p:txBody>
+          <a:bodyPr/>
+          <a:lstStyle/>
+          <a:p>
+            <a:r>
+              <a:rPr lang="de-DE"/>
+              <a:t>University of Stuttgart</a:t>
+            </a:r>
+            <a:endParaRPr lang="de-DE" dirty="0"/>
+          </a:p>
+        </p:txBody>
+      </p:sp>
+      <p:sp>
+        <p:nvSpPr>
+          <p:cNvPr id="5" name="Datumsplatzhalter 4">
+            <a:extLst>
+              <a:ext uri="{FF2B5EF4-FFF2-40B4-BE49-F238E27FC236}">
+                <a16:creationId xmlns:a16="http://schemas.microsoft.com/office/drawing/2014/main" id="{2C202752-C777-5F46-CF32-5BC3B49CFBA0}"/>
+              </a:ext>
+            </a:extLst>
+          </p:cNvPr>
+          <p:cNvSpPr>
+            <a:spLocks noGrp="1"/>
+          </p:cNvSpPr>
+          <p:nvPr>
+            <p:ph type="dt" sz="half" idx="10"/>
+          </p:nvPr>
+        </p:nvSpPr>
+        <p:spPr/>
+        <p:txBody>
+          <a:bodyPr/>
+          <a:lstStyle/>
+          <a:p>
+            <a:r>
+              <a:rPr lang="de-DE"/>
+              <a:t>Marc Sauter</a:t>
+            </a:r>
+            <a:endParaRPr lang="de-DE" dirty="0"/>
+          </a:p>
+        </p:txBody>
+      </p:sp>
+      <p:sp>
+        <p:nvSpPr>
+          <p:cNvPr id="6" name="Foliennummernplatzhalter 5">
+            <a:extLst>
+              <a:ext uri="{FF2B5EF4-FFF2-40B4-BE49-F238E27FC236}">
+                <a16:creationId xmlns:a16="http://schemas.microsoft.com/office/drawing/2014/main" id="{62D248AC-D073-CD1F-9A92-C24A4A023B11}"/>
+              </a:ext>
+            </a:extLst>
+          </p:cNvPr>
+          <p:cNvSpPr>
+            <a:spLocks noGrp="1"/>
+          </p:cNvSpPr>
+          <p:nvPr>
+            <p:ph type="sldNum" sz="quarter" idx="12"/>
+          </p:nvPr>
+        </p:nvSpPr>
+        <p:spPr/>
+        <p:txBody>
+          <a:bodyPr/>
+          <a:lstStyle/>
+          <a:p>
+            <a:r>
+              <a:rPr lang="de-DE" dirty="0"/>
+              <a:t>6</a:t>
+            </a:r>
+          </a:p>
+        </p:txBody>
+      </p:sp>
     </p:spTree>
     <p:extLst>
       <p:ext uri="{BB962C8B-B14F-4D97-AF65-F5344CB8AC3E}">
@@ -11479,13 +14276,13 @@
   <p:clrMapOvr>
     <a:masterClrMapping/>
   </p:clrMapOvr>
-  <mc:AlternateContent xmlns:mc="http://schemas.openxmlformats.org/markup-compatibility/2006">
-    <mc:Choice xmlns:p14="http://schemas.microsoft.com/office/powerpoint/2010/main" Requires="p14">
+  <mc:AlternateContent xmlns:mc="http://schemas.openxmlformats.org/markup-compatibility/2006" xmlns:p14="http://schemas.microsoft.com/office/powerpoint/2010/main">
+    <mc:Choice Requires="p14">
       <p:transition p14:dur="250">
         <p:fade/>
       </p:transition>
     </mc:Choice>
-    <mc:Fallback>
+    <mc:Fallback xmlns="">
       <p:transition>
         <p:fade/>
       </p:transition>
@@ -11649,6 +14446,92 @@
           </a:prstGeom>
         </p:spPr>
       </p:pic>
+      <p:sp>
+        <p:nvSpPr>
+          <p:cNvPr id="2" name="Fußzeilenplatzhalter 1">
+            <a:extLst>
+              <a:ext uri="{FF2B5EF4-FFF2-40B4-BE49-F238E27FC236}">
+                <a16:creationId xmlns:a16="http://schemas.microsoft.com/office/drawing/2014/main" id="{894F3EF8-E289-5F1C-E4FE-2AA756AFE23F}"/>
+              </a:ext>
+            </a:extLst>
+          </p:cNvPr>
+          <p:cNvSpPr>
+            <a:spLocks noGrp="1"/>
+          </p:cNvSpPr>
+          <p:nvPr>
+            <p:ph type="ftr" sz="quarter" idx="11"/>
+          </p:nvPr>
+        </p:nvSpPr>
+        <p:spPr/>
+        <p:txBody>
+          <a:bodyPr/>
+          <a:lstStyle/>
+          <a:p>
+            <a:r>
+              <a:rPr lang="de-DE"/>
+              <a:t>University of Stuttgart</a:t>
+            </a:r>
+            <a:endParaRPr lang="de-DE" dirty="0"/>
+          </a:p>
+        </p:txBody>
+      </p:sp>
+      <p:sp>
+        <p:nvSpPr>
+          <p:cNvPr id="3" name="Datumsplatzhalter 2">
+            <a:extLst>
+              <a:ext uri="{FF2B5EF4-FFF2-40B4-BE49-F238E27FC236}">
+                <a16:creationId xmlns:a16="http://schemas.microsoft.com/office/drawing/2014/main" id="{1DCD4754-41C2-A815-1472-A7F911D5B578}"/>
+              </a:ext>
+            </a:extLst>
+          </p:cNvPr>
+          <p:cNvSpPr>
+            <a:spLocks noGrp="1"/>
+          </p:cNvSpPr>
+          <p:nvPr>
+            <p:ph type="dt" sz="half" idx="10"/>
+          </p:nvPr>
+        </p:nvSpPr>
+        <p:spPr/>
+        <p:txBody>
+          <a:bodyPr/>
+          <a:lstStyle/>
+          <a:p>
+            <a:r>
+              <a:rPr lang="de-DE"/>
+              <a:t>Marc Sauter</a:t>
+            </a:r>
+            <a:endParaRPr lang="de-DE" dirty="0"/>
+          </a:p>
+        </p:txBody>
+      </p:sp>
+      <p:sp>
+        <p:nvSpPr>
+          <p:cNvPr id="4" name="Foliennummernplatzhalter 3">
+            <a:extLst>
+              <a:ext uri="{FF2B5EF4-FFF2-40B4-BE49-F238E27FC236}">
+                <a16:creationId xmlns:a16="http://schemas.microsoft.com/office/drawing/2014/main" id="{6A198802-A420-2C59-390C-73937348EE76}"/>
+              </a:ext>
+            </a:extLst>
+          </p:cNvPr>
+          <p:cNvSpPr>
+            <a:spLocks noGrp="1"/>
+          </p:cNvSpPr>
+          <p:nvPr>
+            <p:ph type="sldNum" sz="quarter" idx="12"/>
+          </p:nvPr>
+        </p:nvSpPr>
+        <p:spPr/>
+        <p:txBody>
+          <a:bodyPr/>
+          <a:lstStyle/>
+          <a:p>
+            <a:r>
+              <a:rPr lang="de-DE" dirty="0"/>
+              <a:t>6</a:t>
+            </a:r>
+          </a:p>
+        </p:txBody>
+      </p:sp>
     </p:spTree>
     <p:extLst>
       <p:ext uri="{BB962C8B-B14F-4D97-AF65-F5344CB8AC3E}">
@@ -11659,13 +14542,13 @@
   <p:clrMapOvr>
     <a:masterClrMapping/>
   </p:clrMapOvr>
-  <mc:AlternateContent xmlns:mc="http://schemas.openxmlformats.org/markup-compatibility/2006">
-    <mc:Choice xmlns:p14="http://schemas.microsoft.com/office/powerpoint/2010/main" Requires="p14">
+  <mc:AlternateContent xmlns:mc="http://schemas.openxmlformats.org/markup-compatibility/2006" xmlns:p14="http://schemas.microsoft.com/office/powerpoint/2010/main">
+    <mc:Choice Requires="p14">
       <p:transition p14:dur="250">
         <p:fade/>
       </p:transition>
     </mc:Choice>
-    <mc:Fallback>
+    <mc:Fallback xmlns="">
       <p:transition>
         <p:fade/>
       </p:transition>
@@ -11866,6 +14749,92 @@
           </a:effectLst>
         </p:spPr>
       </p:pic>
+      <p:sp>
+        <p:nvSpPr>
+          <p:cNvPr id="3" name="Fußzeilenplatzhalter 2">
+            <a:extLst>
+              <a:ext uri="{FF2B5EF4-FFF2-40B4-BE49-F238E27FC236}">
+                <a16:creationId xmlns:a16="http://schemas.microsoft.com/office/drawing/2014/main" id="{69F30F4E-EAFC-3392-9427-B3EDCDE46EE0}"/>
+              </a:ext>
+            </a:extLst>
+          </p:cNvPr>
+          <p:cNvSpPr>
+            <a:spLocks noGrp="1"/>
+          </p:cNvSpPr>
+          <p:nvPr>
+            <p:ph type="ftr" sz="quarter" idx="11"/>
+          </p:nvPr>
+        </p:nvSpPr>
+        <p:spPr/>
+        <p:txBody>
+          <a:bodyPr/>
+          <a:lstStyle/>
+          <a:p>
+            <a:r>
+              <a:rPr lang="de-DE"/>
+              <a:t>University of Stuttgart</a:t>
+            </a:r>
+            <a:endParaRPr lang="de-DE" dirty="0"/>
+          </a:p>
+        </p:txBody>
+      </p:sp>
+      <p:sp>
+        <p:nvSpPr>
+          <p:cNvPr id="4" name="Datumsplatzhalter 3">
+            <a:extLst>
+              <a:ext uri="{FF2B5EF4-FFF2-40B4-BE49-F238E27FC236}">
+                <a16:creationId xmlns:a16="http://schemas.microsoft.com/office/drawing/2014/main" id="{31048F3A-7B17-8F55-78A6-60234E28B92B}"/>
+              </a:ext>
+            </a:extLst>
+          </p:cNvPr>
+          <p:cNvSpPr>
+            <a:spLocks noGrp="1"/>
+          </p:cNvSpPr>
+          <p:nvPr>
+            <p:ph type="dt" sz="half" idx="10"/>
+          </p:nvPr>
+        </p:nvSpPr>
+        <p:spPr/>
+        <p:txBody>
+          <a:bodyPr/>
+          <a:lstStyle/>
+          <a:p>
+            <a:r>
+              <a:rPr lang="de-DE"/>
+              <a:t>Marc Sauter</a:t>
+            </a:r>
+            <a:endParaRPr lang="de-DE" dirty="0"/>
+          </a:p>
+        </p:txBody>
+      </p:sp>
+      <p:sp>
+        <p:nvSpPr>
+          <p:cNvPr id="5" name="Foliennummernplatzhalter 4">
+            <a:extLst>
+              <a:ext uri="{FF2B5EF4-FFF2-40B4-BE49-F238E27FC236}">
+                <a16:creationId xmlns:a16="http://schemas.microsoft.com/office/drawing/2014/main" id="{3CE3832F-63DB-3F6F-70DB-B147EFF67AFD}"/>
+              </a:ext>
+            </a:extLst>
+          </p:cNvPr>
+          <p:cNvSpPr>
+            <a:spLocks noGrp="1"/>
+          </p:cNvSpPr>
+          <p:nvPr>
+            <p:ph type="sldNum" sz="quarter" idx="12"/>
+          </p:nvPr>
+        </p:nvSpPr>
+        <p:spPr/>
+        <p:txBody>
+          <a:bodyPr/>
+          <a:lstStyle/>
+          <a:p>
+            <a:r>
+              <a:rPr lang="de-DE" dirty="0"/>
+              <a:t>6</a:t>
+            </a:r>
+          </a:p>
+        </p:txBody>
+      </p:sp>
     </p:spTree>
     <p:extLst>
       <p:ext uri="{BB962C8B-B14F-4D97-AF65-F5344CB8AC3E}">
@@ -11876,13 +14845,13 @@
   <p:clrMapOvr>
     <a:masterClrMapping/>
   </p:clrMapOvr>
-  <mc:AlternateContent xmlns:mc="http://schemas.openxmlformats.org/markup-compatibility/2006">
-    <mc:Choice xmlns:p14="http://schemas.microsoft.com/office/powerpoint/2010/main" Requires="p14">
+  <mc:AlternateContent xmlns:mc="http://schemas.openxmlformats.org/markup-compatibility/2006" xmlns:p14="http://schemas.microsoft.com/office/powerpoint/2010/main">
+    <mc:Choice Requires="p14">
       <p:transition p14:dur="250">
         <p:fade/>
       </p:transition>
     </mc:Choice>
-    <mc:Fallback>
+    <mc:Fallback xmlns="">
       <p:transition>
         <p:fade/>
       </p:transition>
@@ -12046,6 +15015,92 @@
           </a:prstGeom>
         </p:spPr>
       </p:pic>
+      <p:sp>
+        <p:nvSpPr>
+          <p:cNvPr id="2" name="Fußzeilenplatzhalter 1">
+            <a:extLst>
+              <a:ext uri="{FF2B5EF4-FFF2-40B4-BE49-F238E27FC236}">
+                <a16:creationId xmlns:a16="http://schemas.microsoft.com/office/drawing/2014/main" id="{3D84B2F2-0C6F-9EC3-5EC1-40ECCEEBEEF0}"/>
+              </a:ext>
+            </a:extLst>
+          </p:cNvPr>
+          <p:cNvSpPr>
+            <a:spLocks noGrp="1"/>
+          </p:cNvSpPr>
+          <p:nvPr>
+            <p:ph type="ftr" sz="quarter" idx="11"/>
+          </p:nvPr>
+        </p:nvSpPr>
+        <p:spPr/>
+        <p:txBody>
+          <a:bodyPr/>
+          <a:lstStyle/>
+          <a:p>
+            <a:r>
+              <a:rPr lang="de-DE"/>
+              <a:t>University of Stuttgart</a:t>
+            </a:r>
+            <a:endParaRPr lang="de-DE" dirty="0"/>
+          </a:p>
+        </p:txBody>
+      </p:sp>
+      <p:sp>
+        <p:nvSpPr>
+          <p:cNvPr id="3" name="Datumsplatzhalter 2">
+            <a:extLst>
+              <a:ext uri="{FF2B5EF4-FFF2-40B4-BE49-F238E27FC236}">
+                <a16:creationId xmlns:a16="http://schemas.microsoft.com/office/drawing/2014/main" id="{AE3647F7-9C52-CA16-4F29-740A030EFA6A}"/>
+              </a:ext>
+            </a:extLst>
+          </p:cNvPr>
+          <p:cNvSpPr>
+            <a:spLocks noGrp="1"/>
+          </p:cNvSpPr>
+          <p:nvPr>
+            <p:ph type="dt" sz="half" idx="10"/>
+          </p:nvPr>
+        </p:nvSpPr>
+        <p:spPr/>
+        <p:txBody>
+          <a:bodyPr/>
+          <a:lstStyle/>
+          <a:p>
+            <a:r>
+              <a:rPr lang="de-DE"/>
+              <a:t>Marc Sauter</a:t>
+            </a:r>
+            <a:endParaRPr lang="de-DE" dirty="0"/>
+          </a:p>
+        </p:txBody>
+      </p:sp>
+      <p:sp>
+        <p:nvSpPr>
+          <p:cNvPr id="4" name="Foliennummernplatzhalter 3">
+            <a:extLst>
+              <a:ext uri="{FF2B5EF4-FFF2-40B4-BE49-F238E27FC236}">
+                <a16:creationId xmlns:a16="http://schemas.microsoft.com/office/drawing/2014/main" id="{E0830D1B-E499-2DA5-5111-136C452DDC17}"/>
+              </a:ext>
+            </a:extLst>
+          </p:cNvPr>
+          <p:cNvSpPr>
+            <a:spLocks noGrp="1"/>
+          </p:cNvSpPr>
+          <p:nvPr>
+            <p:ph type="sldNum" sz="quarter" idx="12"/>
+          </p:nvPr>
+        </p:nvSpPr>
+        <p:spPr/>
+        <p:txBody>
+          <a:bodyPr/>
+          <a:lstStyle/>
+          <a:p>
+            <a:r>
+              <a:rPr lang="de-DE" dirty="0"/>
+              <a:t>6</a:t>
+            </a:r>
+          </a:p>
+        </p:txBody>
+      </p:sp>
     </p:spTree>
     <p:extLst>
       <p:ext uri="{BB962C8B-B14F-4D97-AF65-F5344CB8AC3E}">
@@ -12056,13 +15111,13 @@
   <p:clrMapOvr>
     <a:masterClrMapping/>
   </p:clrMapOvr>
-  <mc:AlternateContent xmlns:mc="http://schemas.openxmlformats.org/markup-compatibility/2006">
-    <mc:Choice xmlns:p14="http://schemas.microsoft.com/office/powerpoint/2010/main" Requires="p14">
+  <mc:AlternateContent xmlns:mc="http://schemas.openxmlformats.org/markup-compatibility/2006" xmlns:p14="http://schemas.microsoft.com/office/powerpoint/2010/main">
+    <mc:Choice Requires="p14">
       <p:transition p14:dur="250">
         <p:fade/>
       </p:transition>
     </mc:Choice>
-    <mc:Fallback>
+    <mc:Fallback xmlns="">
       <p:transition>
         <p:fade/>
       </p:transition>
@@ -12226,6 +15281,92 @@
           </a:prstGeom>
         </p:spPr>
       </p:pic>
+      <p:sp>
+        <p:nvSpPr>
+          <p:cNvPr id="2" name="Fußzeilenplatzhalter 1">
+            <a:extLst>
+              <a:ext uri="{FF2B5EF4-FFF2-40B4-BE49-F238E27FC236}">
+                <a16:creationId xmlns:a16="http://schemas.microsoft.com/office/drawing/2014/main" id="{A2A8BDD4-3D1C-AD92-BB4F-AB346FB5DD5A}"/>
+              </a:ext>
+            </a:extLst>
+          </p:cNvPr>
+          <p:cNvSpPr>
+            <a:spLocks noGrp="1"/>
+          </p:cNvSpPr>
+          <p:nvPr>
+            <p:ph type="ftr" sz="quarter" idx="11"/>
+          </p:nvPr>
+        </p:nvSpPr>
+        <p:spPr/>
+        <p:txBody>
+          <a:bodyPr/>
+          <a:lstStyle/>
+          <a:p>
+            <a:r>
+              <a:rPr lang="de-DE"/>
+              <a:t>University of Stuttgart</a:t>
+            </a:r>
+            <a:endParaRPr lang="de-DE" dirty="0"/>
+          </a:p>
+        </p:txBody>
+      </p:sp>
+      <p:sp>
+        <p:nvSpPr>
+          <p:cNvPr id="4" name="Datumsplatzhalter 3">
+            <a:extLst>
+              <a:ext uri="{FF2B5EF4-FFF2-40B4-BE49-F238E27FC236}">
+                <a16:creationId xmlns:a16="http://schemas.microsoft.com/office/drawing/2014/main" id="{523D8EC3-5CC3-7205-FADB-83E6E1322DCF}"/>
+              </a:ext>
+            </a:extLst>
+          </p:cNvPr>
+          <p:cNvSpPr>
+            <a:spLocks noGrp="1"/>
+          </p:cNvSpPr>
+          <p:nvPr>
+            <p:ph type="dt" sz="half" idx="10"/>
+          </p:nvPr>
+        </p:nvSpPr>
+        <p:spPr/>
+        <p:txBody>
+          <a:bodyPr/>
+          <a:lstStyle/>
+          <a:p>
+            <a:r>
+              <a:rPr lang="de-DE"/>
+              <a:t>Marc Sauter</a:t>
+            </a:r>
+            <a:endParaRPr lang="de-DE" dirty="0"/>
+          </a:p>
+        </p:txBody>
+      </p:sp>
+      <p:sp>
+        <p:nvSpPr>
+          <p:cNvPr id="5" name="Foliennummernplatzhalter 4">
+            <a:extLst>
+              <a:ext uri="{FF2B5EF4-FFF2-40B4-BE49-F238E27FC236}">
+                <a16:creationId xmlns:a16="http://schemas.microsoft.com/office/drawing/2014/main" id="{6662B3C8-171C-104D-F706-C9120546E720}"/>
+              </a:ext>
+            </a:extLst>
+          </p:cNvPr>
+          <p:cNvSpPr>
+            <a:spLocks noGrp="1"/>
+          </p:cNvSpPr>
+          <p:nvPr>
+            <p:ph type="sldNum" sz="quarter" idx="12"/>
+          </p:nvPr>
+        </p:nvSpPr>
+        <p:spPr/>
+        <p:txBody>
+          <a:bodyPr/>
+          <a:lstStyle/>
+          <a:p>
+            <a:r>
+              <a:rPr lang="de-DE" dirty="0"/>
+              <a:t>7</a:t>
+            </a:r>
+          </a:p>
+        </p:txBody>
+      </p:sp>
     </p:spTree>
     <p:extLst>
       <p:ext uri="{BB962C8B-B14F-4D97-AF65-F5344CB8AC3E}">
@@ -12236,13 +15377,13 @@
   <p:clrMapOvr>
     <a:masterClrMapping/>
   </p:clrMapOvr>
-  <mc:AlternateContent xmlns:mc="http://schemas.openxmlformats.org/markup-compatibility/2006">
-    <mc:Choice xmlns:p14="http://schemas.microsoft.com/office/powerpoint/2010/main" Requires="p14">
+  <mc:AlternateContent xmlns:mc="http://schemas.openxmlformats.org/markup-compatibility/2006" xmlns:p14="http://schemas.microsoft.com/office/powerpoint/2010/main">
+    <mc:Choice Requires="p14">
       <p:transition p14:dur="250">
         <p:fade/>
       </p:transition>
     </mc:Choice>
-    <mc:Fallback>
+    <mc:Fallback xmlns="">
       <p:transition>
         <p:fade/>
       </p:transition>
@@ -12481,6 +15622,92 @@
           </a:p>
         </p:txBody>
       </p:sp>
+      <p:sp>
+        <p:nvSpPr>
+          <p:cNvPr id="4" name="Fußzeilenplatzhalter 3">
+            <a:extLst>
+              <a:ext uri="{FF2B5EF4-FFF2-40B4-BE49-F238E27FC236}">
+                <a16:creationId xmlns:a16="http://schemas.microsoft.com/office/drawing/2014/main" id="{119CBD8A-9414-B684-2FD2-F72D3950E217}"/>
+              </a:ext>
+            </a:extLst>
+          </p:cNvPr>
+          <p:cNvSpPr>
+            <a:spLocks noGrp="1"/>
+          </p:cNvSpPr>
+          <p:nvPr>
+            <p:ph type="ftr" sz="quarter" idx="11"/>
+          </p:nvPr>
+        </p:nvSpPr>
+        <p:spPr/>
+        <p:txBody>
+          <a:bodyPr/>
+          <a:lstStyle/>
+          <a:p>
+            <a:r>
+              <a:rPr lang="de-DE"/>
+              <a:t>University of Stuttgart</a:t>
+            </a:r>
+            <a:endParaRPr lang="de-DE" dirty="0"/>
+          </a:p>
+        </p:txBody>
+      </p:sp>
+      <p:sp>
+        <p:nvSpPr>
+          <p:cNvPr id="6" name="Datumsplatzhalter 5">
+            <a:extLst>
+              <a:ext uri="{FF2B5EF4-FFF2-40B4-BE49-F238E27FC236}">
+                <a16:creationId xmlns:a16="http://schemas.microsoft.com/office/drawing/2014/main" id="{CAE579AC-B616-B273-DC75-74ACAF0C8A01}"/>
+              </a:ext>
+            </a:extLst>
+          </p:cNvPr>
+          <p:cNvSpPr>
+            <a:spLocks noGrp="1"/>
+          </p:cNvSpPr>
+          <p:nvPr>
+            <p:ph type="dt" sz="half" idx="10"/>
+          </p:nvPr>
+        </p:nvSpPr>
+        <p:spPr/>
+        <p:txBody>
+          <a:bodyPr/>
+          <a:lstStyle/>
+          <a:p>
+            <a:r>
+              <a:rPr lang="de-DE"/>
+              <a:t>Marc Sauter</a:t>
+            </a:r>
+            <a:endParaRPr lang="de-DE" dirty="0"/>
+          </a:p>
+        </p:txBody>
+      </p:sp>
+      <p:sp>
+        <p:nvSpPr>
+          <p:cNvPr id="7" name="Foliennummernplatzhalter 6">
+            <a:extLst>
+              <a:ext uri="{FF2B5EF4-FFF2-40B4-BE49-F238E27FC236}">
+                <a16:creationId xmlns:a16="http://schemas.microsoft.com/office/drawing/2014/main" id="{9B911EF5-8782-2E0A-989E-37C433949188}"/>
+              </a:ext>
+            </a:extLst>
+          </p:cNvPr>
+          <p:cNvSpPr>
+            <a:spLocks noGrp="1"/>
+          </p:cNvSpPr>
+          <p:nvPr>
+            <p:ph type="sldNum" sz="quarter" idx="12"/>
+          </p:nvPr>
+        </p:nvSpPr>
+        <p:spPr/>
+        <p:txBody>
+          <a:bodyPr/>
+          <a:lstStyle/>
+          <a:p>
+            <a:r>
+              <a:rPr lang="de-DE" dirty="0"/>
+              <a:t>1</a:t>
+            </a:r>
+          </a:p>
+        </p:txBody>
+      </p:sp>
     </p:spTree>
     <p:extLst>
       <p:ext uri="{BB962C8B-B14F-4D97-AF65-F5344CB8AC3E}">
@@ -12491,13 +15718,13 @@
   <p:clrMapOvr>
     <a:masterClrMapping/>
   </p:clrMapOvr>
-  <mc:AlternateContent xmlns:mc="http://schemas.openxmlformats.org/markup-compatibility/2006">
-    <mc:Choice xmlns:p159="http://schemas.microsoft.com/office/powerpoint/2015/09/main" Requires="p159">
+  <mc:AlternateContent xmlns:mc="http://schemas.openxmlformats.org/markup-compatibility/2006" xmlns:p159="http://schemas.microsoft.com/office/powerpoint/2015/09/main">
+    <mc:Choice Requires="p159">
       <p:transition>
         <p159:morph option="byWord"/>
       </p:transition>
     </mc:Choice>
-    <mc:Fallback>
+    <mc:Fallback xmlns="">
       <p:transition>
         <p:fade/>
       </p:transition>
@@ -12735,6 +15962,92 @@
           </a:effectLst>
         </p:spPr>
       </p:pic>
+      <p:sp>
+        <p:nvSpPr>
+          <p:cNvPr id="5" name="Fußzeilenplatzhalter 4">
+            <a:extLst>
+              <a:ext uri="{FF2B5EF4-FFF2-40B4-BE49-F238E27FC236}">
+                <a16:creationId xmlns:a16="http://schemas.microsoft.com/office/drawing/2014/main" id="{06A3C179-A5CA-7A20-2F9A-7281DCCD9048}"/>
+              </a:ext>
+            </a:extLst>
+          </p:cNvPr>
+          <p:cNvSpPr>
+            <a:spLocks noGrp="1"/>
+          </p:cNvSpPr>
+          <p:nvPr>
+            <p:ph type="ftr" sz="quarter" idx="11"/>
+          </p:nvPr>
+        </p:nvSpPr>
+        <p:spPr/>
+        <p:txBody>
+          <a:bodyPr/>
+          <a:lstStyle/>
+          <a:p>
+            <a:r>
+              <a:rPr lang="de-DE"/>
+              <a:t>University of Stuttgart</a:t>
+            </a:r>
+            <a:endParaRPr lang="de-DE" dirty="0"/>
+          </a:p>
+        </p:txBody>
+      </p:sp>
+      <p:sp>
+        <p:nvSpPr>
+          <p:cNvPr id="6" name="Datumsplatzhalter 5">
+            <a:extLst>
+              <a:ext uri="{FF2B5EF4-FFF2-40B4-BE49-F238E27FC236}">
+                <a16:creationId xmlns:a16="http://schemas.microsoft.com/office/drawing/2014/main" id="{8EFC7428-01D4-0455-0BAE-ADF27C3FEF69}"/>
+              </a:ext>
+            </a:extLst>
+          </p:cNvPr>
+          <p:cNvSpPr>
+            <a:spLocks noGrp="1"/>
+          </p:cNvSpPr>
+          <p:nvPr>
+            <p:ph type="dt" sz="half" idx="10"/>
+          </p:nvPr>
+        </p:nvSpPr>
+        <p:spPr/>
+        <p:txBody>
+          <a:bodyPr/>
+          <a:lstStyle/>
+          <a:p>
+            <a:r>
+              <a:rPr lang="de-DE"/>
+              <a:t>Marc Sauter</a:t>
+            </a:r>
+            <a:endParaRPr lang="de-DE" dirty="0"/>
+          </a:p>
+        </p:txBody>
+      </p:sp>
+      <p:sp>
+        <p:nvSpPr>
+          <p:cNvPr id="7" name="Foliennummernplatzhalter 6">
+            <a:extLst>
+              <a:ext uri="{FF2B5EF4-FFF2-40B4-BE49-F238E27FC236}">
+                <a16:creationId xmlns:a16="http://schemas.microsoft.com/office/drawing/2014/main" id="{14A02D1D-C160-14B9-F9F6-A34ED4951491}"/>
+              </a:ext>
+            </a:extLst>
+          </p:cNvPr>
+          <p:cNvSpPr>
+            <a:spLocks noGrp="1"/>
+          </p:cNvSpPr>
+          <p:nvPr>
+            <p:ph type="sldNum" sz="quarter" idx="12"/>
+          </p:nvPr>
+        </p:nvSpPr>
+        <p:spPr/>
+        <p:txBody>
+          <a:bodyPr/>
+          <a:lstStyle/>
+          <a:p>
+            <a:r>
+              <a:rPr lang="de-DE" dirty="0"/>
+              <a:t>7</a:t>
+            </a:r>
+          </a:p>
+        </p:txBody>
+      </p:sp>
     </p:spTree>
     <p:extLst>
       <p:ext uri="{BB962C8B-B14F-4D97-AF65-F5344CB8AC3E}">
@@ -12745,13 +16058,13 @@
   <p:clrMapOvr>
     <a:masterClrMapping/>
   </p:clrMapOvr>
-  <mc:AlternateContent xmlns:mc="http://schemas.openxmlformats.org/markup-compatibility/2006">
-    <mc:Choice xmlns:p14="http://schemas.microsoft.com/office/powerpoint/2010/main" Requires="p14">
+  <mc:AlternateContent xmlns:mc="http://schemas.openxmlformats.org/markup-compatibility/2006" xmlns:p14="http://schemas.microsoft.com/office/powerpoint/2010/main">
+    <mc:Choice Requires="p14">
       <p:transition p14:dur="250">
         <p:fade/>
       </p:transition>
     </mc:Choice>
-    <mc:Fallback>
+    <mc:Fallback xmlns="">
       <p:transition>
         <p:fade/>
       </p:transition>
@@ -12915,6 +16228,92 @@
           </a:prstGeom>
         </p:spPr>
       </p:pic>
+      <p:sp>
+        <p:nvSpPr>
+          <p:cNvPr id="2" name="Fußzeilenplatzhalter 1">
+            <a:extLst>
+              <a:ext uri="{FF2B5EF4-FFF2-40B4-BE49-F238E27FC236}">
+                <a16:creationId xmlns:a16="http://schemas.microsoft.com/office/drawing/2014/main" id="{063E8983-7913-1828-5519-FC3A8916E296}"/>
+              </a:ext>
+            </a:extLst>
+          </p:cNvPr>
+          <p:cNvSpPr>
+            <a:spLocks noGrp="1"/>
+          </p:cNvSpPr>
+          <p:nvPr>
+            <p:ph type="ftr" sz="quarter" idx="11"/>
+          </p:nvPr>
+        </p:nvSpPr>
+        <p:spPr/>
+        <p:txBody>
+          <a:bodyPr/>
+          <a:lstStyle/>
+          <a:p>
+            <a:r>
+              <a:rPr lang="de-DE"/>
+              <a:t>University of Stuttgart</a:t>
+            </a:r>
+            <a:endParaRPr lang="de-DE" dirty="0"/>
+          </a:p>
+        </p:txBody>
+      </p:sp>
+      <p:sp>
+        <p:nvSpPr>
+          <p:cNvPr id="4" name="Datumsplatzhalter 3">
+            <a:extLst>
+              <a:ext uri="{FF2B5EF4-FFF2-40B4-BE49-F238E27FC236}">
+                <a16:creationId xmlns:a16="http://schemas.microsoft.com/office/drawing/2014/main" id="{E84346EC-48BC-A9A2-A895-6999D2E75790}"/>
+              </a:ext>
+            </a:extLst>
+          </p:cNvPr>
+          <p:cNvSpPr>
+            <a:spLocks noGrp="1"/>
+          </p:cNvSpPr>
+          <p:nvPr>
+            <p:ph type="dt" sz="half" idx="10"/>
+          </p:nvPr>
+        </p:nvSpPr>
+        <p:spPr/>
+        <p:txBody>
+          <a:bodyPr/>
+          <a:lstStyle/>
+          <a:p>
+            <a:r>
+              <a:rPr lang="de-DE"/>
+              <a:t>Marc Sauter</a:t>
+            </a:r>
+            <a:endParaRPr lang="de-DE" dirty="0"/>
+          </a:p>
+        </p:txBody>
+      </p:sp>
+      <p:sp>
+        <p:nvSpPr>
+          <p:cNvPr id="5" name="Foliennummernplatzhalter 4">
+            <a:extLst>
+              <a:ext uri="{FF2B5EF4-FFF2-40B4-BE49-F238E27FC236}">
+                <a16:creationId xmlns:a16="http://schemas.microsoft.com/office/drawing/2014/main" id="{82ABBFB3-6011-8CE2-0544-9E579AA15533}"/>
+              </a:ext>
+            </a:extLst>
+          </p:cNvPr>
+          <p:cNvSpPr>
+            <a:spLocks noGrp="1"/>
+          </p:cNvSpPr>
+          <p:nvPr>
+            <p:ph type="sldNum" sz="quarter" idx="12"/>
+          </p:nvPr>
+        </p:nvSpPr>
+        <p:spPr/>
+        <p:txBody>
+          <a:bodyPr/>
+          <a:lstStyle/>
+          <a:p>
+            <a:r>
+              <a:rPr lang="de-DE" dirty="0"/>
+              <a:t>7</a:t>
+            </a:r>
+          </a:p>
+        </p:txBody>
+      </p:sp>
     </p:spTree>
     <p:extLst>
       <p:ext uri="{BB962C8B-B14F-4D97-AF65-F5344CB8AC3E}">
@@ -12925,13 +16324,13 @@
   <p:clrMapOvr>
     <a:masterClrMapping/>
   </p:clrMapOvr>
-  <mc:AlternateContent xmlns:mc="http://schemas.openxmlformats.org/markup-compatibility/2006">
-    <mc:Choice xmlns:p14="http://schemas.microsoft.com/office/powerpoint/2010/main" Requires="p14">
+  <mc:AlternateContent xmlns:mc="http://schemas.openxmlformats.org/markup-compatibility/2006" xmlns:p14="http://schemas.microsoft.com/office/powerpoint/2010/main">
+    <mc:Choice Requires="p14">
       <p:transition p14:dur="250">
         <p:fade/>
       </p:transition>
     </mc:Choice>
-    <mc:Fallback>
+    <mc:Fallback xmlns="">
       <p:transition>
         <p:fade/>
       </p:transition>
@@ -13132,6 +16531,92 @@
           </a:effectLst>
         </p:spPr>
       </p:pic>
+      <p:sp>
+        <p:nvSpPr>
+          <p:cNvPr id="4" name="Fußzeilenplatzhalter 3">
+            <a:extLst>
+              <a:ext uri="{FF2B5EF4-FFF2-40B4-BE49-F238E27FC236}">
+                <a16:creationId xmlns:a16="http://schemas.microsoft.com/office/drawing/2014/main" id="{7DAF1D00-EF6C-7AE3-7E37-B60623F0226E}"/>
+              </a:ext>
+            </a:extLst>
+          </p:cNvPr>
+          <p:cNvSpPr>
+            <a:spLocks noGrp="1"/>
+          </p:cNvSpPr>
+          <p:nvPr>
+            <p:ph type="ftr" sz="quarter" idx="11"/>
+          </p:nvPr>
+        </p:nvSpPr>
+        <p:spPr/>
+        <p:txBody>
+          <a:bodyPr/>
+          <a:lstStyle/>
+          <a:p>
+            <a:r>
+              <a:rPr lang="de-DE"/>
+              <a:t>University of Stuttgart</a:t>
+            </a:r>
+            <a:endParaRPr lang="de-DE" dirty="0"/>
+          </a:p>
+        </p:txBody>
+      </p:sp>
+      <p:sp>
+        <p:nvSpPr>
+          <p:cNvPr id="5" name="Datumsplatzhalter 4">
+            <a:extLst>
+              <a:ext uri="{FF2B5EF4-FFF2-40B4-BE49-F238E27FC236}">
+                <a16:creationId xmlns:a16="http://schemas.microsoft.com/office/drawing/2014/main" id="{D65EB422-8C5C-1A99-E97F-612AEFA7F430}"/>
+              </a:ext>
+            </a:extLst>
+          </p:cNvPr>
+          <p:cNvSpPr>
+            <a:spLocks noGrp="1"/>
+          </p:cNvSpPr>
+          <p:nvPr>
+            <p:ph type="dt" sz="half" idx="10"/>
+          </p:nvPr>
+        </p:nvSpPr>
+        <p:spPr/>
+        <p:txBody>
+          <a:bodyPr/>
+          <a:lstStyle/>
+          <a:p>
+            <a:r>
+              <a:rPr lang="de-DE"/>
+              <a:t>Marc Sauter</a:t>
+            </a:r>
+            <a:endParaRPr lang="de-DE" dirty="0"/>
+          </a:p>
+        </p:txBody>
+      </p:sp>
+      <p:sp>
+        <p:nvSpPr>
+          <p:cNvPr id="6" name="Foliennummernplatzhalter 5">
+            <a:extLst>
+              <a:ext uri="{FF2B5EF4-FFF2-40B4-BE49-F238E27FC236}">
+                <a16:creationId xmlns:a16="http://schemas.microsoft.com/office/drawing/2014/main" id="{E98D293C-3BC5-FB31-9B5B-F9317F21C787}"/>
+              </a:ext>
+            </a:extLst>
+          </p:cNvPr>
+          <p:cNvSpPr>
+            <a:spLocks noGrp="1"/>
+          </p:cNvSpPr>
+          <p:nvPr>
+            <p:ph type="sldNum" sz="quarter" idx="12"/>
+          </p:nvPr>
+        </p:nvSpPr>
+        <p:spPr/>
+        <p:txBody>
+          <a:bodyPr/>
+          <a:lstStyle/>
+          <a:p>
+            <a:r>
+              <a:rPr lang="de-DE" dirty="0"/>
+              <a:t>7</a:t>
+            </a:r>
+          </a:p>
+        </p:txBody>
+      </p:sp>
     </p:spTree>
     <p:extLst>
       <p:ext uri="{BB962C8B-B14F-4D97-AF65-F5344CB8AC3E}">
@@ -13142,13 +16627,13 @@
   <p:clrMapOvr>
     <a:masterClrMapping/>
   </p:clrMapOvr>
-  <mc:AlternateContent xmlns:mc="http://schemas.openxmlformats.org/markup-compatibility/2006">
-    <mc:Choice xmlns:p14="http://schemas.microsoft.com/office/powerpoint/2010/main" Requires="p14">
+  <mc:AlternateContent xmlns:mc="http://schemas.openxmlformats.org/markup-compatibility/2006" xmlns:p14="http://schemas.microsoft.com/office/powerpoint/2010/main">
+    <mc:Choice Requires="p14">
       <p:transition p14:dur="250">
         <p:fade/>
       </p:transition>
     </mc:Choice>
-    <mc:Fallback>
+    <mc:Fallback xmlns="">
       <p:transition>
         <p:fade/>
       </p:transition>
@@ -13312,6 +16797,92 @@
           </a:prstGeom>
         </p:spPr>
       </p:pic>
+      <p:sp>
+        <p:nvSpPr>
+          <p:cNvPr id="2" name="Fußzeilenplatzhalter 1">
+            <a:extLst>
+              <a:ext uri="{FF2B5EF4-FFF2-40B4-BE49-F238E27FC236}">
+                <a16:creationId xmlns:a16="http://schemas.microsoft.com/office/drawing/2014/main" id="{F8354658-5154-6F89-ED04-761ABA5EE156}"/>
+              </a:ext>
+            </a:extLst>
+          </p:cNvPr>
+          <p:cNvSpPr>
+            <a:spLocks noGrp="1"/>
+          </p:cNvSpPr>
+          <p:nvPr>
+            <p:ph type="ftr" sz="quarter" idx="11"/>
+          </p:nvPr>
+        </p:nvSpPr>
+        <p:spPr/>
+        <p:txBody>
+          <a:bodyPr/>
+          <a:lstStyle/>
+          <a:p>
+            <a:r>
+              <a:rPr lang="de-DE"/>
+              <a:t>University of Stuttgart</a:t>
+            </a:r>
+            <a:endParaRPr lang="de-DE" dirty="0"/>
+          </a:p>
+        </p:txBody>
+      </p:sp>
+      <p:sp>
+        <p:nvSpPr>
+          <p:cNvPr id="4" name="Datumsplatzhalter 3">
+            <a:extLst>
+              <a:ext uri="{FF2B5EF4-FFF2-40B4-BE49-F238E27FC236}">
+                <a16:creationId xmlns:a16="http://schemas.microsoft.com/office/drawing/2014/main" id="{845C602B-9A16-BB1D-0FE6-585E1C8136BD}"/>
+              </a:ext>
+            </a:extLst>
+          </p:cNvPr>
+          <p:cNvSpPr>
+            <a:spLocks noGrp="1"/>
+          </p:cNvSpPr>
+          <p:nvPr>
+            <p:ph type="dt" sz="half" idx="10"/>
+          </p:nvPr>
+        </p:nvSpPr>
+        <p:spPr/>
+        <p:txBody>
+          <a:bodyPr/>
+          <a:lstStyle/>
+          <a:p>
+            <a:r>
+              <a:rPr lang="de-DE"/>
+              <a:t>Marc Sauter</a:t>
+            </a:r>
+            <a:endParaRPr lang="de-DE" dirty="0"/>
+          </a:p>
+        </p:txBody>
+      </p:sp>
+      <p:sp>
+        <p:nvSpPr>
+          <p:cNvPr id="5" name="Foliennummernplatzhalter 4">
+            <a:extLst>
+              <a:ext uri="{FF2B5EF4-FFF2-40B4-BE49-F238E27FC236}">
+                <a16:creationId xmlns:a16="http://schemas.microsoft.com/office/drawing/2014/main" id="{39EF5A59-4C1A-DC89-2FF5-8014C5819461}"/>
+              </a:ext>
+            </a:extLst>
+          </p:cNvPr>
+          <p:cNvSpPr>
+            <a:spLocks noGrp="1"/>
+          </p:cNvSpPr>
+          <p:nvPr>
+            <p:ph type="sldNum" sz="quarter" idx="12"/>
+          </p:nvPr>
+        </p:nvSpPr>
+        <p:spPr/>
+        <p:txBody>
+          <a:bodyPr/>
+          <a:lstStyle/>
+          <a:p>
+            <a:r>
+              <a:rPr lang="de-DE" dirty="0"/>
+              <a:t>7</a:t>
+            </a:r>
+          </a:p>
+        </p:txBody>
+      </p:sp>
     </p:spTree>
     <p:extLst>
       <p:ext uri="{BB962C8B-B14F-4D97-AF65-F5344CB8AC3E}">
@@ -13322,13 +16893,13 @@
   <p:clrMapOvr>
     <a:masterClrMapping/>
   </p:clrMapOvr>
-  <mc:AlternateContent xmlns:mc="http://schemas.openxmlformats.org/markup-compatibility/2006">
-    <mc:Choice xmlns:p14="http://schemas.microsoft.com/office/powerpoint/2010/main" Requires="p14">
+  <mc:AlternateContent xmlns:mc="http://schemas.openxmlformats.org/markup-compatibility/2006" xmlns:p14="http://schemas.microsoft.com/office/powerpoint/2010/main">
+    <mc:Choice Requires="p14">
       <p:transition p14:dur="250">
         <p:fade/>
       </p:transition>
     </mc:Choice>
-    <mc:Fallback>
+    <mc:Fallback xmlns="">
       <p:transition>
         <p:fade/>
       </p:transition>
@@ -13449,6 +17020,92 @@
           </a:p>
         </p:txBody>
       </p:sp>
+      <p:sp>
+        <p:nvSpPr>
+          <p:cNvPr id="2" name="Fußzeilenplatzhalter 1">
+            <a:extLst>
+              <a:ext uri="{FF2B5EF4-FFF2-40B4-BE49-F238E27FC236}">
+                <a16:creationId xmlns:a16="http://schemas.microsoft.com/office/drawing/2014/main" id="{CCB728C1-F397-0FEA-97A0-CE3970FC4CC4}"/>
+              </a:ext>
+            </a:extLst>
+          </p:cNvPr>
+          <p:cNvSpPr>
+            <a:spLocks noGrp="1"/>
+          </p:cNvSpPr>
+          <p:nvPr>
+            <p:ph type="ftr" sz="quarter" idx="11"/>
+          </p:nvPr>
+        </p:nvSpPr>
+        <p:spPr/>
+        <p:txBody>
+          <a:bodyPr/>
+          <a:lstStyle/>
+          <a:p>
+            <a:r>
+              <a:rPr lang="de-DE"/>
+              <a:t>University of Stuttgart</a:t>
+            </a:r>
+            <a:endParaRPr lang="de-DE" dirty="0"/>
+          </a:p>
+        </p:txBody>
+      </p:sp>
+      <p:sp>
+        <p:nvSpPr>
+          <p:cNvPr id="3" name="Datumsplatzhalter 2">
+            <a:extLst>
+              <a:ext uri="{FF2B5EF4-FFF2-40B4-BE49-F238E27FC236}">
+                <a16:creationId xmlns:a16="http://schemas.microsoft.com/office/drawing/2014/main" id="{57E6466A-EEAE-EDAE-39A2-BFB25676D9F2}"/>
+              </a:ext>
+            </a:extLst>
+          </p:cNvPr>
+          <p:cNvSpPr>
+            <a:spLocks noGrp="1"/>
+          </p:cNvSpPr>
+          <p:nvPr>
+            <p:ph type="dt" sz="half" idx="10"/>
+          </p:nvPr>
+        </p:nvSpPr>
+        <p:spPr/>
+        <p:txBody>
+          <a:bodyPr/>
+          <a:lstStyle/>
+          <a:p>
+            <a:r>
+              <a:rPr lang="de-DE"/>
+              <a:t>Marc Sauter</a:t>
+            </a:r>
+            <a:endParaRPr lang="de-DE" dirty="0"/>
+          </a:p>
+        </p:txBody>
+      </p:sp>
+      <p:sp>
+        <p:nvSpPr>
+          <p:cNvPr id="4" name="Foliennummernplatzhalter 3">
+            <a:extLst>
+              <a:ext uri="{FF2B5EF4-FFF2-40B4-BE49-F238E27FC236}">
+                <a16:creationId xmlns:a16="http://schemas.microsoft.com/office/drawing/2014/main" id="{99D46664-34AF-5F74-467F-4C32236721FD}"/>
+              </a:ext>
+            </a:extLst>
+          </p:cNvPr>
+          <p:cNvSpPr>
+            <a:spLocks noGrp="1"/>
+          </p:cNvSpPr>
+          <p:nvPr>
+            <p:ph type="sldNum" sz="quarter" idx="12"/>
+          </p:nvPr>
+        </p:nvSpPr>
+        <p:spPr/>
+        <p:txBody>
+          <a:bodyPr/>
+          <a:lstStyle/>
+          <a:p>
+            <a:r>
+              <a:rPr lang="de-DE" dirty="0"/>
+              <a:t>8</a:t>
+            </a:r>
+          </a:p>
+        </p:txBody>
+      </p:sp>
     </p:spTree>
     <p:extLst>
       <p:ext uri="{BB962C8B-B14F-4D97-AF65-F5344CB8AC3E}">
@@ -13459,13 +17116,13 @@
   <p:clrMapOvr>
     <a:masterClrMapping/>
   </p:clrMapOvr>
-  <mc:AlternateContent xmlns:mc="http://schemas.openxmlformats.org/markup-compatibility/2006">
-    <mc:Choice xmlns:p14="http://schemas.microsoft.com/office/powerpoint/2010/main" Requires="p14">
+  <mc:AlternateContent xmlns:mc="http://schemas.openxmlformats.org/markup-compatibility/2006" xmlns:p14="http://schemas.microsoft.com/office/powerpoint/2010/main">
+    <mc:Choice Requires="p14">
       <p:transition p14:dur="250">
         <p:fade/>
       </p:transition>
     </mc:Choice>
-    <mc:Fallback>
+    <mc:Fallback xmlns="">
       <p:transition>
         <p:fade/>
       </p:transition>
@@ -13945,6 +17602,92 @@
           </a:p>
         </p:txBody>
       </p:sp>
+      <p:sp>
+        <p:nvSpPr>
+          <p:cNvPr id="2" name="Fußzeilenplatzhalter 1">
+            <a:extLst>
+              <a:ext uri="{FF2B5EF4-FFF2-40B4-BE49-F238E27FC236}">
+                <a16:creationId xmlns:a16="http://schemas.microsoft.com/office/drawing/2014/main" id="{93944D25-A798-5D69-C856-C0D54D58DD2D}"/>
+              </a:ext>
+            </a:extLst>
+          </p:cNvPr>
+          <p:cNvSpPr>
+            <a:spLocks noGrp="1"/>
+          </p:cNvSpPr>
+          <p:nvPr>
+            <p:ph type="ftr" sz="quarter" idx="11"/>
+          </p:nvPr>
+        </p:nvSpPr>
+        <p:spPr/>
+        <p:txBody>
+          <a:bodyPr/>
+          <a:lstStyle/>
+          <a:p>
+            <a:r>
+              <a:rPr lang="de-DE"/>
+              <a:t>University of Stuttgart</a:t>
+            </a:r>
+            <a:endParaRPr lang="de-DE" dirty="0"/>
+          </a:p>
+        </p:txBody>
+      </p:sp>
+      <p:sp>
+        <p:nvSpPr>
+          <p:cNvPr id="3" name="Datumsplatzhalter 2">
+            <a:extLst>
+              <a:ext uri="{FF2B5EF4-FFF2-40B4-BE49-F238E27FC236}">
+                <a16:creationId xmlns:a16="http://schemas.microsoft.com/office/drawing/2014/main" id="{0EDBFE14-1E75-C78B-CC8C-D938D1E642F1}"/>
+              </a:ext>
+            </a:extLst>
+          </p:cNvPr>
+          <p:cNvSpPr>
+            <a:spLocks noGrp="1"/>
+          </p:cNvSpPr>
+          <p:nvPr>
+            <p:ph type="dt" sz="half" idx="10"/>
+          </p:nvPr>
+        </p:nvSpPr>
+        <p:spPr/>
+        <p:txBody>
+          <a:bodyPr/>
+          <a:lstStyle/>
+          <a:p>
+            <a:r>
+              <a:rPr lang="de-DE"/>
+              <a:t>Marc Sauter</a:t>
+            </a:r>
+            <a:endParaRPr lang="de-DE" dirty="0"/>
+          </a:p>
+        </p:txBody>
+      </p:sp>
+      <p:sp>
+        <p:nvSpPr>
+          <p:cNvPr id="4" name="Foliennummernplatzhalter 3">
+            <a:extLst>
+              <a:ext uri="{FF2B5EF4-FFF2-40B4-BE49-F238E27FC236}">
+                <a16:creationId xmlns:a16="http://schemas.microsoft.com/office/drawing/2014/main" id="{7B7E50F1-5B33-2EF1-6367-B927D904F29C}"/>
+              </a:ext>
+            </a:extLst>
+          </p:cNvPr>
+          <p:cNvSpPr>
+            <a:spLocks noGrp="1"/>
+          </p:cNvSpPr>
+          <p:nvPr>
+            <p:ph type="sldNum" sz="quarter" idx="12"/>
+          </p:nvPr>
+        </p:nvSpPr>
+        <p:spPr/>
+        <p:txBody>
+          <a:bodyPr/>
+          <a:lstStyle/>
+          <a:p>
+            <a:r>
+              <a:rPr lang="de-DE" dirty="0"/>
+              <a:t>8</a:t>
+            </a:r>
+          </a:p>
+        </p:txBody>
+      </p:sp>
     </p:spTree>
     <p:extLst>
       <p:ext uri="{BB962C8B-B14F-4D97-AF65-F5344CB8AC3E}">
@@ -13955,13 +17698,13 @@
   <p:clrMapOvr>
     <a:masterClrMapping/>
   </p:clrMapOvr>
-  <mc:AlternateContent xmlns:mc="http://schemas.openxmlformats.org/markup-compatibility/2006">
-    <mc:Choice xmlns:p14="http://schemas.microsoft.com/office/powerpoint/2010/main" Requires="p14">
+  <mc:AlternateContent xmlns:mc="http://schemas.openxmlformats.org/markup-compatibility/2006" xmlns:p14="http://schemas.microsoft.com/office/powerpoint/2010/main">
+    <mc:Choice Requires="p14">
       <p:transition p14:dur="250">
         <p:fade/>
       </p:transition>
     </mc:Choice>
-    <mc:Fallback>
+    <mc:Fallback xmlns="">
       <p:transition>
         <p:fade/>
       </p:transition>
@@ -14590,6 +18333,92 @@
           </a:p>
         </p:txBody>
       </p:sp>
+      <p:sp>
+        <p:nvSpPr>
+          <p:cNvPr id="15" name="Fußzeilenplatzhalter 14">
+            <a:extLst>
+              <a:ext uri="{FF2B5EF4-FFF2-40B4-BE49-F238E27FC236}">
+                <a16:creationId xmlns:a16="http://schemas.microsoft.com/office/drawing/2014/main" id="{53ACFCAF-DAAB-A66A-3895-06D1DD9E4FF8}"/>
+              </a:ext>
+            </a:extLst>
+          </p:cNvPr>
+          <p:cNvSpPr>
+            <a:spLocks noGrp="1"/>
+          </p:cNvSpPr>
+          <p:nvPr>
+            <p:ph type="ftr" sz="quarter" idx="11"/>
+          </p:nvPr>
+        </p:nvSpPr>
+        <p:spPr/>
+        <p:txBody>
+          <a:bodyPr/>
+          <a:lstStyle/>
+          <a:p>
+            <a:r>
+              <a:rPr lang="de-DE"/>
+              <a:t>University of Stuttgart</a:t>
+            </a:r>
+            <a:endParaRPr lang="de-DE" dirty="0"/>
+          </a:p>
+        </p:txBody>
+      </p:sp>
+      <p:sp>
+        <p:nvSpPr>
+          <p:cNvPr id="16" name="Datumsplatzhalter 15">
+            <a:extLst>
+              <a:ext uri="{FF2B5EF4-FFF2-40B4-BE49-F238E27FC236}">
+                <a16:creationId xmlns:a16="http://schemas.microsoft.com/office/drawing/2014/main" id="{A113807B-0E9D-F999-91C3-0BA17798B554}"/>
+              </a:ext>
+            </a:extLst>
+          </p:cNvPr>
+          <p:cNvSpPr>
+            <a:spLocks noGrp="1"/>
+          </p:cNvSpPr>
+          <p:nvPr>
+            <p:ph type="dt" sz="half" idx="10"/>
+          </p:nvPr>
+        </p:nvSpPr>
+        <p:spPr/>
+        <p:txBody>
+          <a:bodyPr/>
+          <a:lstStyle/>
+          <a:p>
+            <a:r>
+              <a:rPr lang="de-DE"/>
+              <a:t>Marc Sauter</a:t>
+            </a:r>
+            <a:endParaRPr lang="de-DE" dirty="0"/>
+          </a:p>
+        </p:txBody>
+      </p:sp>
+      <p:sp>
+        <p:nvSpPr>
+          <p:cNvPr id="17" name="Foliennummernplatzhalter 16">
+            <a:extLst>
+              <a:ext uri="{FF2B5EF4-FFF2-40B4-BE49-F238E27FC236}">
+                <a16:creationId xmlns:a16="http://schemas.microsoft.com/office/drawing/2014/main" id="{C4BC4E5B-97A5-C2C7-E9B1-FB21B5959FE1}"/>
+              </a:ext>
+            </a:extLst>
+          </p:cNvPr>
+          <p:cNvSpPr>
+            <a:spLocks noGrp="1"/>
+          </p:cNvSpPr>
+          <p:nvPr>
+            <p:ph type="sldNum" sz="quarter" idx="12"/>
+          </p:nvPr>
+        </p:nvSpPr>
+        <p:spPr/>
+        <p:txBody>
+          <a:bodyPr/>
+          <a:lstStyle/>
+          <a:p>
+            <a:r>
+              <a:rPr lang="de-DE" dirty="0"/>
+              <a:t>8</a:t>
+            </a:r>
+          </a:p>
+        </p:txBody>
+      </p:sp>
     </p:spTree>
     <p:extLst>
       <p:ext uri="{BB962C8B-B14F-4D97-AF65-F5344CB8AC3E}">
@@ -14600,13 +18429,13 @@
   <p:clrMapOvr>
     <a:masterClrMapping/>
   </p:clrMapOvr>
-  <mc:AlternateContent xmlns:mc="http://schemas.openxmlformats.org/markup-compatibility/2006">
-    <mc:Choice xmlns:p14="http://schemas.microsoft.com/office/powerpoint/2010/main" Requires="p14">
+  <mc:AlternateContent xmlns:mc="http://schemas.openxmlformats.org/markup-compatibility/2006" xmlns:p14="http://schemas.microsoft.com/office/powerpoint/2010/main">
+    <mc:Choice Requires="p14">
       <p:transition p14:dur="250">
         <p:fade/>
       </p:transition>
     </mc:Choice>
-    <mc:Fallback>
+    <mc:Fallback xmlns="">
       <p:transition>
         <p:fade/>
       </p:transition>
@@ -14917,6 +18746,92 @@
           </a:prstGeom>
         </p:spPr>
       </p:pic>
+      <p:sp>
+        <p:nvSpPr>
+          <p:cNvPr id="4" name="Fußzeilenplatzhalter 3">
+            <a:extLst>
+              <a:ext uri="{FF2B5EF4-FFF2-40B4-BE49-F238E27FC236}">
+                <a16:creationId xmlns:a16="http://schemas.microsoft.com/office/drawing/2014/main" id="{11D795F4-D683-29A7-B06C-BE458D507CAC}"/>
+              </a:ext>
+            </a:extLst>
+          </p:cNvPr>
+          <p:cNvSpPr>
+            <a:spLocks noGrp="1"/>
+          </p:cNvSpPr>
+          <p:nvPr>
+            <p:ph type="ftr" sz="quarter" idx="11"/>
+          </p:nvPr>
+        </p:nvSpPr>
+        <p:spPr/>
+        <p:txBody>
+          <a:bodyPr/>
+          <a:lstStyle/>
+          <a:p>
+            <a:r>
+              <a:rPr lang="de-DE"/>
+              <a:t>University of Stuttgart</a:t>
+            </a:r>
+            <a:endParaRPr lang="de-DE" dirty="0"/>
+          </a:p>
+        </p:txBody>
+      </p:sp>
+      <p:sp>
+        <p:nvSpPr>
+          <p:cNvPr id="9" name="Datumsplatzhalter 8">
+            <a:extLst>
+              <a:ext uri="{FF2B5EF4-FFF2-40B4-BE49-F238E27FC236}">
+                <a16:creationId xmlns:a16="http://schemas.microsoft.com/office/drawing/2014/main" id="{32627CDA-94F1-4808-91E5-58A9EA33D5E0}"/>
+              </a:ext>
+            </a:extLst>
+          </p:cNvPr>
+          <p:cNvSpPr>
+            <a:spLocks noGrp="1"/>
+          </p:cNvSpPr>
+          <p:nvPr>
+            <p:ph type="dt" sz="half" idx="10"/>
+          </p:nvPr>
+        </p:nvSpPr>
+        <p:spPr/>
+        <p:txBody>
+          <a:bodyPr/>
+          <a:lstStyle/>
+          <a:p>
+            <a:r>
+              <a:rPr lang="de-DE"/>
+              <a:t>Marc Sauter</a:t>
+            </a:r>
+            <a:endParaRPr lang="de-DE" dirty="0"/>
+          </a:p>
+        </p:txBody>
+      </p:sp>
+      <p:sp>
+        <p:nvSpPr>
+          <p:cNvPr id="10" name="Foliennummernplatzhalter 9">
+            <a:extLst>
+              <a:ext uri="{FF2B5EF4-FFF2-40B4-BE49-F238E27FC236}">
+                <a16:creationId xmlns:a16="http://schemas.microsoft.com/office/drawing/2014/main" id="{9DB9D5E3-40D4-4FF6-59F9-C07273EF1A40}"/>
+              </a:ext>
+            </a:extLst>
+          </p:cNvPr>
+          <p:cNvSpPr>
+            <a:spLocks noGrp="1"/>
+          </p:cNvSpPr>
+          <p:nvPr>
+            <p:ph type="sldNum" sz="quarter" idx="12"/>
+          </p:nvPr>
+        </p:nvSpPr>
+        <p:spPr/>
+        <p:txBody>
+          <a:bodyPr/>
+          <a:lstStyle/>
+          <a:p>
+            <a:r>
+              <a:rPr lang="de-DE" dirty="0"/>
+              <a:t>1</a:t>
+            </a:r>
+          </a:p>
+        </p:txBody>
+      </p:sp>
     </p:spTree>
     <p:extLst>
       <p:ext uri="{BB962C8B-B14F-4D97-AF65-F5344CB8AC3E}">
@@ -14927,13 +18842,13 @@
   <p:clrMapOvr>
     <a:masterClrMapping/>
   </p:clrMapOvr>
-  <mc:AlternateContent xmlns:mc="http://schemas.openxmlformats.org/markup-compatibility/2006">
-    <mc:Choice xmlns:p159="http://schemas.microsoft.com/office/powerpoint/2015/09/main" Requires="p159">
+  <mc:AlternateContent xmlns:mc="http://schemas.openxmlformats.org/markup-compatibility/2006" xmlns:p159="http://schemas.microsoft.com/office/powerpoint/2015/09/main">
+    <mc:Choice Requires="p159">
       <p:transition>
         <p159:morph option="byWord"/>
       </p:transition>
     </mc:Choice>
-    <mc:Fallback>
+    <mc:Fallback xmlns="">
       <p:transition>
         <p:fade/>
       </p:transition>
@@ -15352,6 +19267,92 @@
           </a:prstGeom>
         </p:spPr>
       </p:pic>
+      <p:sp>
+        <p:nvSpPr>
+          <p:cNvPr id="4" name="Fußzeilenplatzhalter 3">
+            <a:extLst>
+              <a:ext uri="{FF2B5EF4-FFF2-40B4-BE49-F238E27FC236}">
+                <a16:creationId xmlns:a16="http://schemas.microsoft.com/office/drawing/2014/main" id="{85611962-6C47-2ED1-0779-2AA7793D964D}"/>
+              </a:ext>
+            </a:extLst>
+          </p:cNvPr>
+          <p:cNvSpPr>
+            <a:spLocks noGrp="1"/>
+          </p:cNvSpPr>
+          <p:nvPr>
+            <p:ph type="ftr" sz="quarter" idx="11"/>
+          </p:nvPr>
+        </p:nvSpPr>
+        <p:spPr/>
+        <p:txBody>
+          <a:bodyPr/>
+          <a:lstStyle/>
+          <a:p>
+            <a:r>
+              <a:rPr lang="de-DE"/>
+              <a:t>University of Stuttgart</a:t>
+            </a:r>
+            <a:endParaRPr lang="de-DE" dirty="0"/>
+          </a:p>
+        </p:txBody>
+      </p:sp>
+      <p:sp>
+        <p:nvSpPr>
+          <p:cNvPr id="12" name="Datumsplatzhalter 11">
+            <a:extLst>
+              <a:ext uri="{FF2B5EF4-FFF2-40B4-BE49-F238E27FC236}">
+                <a16:creationId xmlns:a16="http://schemas.microsoft.com/office/drawing/2014/main" id="{B567BB64-C576-C307-98F4-0CB3D97EE4D4}"/>
+              </a:ext>
+            </a:extLst>
+          </p:cNvPr>
+          <p:cNvSpPr>
+            <a:spLocks noGrp="1"/>
+          </p:cNvSpPr>
+          <p:nvPr>
+            <p:ph type="dt" sz="half" idx="10"/>
+          </p:nvPr>
+        </p:nvSpPr>
+        <p:spPr/>
+        <p:txBody>
+          <a:bodyPr/>
+          <a:lstStyle/>
+          <a:p>
+            <a:r>
+              <a:rPr lang="de-DE"/>
+              <a:t>Marc Sauter</a:t>
+            </a:r>
+            <a:endParaRPr lang="de-DE" dirty="0"/>
+          </a:p>
+        </p:txBody>
+      </p:sp>
+      <p:sp>
+        <p:nvSpPr>
+          <p:cNvPr id="13" name="Foliennummernplatzhalter 12">
+            <a:extLst>
+              <a:ext uri="{FF2B5EF4-FFF2-40B4-BE49-F238E27FC236}">
+                <a16:creationId xmlns:a16="http://schemas.microsoft.com/office/drawing/2014/main" id="{62CCE4E6-06EB-3BCD-743C-27EE36544A2B}"/>
+              </a:ext>
+            </a:extLst>
+          </p:cNvPr>
+          <p:cNvSpPr>
+            <a:spLocks noGrp="1"/>
+          </p:cNvSpPr>
+          <p:nvPr>
+            <p:ph type="sldNum" sz="quarter" idx="12"/>
+          </p:nvPr>
+        </p:nvSpPr>
+        <p:spPr/>
+        <p:txBody>
+          <a:bodyPr/>
+          <a:lstStyle/>
+          <a:p>
+            <a:r>
+              <a:rPr lang="de-DE" dirty="0"/>
+              <a:t>1</a:t>
+            </a:r>
+          </a:p>
+        </p:txBody>
+      </p:sp>
     </p:spTree>
     <p:extLst>
       <p:ext uri="{BB962C8B-B14F-4D97-AF65-F5344CB8AC3E}">
@@ -15362,13 +19363,13 @@
   <p:clrMapOvr>
     <a:masterClrMapping/>
   </p:clrMapOvr>
-  <mc:AlternateContent xmlns:mc="http://schemas.openxmlformats.org/markup-compatibility/2006">
-    <mc:Choice xmlns:p159="http://schemas.microsoft.com/office/powerpoint/2015/09/main" Requires="p159">
+  <mc:AlternateContent xmlns:mc="http://schemas.openxmlformats.org/markup-compatibility/2006" xmlns:p159="http://schemas.microsoft.com/office/powerpoint/2015/09/main">
+    <mc:Choice Requires="p159">
       <p:transition>
         <p159:morph option="byWord"/>
       </p:transition>
     </mc:Choice>
-    <mc:Fallback>
+    <mc:Fallback xmlns="">
       <p:transition>
         <p:fade/>
       </p:transition>
@@ -15776,6 +19777,92 @@
           </p:txBody>
         </p:sp>
       </p:grpSp>
+      <p:sp>
+        <p:nvSpPr>
+          <p:cNvPr id="4" name="Fußzeilenplatzhalter 3">
+            <a:extLst>
+              <a:ext uri="{FF2B5EF4-FFF2-40B4-BE49-F238E27FC236}">
+                <a16:creationId xmlns:a16="http://schemas.microsoft.com/office/drawing/2014/main" id="{C70B3793-5D99-9FE8-E345-FC88AD18BDD5}"/>
+              </a:ext>
+            </a:extLst>
+          </p:cNvPr>
+          <p:cNvSpPr>
+            <a:spLocks noGrp="1"/>
+          </p:cNvSpPr>
+          <p:nvPr>
+            <p:ph type="ftr" sz="quarter" idx="11"/>
+          </p:nvPr>
+        </p:nvSpPr>
+        <p:spPr/>
+        <p:txBody>
+          <a:bodyPr/>
+          <a:lstStyle/>
+          <a:p>
+            <a:r>
+              <a:rPr lang="de-DE"/>
+              <a:t>University of Stuttgart</a:t>
+            </a:r>
+            <a:endParaRPr lang="de-DE" dirty="0"/>
+          </a:p>
+        </p:txBody>
+      </p:sp>
+      <p:sp>
+        <p:nvSpPr>
+          <p:cNvPr id="11" name="Datumsplatzhalter 10">
+            <a:extLst>
+              <a:ext uri="{FF2B5EF4-FFF2-40B4-BE49-F238E27FC236}">
+                <a16:creationId xmlns:a16="http://schemas.microsoft.com/office/drawing/2014/main" id="{7ED25E3F-8A39-FDDD-0392-6C05668036BC}"/>
+              </a:ext>
+            </a:extLst>
+          </p:cNvPr>
+          <p:cNvSpPr>
+            <a:spLocks noGrp="1"/>
+          </p:cNvSpPr>
+          <p:nvPr>
+            <p:ph type="dt" sz="half" idx="10"/>
+          </p:nvPr>
+        </p:nvSpPr>
+        <p:spPr/>
+        <p:txBody>
+          <a:bodyPr/>
+          <a:lstStyle/>
+          <a:p>
+            <a:r>
+              <a:rPr lang="de-DE"/>
+              <a:t>Marc Sauter</a:t>
+            </a:r>
+            <a:endParaRPr lang="de-DE" dirty="0"/>
+          </a:p>
+        </p:txBody>
+      </p:sp>
+      <p:sp>
+        <p:nvSpPr>
+          <p:cNvPr id="12" name="Foliennummernplatzhalter 11">
+            <a:extLst>
+              <a:ext uri="{FF2B5EF4-FFF2-40B4-BE49-F238E27FC236}">
+                <a16:creationId xmlns:a16="http://schemas.microsoft.com/office/drawing/2014/main" id="{A034F42B-5D2A-0A05-AD9E-8BD4B3C5EC88}"/>
+              </a:ext>
+            </a:extLst>
+          </p:cNvPr>
+          <p:cNvSpPr>
+            <a:spLocks noGrp="1"/>
+          </p:cNvSpPr>
+          <p:nvPr>
+            <p:ph type="sldNum" sz="quarter" idx="12"/>
+          </p:nvPr>
+        </p:nvSpPr>
+        <p:spPr/>
+        <p:txBody>
+          <a:bodyPr/>
+          <a:lstStyle/>
+          <a:p>
+            <a:r>
+              <a:rPr lang="de-DE" dirty="0"/>
+              <a:t>1</a:t>
+            </a:r>
+          </a:p>
+        </p:txBody>
+      </p:sp>
     </p:spTree>
     <p:extLst>
       <p:ext uri="{BB962C8B-B14F-4D97-AF65-F5344CB8AC3E}">
@@ -15786,13 +19873,13 @@
   <p:clrMapOvr>
     <a:masterClrMapping/>
   </p:clrMapOvr>
-  <mc:AlternateContent xmlns:mc="http://schemas.openxmlformats.org/markup-compatibility/2006">
-    <mc:Choice xmlns:p159="http://schemas.microsoft.com/office/powerpoint/2015/09/main" Requires="p159">
+  <mc:AlternateContent xmlns:mc="http://schemas.openxmlformats.org/markup-compatibility/2006" xmlns:p159="http://schemas.microsoft.com/office/powerpoint/2015/09/main">
+    <mc:Choice Requires="p159">
       <p:transition>
         <p159:morph option="byWord"/>
       </p:transition>
     </mc:Choice>
-    <mc:Fallback>
+    <mc:Fallback xmlns="">
       <p:transition>
         <p:fade/>
       </p:transition>
@@ -16216,6 +20303,92 @@
           </p:txBody>
         </p:sp>
       </p:grpSp>
+      <p:sp>
+        <p:nvSpPr>
+          <p:cNvPr id="4" name="Fußzeilenplatzhalter 3">
+            <a:extLst>
+              <a:ext uri="{FF2B5EF4-FFF2-40B4-BE49-F238E27FC236}">
+                <a16:creationId xmlns:a16="http://schemas.microsoft.com/office/drawing/2014/main" id="{004343A8-CB4A-EE2E-FB95-856C10AA470D}"/>
+              </a:ext>
+            </a:extLst>
+          </p:cNvPr>
+          <p:cNvSpPr>
+            <a:spLocks noGrp="1"/>
+          </p:cNvSpPr>
+          <p:nvPr>
+            <p:ph type="ftr" sz="quarter" idx="11"/>
+          </p:nvPr>
+        </p:nvSpPr>
+        <p:spPr/>
+        <p:txBody>
+          <a:bodyPr/>
+          <a:lstStyle/>
+          <a:p>
+            <a:r>
+              <a:rPr lang="de-DE"/>
+              <a:t>University of Stuttgart</a:t>
+            </a:r>
+            <a:endParaRPr lang="de-DE" dirty="0"/>
+          </a:p>
+        </p:txBody>
+      </p:sp>
+      <p:sp>
+        <p:nvSpPr>
+          <p:cNvPr id="6" name="Datumsplatzhalter 5">
+            <a:extLst>
+              <a:ext uri="{FF2B5EF4-FFF2-40B4-BE49-F238E27FC236}">
+                <a16:creationId xmlns:a16="http://schemas.microsoft.com/office/drawing/2014/main" id="{4B13762F-BD60-939C-8D40-6E141C53644D}"/>
+              </a:ext>
+            </a:extLst>
+          </p:cNvPr>
+          <p:cNvSpPr>
+            <a:spLocks noGrp="1"/>
+          </p:cNvSpPr>
+          <p:nvPr>
+            <p:ph type="dt" sz="half" idx="10"/>
+          </p:nvPr>
+        </p:nvSpPr>
+        <p:spPr/>
+        <p:txBody>
+          <a:bodyPr/>
+          <a:lstStyle/>
+          <a:p>
+            <a:r>
+              <a:rPr lang="de-DE"/>
+              <a:t>Marc Sauter</a:t>
+            </a:r>
+            <a:endParaRPr lang="de-DE" dirty="0"/>
+          </a:p>
+        </p:txBody>
+      </p:sp>
+      <p:sp>
+        <p:nvSpPr>
+          <p:cNvPr id="7" name="Foliennummernplatzhalter 6">
+            <a:extLst>
+              <a:ext uri="{FF2B5EF4-FFF2-40B4-BE49-F238E27FC236}">
+                <a16:creationId xmlns:a16="http://schemas.microsoft.com/office/drawing/2014/main" id="{62B66C93-8B04-B56C-7E7F-B1253A72EE72}"/>
+              </a:ext>
+            </a:extLst>
+          </p:cNvPr>
+          <p:cNvSpPr>
+            <a:spLocks noGrp="1"/>
+          </p:cNvSpPr>
+          <p:nvPr>
+            <p:ph type="sldNum" sz="quarter" idx="12"/>
+          </p:nvPr>
+        </p:nvSpPr>
+        <p:spPr/>
+        <p:txBody>
+          <a:bodyPr/>
+          <a:lstStyle/>
+          <a:p>
+            <a:r>
+              <a:rPr lang="de-DE" dirty="0"/>
+              <a:t>1</a:t>
+            </a:r>
+          </a:p>
+        </p:txBody>
+      </p:sp>
     </p:spTree>
     <p:extLst>
       <p:ext uri="{BB962C8B-B14F-4D97-AF65-F5344CB8AC3E}">
@@ -16226,13 +20399,13 @@
   <p:clrMapOvr>
     <a:masterClrMapping/>
   </p:clrMapOvr>
-  <mc:AlternateContent xmlns:mc="http://schemas.openxmlformats.org/markup-compatibility/2006">
-    <mc:Choice xmlns:p159="http://schemas.microsoft.com/office/powerpoint/2015/09/main" Requires="p159">
+  <mc:AlternateContent xmlns:mc="http://schemas.openxmlformats.org/markup-compatibility/2006" xmlns:p159="http://schemas.microsoft.com/office/powerpoint/2015/09/main">
+    <mc:Choice Requires="p159">
       <p:transition>
         <p159:morph option="byWord"/>
       </p:transition>
     </mc:Choice>
-    <mc:Fallback>
+    <mc:Fallback xmlns="">
       <p:transition>
         <p:fade/>
       </p:transition>
@@ -16838,6 +21011,92 @@
           </a:p>
         </p:txBody>
       </p:sp>
+      <p:sp>
+        <p:nvSpPr>
+          <p:cNvPr id="2" name="Fußzeilenplatzhalter 1">
+            <a:extLst>
+              <a:ext uri="{FF2B5EF4-FFF2-40B4-BE49-F238E27FC236}">
+                <a16:creationId xmlns:a16="http://schemas.microsoft.com/office/drawing/2014/main" id="{93E989F3-4DC8-9A8C-EFFC-3B69F8EE5F0D}"/>
+              </a:ext>
+            </a:extLst>
+          </p:cNvPr>
+          <p:cNvSpPr>
+            <a:spLocks noGrp="1"/>
+          </p:cNvSpPr>
+          <p:nvPr>
+            <p:ph type="ftr" sz="quarter" idx="11"/>
+          </p:nvPr>
+        </p:nvSpPr>
+        <p:spPr/>
+        <p:txBody>
+          <a:bodyPr/>
+          <a:lstStyle/>
+          <a:p>
+            <a:r>
+              <a:rPr lang="de-DE"/>
+              <a:t>University of Stuttgart</a:t>
+            </a:r>
+            <a:endParaRPr lang="de-DE" dirty="0"/>
+          </a:p>
+        </p:txBody>
+      </p:sp>
+      <p:sp>
+        <p:nvSpPr>
+          <p:cNvPr id="4" name="Datumsplatzhalter 3">
+            <a:extLst>
+              <a:ext uri="{FF2B5EF4-FFF2-40B4-BE49-F238E27FC236}">
+                <a16:creationId xmlns:a16="http://schemas.microsoft.com/office/drawing/2014/main" id="{BDF57C07-05CC-F89F-5059-64A9CE341CBE}"/>
+              </a:ext>
+            </a:extLst>
+          </p:cNvPr>
+          <p:cNvSpPr>
+            <a:spLocks noGrp="1"/>
+          </p:cNvSpPr>
+          <p:nvPr>
+            <p:ph type="dt" sz="half" idx="10"/>
+          </p:nvPr>
+        </p:nvSpPr>
+        <p:spPr/>
+        <p:txBody>
+          <a:bodyPr/>
+          <a:lstStyle/>
+          <a:p>
+            <a:r>
+              <a:rPr lang="de-DE"/>
+              <a:t>Marc Sauter</a:t>
+            </a:r>
+            <a:endParaRPr lang="de-DE" dirty="0"/>
+          </a:p>
+        </p:txBody>
+      </p:sp>
+      <p:sp>
+        <p:nvSpPr>
+          <p:cNvPr id="6" name="Foliennummernplatzhalter 5">
+            <a:extLst>
+              <a:ext uri="{FF2B5EF4-FFF2-40B4-BE49-F238E27FC236}">
+                <a16:creationId xmlns:a16="http://schemas.microsoft.com/office/drawing/2014/main" id="{FE055890-00D2-5242-1669-87699A811F18}"/>
+              </a:ext>
+            </a:extLst>
+          </p:cNvPr>
+          <p:cNvSpPr>
+            <a:spLocks noGrp="1"/>
+          </p:cNvSpPr>
+          <p:nvPr>
+            <p:ph type="sldNum" sz="quarter" idx="12"/>
+          </p:nvPr>
+        </p:nvSpPr>
+        <p:spPr/>
+        <p:txBody>
+          <a:bodyPr/>
+          <a:lstStyle/>
+          <a:p>
+            <a:r>
+              <a:rPr lang="de-DE" dirty="0"/>
+              <a:t>1</a:t>
+            </a:r>
+          </a:p>
+        </p:txBody>
+      </p:sp>
     </p:spTree>
     <p:extLst>
       <p:ext uri="{BB962C8B-B14F-4D97-AF65-F5344CB8AC3E}">
@@ -16848,13 +21107,13 @@
   <p:clrMapOvr>
     <a:masterClrMapping/>
   </p:clrMapOvr>
-  <mc:AlternateContent xmlns:mc="http://schemas.openxmlformats.org/markup-compatibility/2006">
-    <mc:Choice xmlns:p159="http://schemas.microsoft.com/office/powerpoint/2015/09/main" Requires="p159">
+  <mc:AlternateContent xmlns:mc="http://schemas.openxmlformats.org/markup-compatibility/2006" xmlns:p159="http://schemas.microsoft.com/office/powerpoint/2015/09/main">
+    <mc:Choice Requires="p159">
       <p:transition>
         <p159:morph option="byWord"/>
       </p:transition>
     </mc:Choice>
-    <mc:Fallback>
+    <mc:Fallback xmlns="">
       <p:transition>
         <p:fade/>
       </p:transition>
@@ -16864,6 +21123,227 @@
 </file>
 
 <file path=ppt/theme/theme1.xml><?xml version="1.0" encoding="utf-8"?>
+<a:theme xmlns:a="http://schemas.openxmlformats.org/drawingml/2006/main" name="Office">
+  <a:themeElements>
+    <a:clrScheme name="Office">
+      <a:dk1>
+        <a:sysClr val="windowText" lastClr="000000"/>
+      </a:dk1>
+      <a:lt1>
+        <a:sysClr val="window" lastClr="FFFFFF"/>
+      </a:lt1>
+      <a:dk2>
+        <a:srgbClr val="0E2841"/>
+      </a:dk2>
+      <a:lt2>
+        <a:srgbClr val="E8E8E8"/>
+      </a:lt2>
+      <a:accent1>
+        <a:srgbClr val="156082"/>
+      </a:accent1>
+      <a:accent2>
+        <a:srgbClr val="E97132"/>
+      </a:accent2>
+      <a:accent3>
+        <a:srgbClr val="196B24"/>
+      </a:accent3>
+      <a:accent4>
+        <a:srgbClr val="0F9ED5"/>
+      </a:accent4>
+      <a:accent5>
+        <a:srgbClr val="A02B93"/>
+      </a:accent5>
+      <a:accent6>
+        <a:srgbClr val="4EA72E"/>
+      </a:accent6>
+      <a:hlink>
+        <a:srgbClr val="467886"/>
+      </a:hlink>
+      <a:folHlink>
+        <a:srgbClr val="96607D"/>
+      </a:folHlink>
+    </a:clrScheme>
+    <a:fontScheme name="Uni stuttgart Schriftart">
+      <a:majorFont>
+        <a:latin typeface="Univers"/>
+        <a:ea typeface=""/>
+        <a:cs typeface=""/>
+      </a:majorFont>
+      <a:minorFont>
+        <a:latin typeface="Univers Light"/>
+        <a:ea typeface=""/>
+        <a:cs typeface=""/>
+      </a:minorFont>
+    </a:fontScheme>
+    <a:fmtScheme name="Office">
+      <a:fillStyleLst>
+        <a:solidFill>
+          <a:schemeClr val="phClr"/>
+        </a:solidFill>
+        <a:gradFill rotWithShape="1">
+          <a:gsLst>
+            <a:gs pos="0">
+              <a:schemeClr val="phClr">
+                <a:lumMod val="110000"/>
+                <a:satMod val="105000"/>
+                <a:tint val="67000"/>
+              </a:schemeClr>
+            </a:gs>
+            <a:gs pos="50000">
+              <a:schemeClr val="phClr">
+                <a:lumMod val="105000"/>
+                <a:satMod val="103000"/>
+                <a:tint val="73000"/>
+              </a:schemeClr>
+            </a:gs>
+            <a:gs pos="100000">
+              <a:schemeClr val="phClr">
+                <a:lumMod val="105000"/>
+                <a:satMod val="109000"/>
+                <a:tint val="81000"/>
+              </a:schemeClr>
+            </a:gs>
+          </a:gsLst>
+          <a:lin ang="5400000" scaled="0"/>
+        </a:gradFill>
+        <a:gradFill rotWithShape="1">
+          <a:gsLst>
+            <a:gs pos="0">
+              <a:schemeClr val="phClr">
+                <a:satMod val="103000"/>
+                <a:lumMod val="102000"/>
+                <a:tint val="94000"/>
+              </a:schemeClr>
+            </a:gs>
+            <a:gs pos="50000">
+              <a:schemeClr val="phClr">
+                <a:satMod val="110000"/>
+                <a:lumMod val="100000"/>
+                <a:shade val="100000"/>
+              </a:schemeClr>
+            </a:gs>
+            <a:gs pos="100000">
+              <a:schemeClr val="phClr">
+                <a:lumMod val="99000"/>
+                <a:satMod val="120000"/>
+                <a:shade val="78000"/>
+              </a:schemeClr>
+            </a:gs>
+          </a:gsLst>
+          <a:lin ang="5400000" scaled="0"/>
+        </a:gradFill>
+      </a:fillStyleLst>
+      <a:lnStyleLst>
+        <a:ln w="12700" cap="flat" cmpd="sng" algn="ctr">
+          <a:solidFill>
+            <a:schemeClr val="phClr"/>
+          </a:solidFill>
+          <a:prstDash val="solid"/>
+          <a:miter lim="800000"/>
+        </a:ln>
+        <a:ln w="19050" cap="flat" cmpd="sng" algn="ctr">
+          <a:solidFill>
+            <a:schemeClr val="phClr"/>
+          </a:solidFill>
+          <a:prstDash val="solid"/>
+          <a:miter lim="800000"/>
+        </a:ln>
+        <a:ln w="25400" cap="flat" cmpd="sng" algn="ctr">
+          <a:solidFill>
+            <a:schemeClr val="phClr"/>
+          </a:solidFill>
+          <a:prstDash val="solid"/>
+          <a:miter lim="800000"/>
+        </a:ln>
+      </a:lnStyleLst>
+      <a:effectStyleLst>
+        <a:effectStyle>
+          <a:effectLst/>
+        </a:effectStyle>
+        <a:effectStyle>
+          <a:effectLst/>
+        </a:effectStyle>
+        <a:effectStyle>
+          <a:effectLst>
+            <a:outerShdw blurRad="57150" dist="19050" dir="5400000" algn="ctr" rotWithShape="0">
+              <a:srgbClr val="000000">
+                <a:alpha val="63000"/>
+              </a:srgbClr>
+            </a:outerShdw>
+          </a:effectLst>
+        </a:effectStyle>
+      </a:effectStyleLst>
+      <a:bgFillStyleLst>
+        <a:solidFill>
+          <a:schemeClr val="phClr"/>
+        </a:solidFill>
+        <a:solidFill>
+          <a:schemeClr val="phClr">
+            <a:tint val="95000"/>
+            <a:satMod val="170000"/>
+          </a:schemeClr>
+        </a:solidFill>
+        <a:gradFill rotWithShape="1">
+          <a:gsLst>
+            <a:gs pos="0">
+              <a:schemeClr val="phClr">
+                <a:tint val="93000"/>
+                <a:satMod val="150000"/>
+                <a:shade val="98000"/>
+                <a:lumMod val="102000"/>
+              </a:schemeClr>
+            </a:gs>
+            <a:gs pos="50000">
+              <a:schemeClr val="phClr">
+                <a:tint val="98000"/>
+                <a:satMod val="130000"/>
+                <a:shade val="90000"/>
+                <a:lumMod val="103000"/>
+              </a:schemeClr>
+            </a:gs>
+            <a:gs pos="100000">
+              <a:schemeClr val="phClr">
+                <a:shade val="63000"/>
+                <a:satMod val="120000"/>
+              </a:schemeClr>
+            </a:gs>
+          </a:gsLst>
+          <a:lin ang="5400000" scaled="0"/>
+        </a:gradFill>
+      </a:bgFillStyleLst>
+    </a:fmtScheme>
+  </a:themeElements>
+  <a:objectDefaults>
+    <a:lnDef>
+      <a:spPr/>
+      <a:bodyPr/>
+      <a:lstStyle/>
+      <a:style>
+        <a:lnRef idx="2">
+          <a:schemeClr val="accent1"/>
+        </a:lnRef>
+        <a:fillRef idx="0">
+          <a:schemeClr val="accent1"/>
+        </a:fillRef>
+        <a:effectRef idx="1">
+          <a:schemeClr val="accent1"/>
+        </a:effectRef>
+        <a:fontRef idx="minor">
+          <a:schemeClr val="tx1"/>
+        </a:fontRef>
+      </a:style>
+    </a:lnDef>
+  </a:objectDefaults>
+  <a:extraClrSchemeLst/>
+  <a:extLst>
+    <a:ext uri="{05A4C25C-085E-4340-85A3-A5531E510DB2}">
+      <thm15:themeFamily xmlns:thm15="http://schemas.microsoft.com/office/thememl/2012/main" name="Office Theme" id="{2E142A2C-CD16-42D6-873A-C26D2A0506FA}" vid="{1BDDFF52-6CD6-40A5-AB3C-68EB2F1E4D0A}"/>
+    </a:ext>
+  </a:extLst>
+</a:theme>
+</file>
+
+<file path=ppt/theme/theme2.xml><?xml version="1.0" encoding="utf-8"?>
 <a:theme xmlns:a="http://schemas.openxmlformats.org/drawingml/2006/main" name="Office">
   <a:themeElements>
     <a:clrScheme name="Office">
